--- a/НугумановМА_создание_сайта.pptx
+++ b/НугумановМА_создание_сайта.pptx
@@ -25,7 +25,6 @@
     <p:sldId id="273" r:id="rId20"/>
     <p:sldId id="274" r:id="rId21"/>
     <p:sldId id="275" r:id="rId22"/>
-    <p:sldId id="276" r:id="rId23"/>
   </p:sldIdLst>
   <p:sldSz cx="10080625" cy="5670550"/>
   <p:notesSz cx="7559675" cy="10691813"/>
@@ -83,7 +82,7 @@
         <p:txBody>
           <a:bodyPr/>
           <a:p>
-            <a:fld id="{3DE8849A-6463-4F38-A4A5-BA576D4B2F1B}" type="slidenum">
+            <a:fld id="{F3FA24D0-B0E9-450B-BB44-8E516751D205}" type="slidenum">
               <a:t>&lt;#&gt;</a:t>
             </a:fld>
           </a:p>
@@ -145,7 +144,7 @@
         <p:spPr>
           <a:xfrm>
             <a:off x="504000" y="74160"/>
-            <a:ext cx="9071280" cy="1250280"/>
+            <a:ext cx="9070920" cy="1250280"/>
           </a:xfrm>
           <a:prstGeom prst="rect">
             <a:avLst/>
@@ -185,7 +184,7 @@
         <p:spPr>
           <a:xfrm>
             <a:off x="504000" y="1326600"/>
-            <a:ext cx="9072000" cy="1568520"/>
+            <a:ext cx="4426560" cy="747720"/>
           </a:xfrm>
           <a:prstGeom prst="rect">
             <a:avLst/>
@@ -197,7 +196,7 @@
         </p:spPr>
         <p:txBody>
           <a:bodyPr lIns="0" rIns="0" tIns="0" bIns="0" anchor="t">
-            <a:normAutofit/>
+            <a:normAutofit fontScale="81242"/>
           </a:bodyPr>
           <a:p>
             <a:pPr indent="0">
@@ -227,8 +226,8 @@
         </p:nvSpPr>
         <p:spPr>
           <a:xfrm>
-            <a:off x="504000" y="3044520"/>
-            <a:ext cx="9072000" cy="1568520"/>
+            <a:off x="504000" y="2145600"/>
+            <a:ext cx="4426560" cy="747720"/>
           </a:xfrm>
           <a:prstGeom prst="rect">
             <a:avLst/>
@@ -240,7 +239,7 @@
         </p:spPr>
         <p:txBody>
           <a:bodyPr lIns="0" rIns="0" tIns="0" bIns="0" anchor="t">
-            <a:normAutofit/>
+            <a:normAutofit fontScale="81242"/>
           </a:bodyPr>
           <a:p>
             <a:pPr indent="0">
@@ -292,7 +291,7 @@
         <p:txBody>
           <a:bodyPr/>
           <a:p>
-            <a:fld id="{7A620920-7FA0-4D06-818D-E5D77A4D3A1E}" type="slidenum">
+            <a:fld id="{23A720A3-2B92-429D-B276-45C2CE5A2DE3}" type="slidenum">
               <a:t>&lt;#&gt;</a:t>
             </a:fld>
           </a:p>
@@ -354,7 +353,7 @@
         <p:spPr>
           <a:xfrm>
             <a:off x="504000" y="74160"/>
-            <a:ext cx="9071280" cy="1250280"/>
+            <a:ext cx="9070920" cy="1250280"/>
           </a:xfrm>
           <a:prstGeom prst="rect">
             <a:avLst/>
@@ -394,7 +393,7 @@
         <p:spPr>
           <a:xfrm>
             <a:off x="504000" y="1326600"/>
-            <a:ext cx="4426920" cy="1568520"/>
+            <a:ext cx="2160000" cy="747720"/>
           </a:xfrm>
           <a:prstGeom prst="rect">
             <a:avLst/>
@@ -406,7 +405,7 @@
         </p:spPr>
         <p:txBody>
           <a:bodyPr lIns="0" rIns="0" tIns="0" bIns="0" anchor="t">
-            <a:normAutofit/>
+            <a:normAutofit fontScale="53119"/>
           </a:bodyPr>
           <a:p>
             <a:pPr indent="0">
@@ -436,8 +435,8 @@
         </p:nvSpPr>
         <p:spPr>
           <a:xfrm>
-            <a:off x="5152680" y="1326600"/>
-            <a:ext cx="4426920" cy="1568520"/>
+            <a:off x="2772360" y="1326600"/>
+            <a:ext cx="2160000" cy="747720"/>
           </a:xfrm>
           <a:prstGeom prst="rect">
             <a:avLst/>
@@ -449,7 +448,7 @@
         </p:spPr>
         <p:txBody>
           <a:bodyPr lIns="0" rIns="0" tIns="0" bIns="0" anchor="t">
-            <a:normAutofit/>
+            <a:normAutofit fontScale="53119"/>
           </a:bodyPr>
           <a:p>
             <a:pPr indent="0">
@@ -479,8 +478,8 @@
         </p:nvSpPr>
         <p:spPr>
           <a:xfrm>
-            <a:off x="504000" y="3044520"/>
-            <a:ext cx="4426920" cy="1568520"/>
+            <a:off x="504000" y="2145600"/>
+            <a:ext cx="2160000" cy="747720"/>
           </a:xfrm>
           <a:prstGeom prst="rect">
             <a:avLst/>
@@ -492,7 +491,7 @@
         </p:spPr>
         <p:txBody>
           <a:bodyPr lIns="0" rIns="0" tIns="0" bIns="0" anchor="t">
-            <a:normAutofit/>
+            <a:normAutofit fontScale="53119"/>
           </a:bodyPr>
           <a:p>
             <a:pPr indent="0">
@@ -522,8 +521,8 @@
         </p:nvSpPr>
         <p:spPr>
           <a:xfrm>
-            <a:off x="5152680" y="3044520"/>
-            <a:ext cx="4426920" cy="1568520"/>
+            <a:off x="2772360" y="2145600"/>
+            <a:ext cx="2160000" cy="747720"/>
           </a:xfrm>
           <a:prstGeom prst="rect">
             <a:avLst/>
@@ -535,7 +534,7 @@
         </p:spPr>
         <p:txBody>
           <a:bodyPr lIns="0" rIns="0" tIns="0" bIns="0" anchor="t">
-            <a:normAutofit/>
+            <a:normAutofit fontScale="53119"/>
           </a:bodyPr>
           <a:p>
             <a:pPr indent="0">
@@ -587,7 +586,7 @@
         <p:txBody>
           <a:bodyPr/>
           <a:p>
-            <a:fld id="{3A61E13C-2562-4EE2-85FC-A0C8A4F6CBA0}" type="slidenum">
+            <a:fld id="{BD5CB49A-1FD3-418B-853B-7194DDE0FAB1}" type="slidenum">
               <a:t>&lt;#&gt;</a:t>
             </a:fld>
           </a:p>
@@ -649,7 +648,7 @@
         <p:spPr>
           <a:xfrm>
             <a:off x="504000" y="74160"/>
-            <a:ext cx="9071280" cy="1250280"/>
+            <a:ext cx="9070920" cy="1250280"/>
           </a:xfrm>
           <a:prstGeom prst="rect">
             <a:avLst/>
@@ -689,7 +688,7 @@
         <p:spPr>
           <a:xfrm>
             <a:off x="504000" y="1326600"/>
-            <a:ext cx="2921040" cy="1568520"/>
+            <a:ext cx="1425240" cy="747720"/>
           </a:xfrm>
           <a:prstGeom prst="rect">
             <a:avLst/>
@@ -701,7 +700,7 @@
         </p:spPr>
         <p:txBody>
           <a:bodyPr lIns="0" rIns="0" tIns="0" bIns="0" anchor="t">
-            <a:normAutofit fontScale="87491" lnSpcReduction="20000"/>
+            <a:normAutofit fontScale="34371" lnSpcReduction="10000"/>
           </a:bodyPr>
           <a:p>
             <a:pPr indent="0">
@@ -731,8 +730,8 @@
         </p:nvSpPr>
         <p:spPr>
           <a:xfrm>
-            <a:off x="3571560" y="1326600"/>
-            <a:ext cx="2921040" cy="1568520"/>
+            <a:off x="2000880" y="1326600"/>
+            <a:ext cx="1425240" cy="747720"/>
           </a:xfrm>
           <a:prstGeom prst="rect">
             <a:avLst/>
@@ -744,7 +743,7 @@
         </p:spPr>
         <p:txBody>
           <a:bodyPr lIns="0" rIns="0" tIns="0" bIns="0" anchor="t">
-            <a:normAutofit fontScale="87491" lnSpcReduction="20000"/>
+            <a:normAutofit fontScale="34371" lnSpcReduction="10000"/>
           </a:bodyPr>
           <a:p>
             <a:pPr indent="0">
@@ -774,8 +773,8 @@
         </p:nvSpPr>
         <p:spPr>
           <a:xfrm>
-            <a:off x="6639120" y="1326600"/>
-            <a:ext cx="2921040" cy="1568520"/>
+            <a:off x="3497760" y="1326600"/>
+            <a:ext cx="1425240" cy="747720"/>
           </a:xfrm>
           <a:prstGeom prst="rect">
             <a:avLst/>
@@ -787,7 +786,7 @@
         </p:spPr>
         <p:txBody>
           <a:bodyPr lIns="0" rIns="0" tIns="0" bIns="0" anchor="t">
-            <a:normAutofit fontScale="87491" lnSpcReduction="20000"/>
+            <a:normAutofit fontScale="34371" lnSpcReduction="10000"/>
           </a:bodyPr>
           <a:p>
             <a:pPr indent="0">
@@ -817,8 +816,8 @@
         </p:nvSpPr>
         <p:spPr>
           <a:xfrm>
-            <a:off x="504000" y="3044520"/>
-            <a:ext cx="2921040" cy="1568520"/>
+            <a:off x="504000" y="2145600"/>
+            <a:ext cx="1425240" cy="747720"/>
           </a:xfrm>
           <a:prstGeom prst="rect">
             <a:avLst/>
@@ -830,7 +829,7 @@
         </p:spPr>
         <p:txBody>
           <a:bodyPr lIns="0" rIns="0" tIns="0" bIns="0" anchor="t">
-            <a:normAutofit fontScale="87491" lnSpcReduction="20000"/>
+            <a:normAutofit fontScale="34371" lnSpcReduction="10000"/>
           </a:bodyPr>
           <a:p>
             <a:pPr indent="0">
@@ -860,8 +859,8 @@
         </p:nvSpPr>
         <p:spPr>
           <a:xfrm>
-            <a:off x="3571560" y="3044520"/>
-            <a:ext cx="2921040" cy="1568520"/>
+            <a:off x="2000880" y="2145600"/>
+            <a:ext cx="1425240" cy="747720"/>
           </a:xfrm>
           <a:prstGeom prst="rect">
             <a:avLst/>
@@ -873,7 +872,7 @@
         </p:spPr>
         <p:txBody>
           <a:bodyPr lIns="0" rIns="0" tIns="0" bIns="0" anchor="t">
-            <a:normAutofit fontScale="87491" lnSpcReduction="20000"/>
+            <a:normAutofit fontScale="34371" lnSpcReduction="10000"/>
           </a:bodyPr>
           <a:p>
             <a:pPr indent="0">
@@ -903,8 +902,8 @@
         </p:nvSpPr>
         <p:spPr>
           <a:xfrm>
-            <a:off x="6639120" y="3044520"/>
-            <a:ext cx="2921040" cy="1568520"/>
+            <a:off x="3497760" y="2145600"/>
+            <a:ext cx="1425240" cy="747720"/>
           </a:xfrm>
           <a:prstGeom prst="rect">
             <a:avLst/>
@@ -916,7 +915,7 @@
         </p:spPr>
         <p:txBody>
           <a:bodyPr lIns="0" rIns="0" tIns="0" bIns="0" anchor="t">
-            <a:normAutofit fontScale="87491" lnSpcReduction="20000"/>
+            <a:normAutofit fontScale="34371" lnSpcReduction="10000"/>
           </a:bodyPr>
           <a:p>
             <a:pPr indent="0">
@@ -968,7 +967,7 @@
         <p:txBody>
           <a:bodyPr/>
           <a:p>
-            <a:fld id="{BEBFF23A-2680-4373-BF00-BF647D392DD7}" type="slidenum">
+            <a:fld id="{20962D6C-441C-4EA4-848D-C1F026B622A4}" type="slidenum">
               <a:t>&lt;#&gt;</a:t>
             </a:fld>
           </a:p>
@@ -1030,7 +1029,7 @@
         <p:spPr>
           <a:xfrm>
             <a:off x="504000" y="74160"/>
-            <a:ext cx="9071280" cy="1250280"/>
+            <a:ext cx="9070920" cy="1250280"/>
           </a:xfrm>
           <a:prstGeom prst="rect">
             <a:avLst/>
@@ -1070,7 +1069,7 @@
         <p:spPr>
           <a:xfrm>
             <a:off x="504000" y="1326600"/>
-            <a:ext cx="9072000" cy="3288600"/>
+            <a:ext cx="4426560" cy="1568160"/>
           </a:xfrm>
           <a:prstGeom prst="rect">
             <a:avLst/>
@@ -1131,7 +1130,7 @@
         <p:txBody>
           <a:bodyPr/>
           <a:p>
-            <a:fld id="{80909274-4129-415C-B233-29FFEAC02FE5}" type="slidenum">
+            <a:fld id="{191D68E4-40F2-4A3A-A855-3616DB5733F9}" type="slidenum">
               <a:t>&lt;#&gt;</a:t>
             </a:fld>
           </a:p>
@@ -1193,7 +1192,7 @@
         <p:spPr>
           <a:xfrm>
             <a:off x="504000" y="74160"/>
-            <a:ext cx="9071280" cy="1250280"/>
+            <a:ext cx="9070920" cy="1250280"/>
           </a:xfrm>
           <a:prstGeom prst="rect">
             <a:avLst/>
@@ -1233,7 +1232,7 @@
         <p:spPr>
           <a:xfrm>
             <a:off x="504000" y="1326600"/>
-            <a:ext cx="9072000" cy="3288600"/>
+            <a:ext cx="4426560" cy="1568160"/>
           </a:xfrm>
           <a:prstGeom prst="rect">
             <a:avLst/>
@@ -1297,7 +1296,7 @@
         <p:txBody>
           <a:bodyPr/>
           <a:p>
-            <a:fld id="{251EE937-D63E-4D67-A974-37D6757DB08A}" type="slidenum">
+            <a:fld id="{EBC1372F-EA83-4617-9376-E47E4A4B60B5}" type="slidenum">
               <a:t>&lt;#&gt;</a:t>
             </a:fld>
           </a:p>
@@ -1359,7 +1358,7 @@
         <p:spPr>
           <a:xfrm>
             <a:off x="504000" y="74160"/>
-            <a:ext cx="9071280" cy="1250280"/>
+            <a:ext cx="9070920" cy="1250280"/>
           </a:xfrm>
           <a:prstGeom prst="rect">
             <a:avLst/>
@@ -1399,7 +1398,7 @@
         <p:spPr>
           <a:xfrm>
             <a:off x="504000" y="1326600"/>
-            <a:ext cx="4426920" cy="3288600"/>
+            <a:ext cx="2160000" cy="1568160"/>
           </a:xfrm>
           <a:prstGeom prst="rect">
             <a:avLst/>
@@ -1411,7 +1410,7 @@
         </p:spPr>
         <p:txBody>
           <a:bodyPr lIns="0" rIns="0" tIns="0" bIns="0" anchor="t">
-            <a:normAutofit/>
+            <a:normAutofit fontScale="68743"/>
           </a:bodyPr>
           <a:p>
             <a:pPr indent="0">
@@ -1441,8 +1440,8 @@
         </p:nvSpPr>
         <p:spPr>
           <a:xfrm>
-            <a:off x="5152680" y="1326600"/>
-            <a:ext cx="4426920" cy="3288600"/>
+            <a:off x="2772360" y="1326600"/>
+            <a:ext cx="2160000" cy="1568160"/>
           </a:xfrm>
           <a:prstGeom prst="rect">
             <a:avLst/>
@@ -1454,7 +1453,7 @@
         </p:spPr>
         <p:txBody>
           <a:bodyPr lIns="0" rIns="0" tIns="0" bIns="0" anchor="t">
-            <a:normAutofit/>
+            <a:normAutofit fontScale="68743"/>
           </a:bodyPr>
           <a:p>
             <a:pPr indent="0">
@@ -1506,7 +1505,7 @@
         <p:txBody>
           <a:bodyPr/>
           <a:p>
-            <a:fld id="{11048BC7-C610-4E89-9345-5FC47FE761EA}" type="slidenum">
+            <a:fld id="{276AB5E6-E24A-4627-AE79-BB8DC6497D76}" type="slidenum">
               <a:t>&lt;#&gt;</a:t>
             </a:fld>
           </a:p>
@@ -1568,7 +1567,7 @@
         <p:spPr>
           <a:xfrm>
             <a:off x="504000" y="74160"/>
-            <a:ext cx="9071280" cy="1250280"/>
+            <a:ext cx="9070920" cy="1250280"/>
           </a:xfrm>
           <a:prstGeom prst="rect">
             <a:avLst/>
@@ -1629,7 +1628,7 @@
         <p:txBody>
           <a:bodyPr/>
           <a:p>
-            <a:fld id="{873B642B-8CAE-4340-8DEE-C615990B9B0D}" type="slidenum">
+            <a:fld id="{AB4E1DDF-20CC-4102-B4D5-18C2FDABC2BA}" type="slidenum">
               <a:t>&lt;#&gt;</a:t>
             </a:fld>
           </a:p>
@@ -1691,7 +1690,7 @@
         <p:spPr>
           <a:xfrm>
             <a:off x="504000" y="74160"/>
-            <a:ext cx="9071280" cy="5795280"/>
+            <a:ext cx="9070920" cy="5795280"/>
           </a:xfrm>
           <a:prstGeom prst="rect">
             <a:avLst/>
@@ -1750,7 +1749,7 @@
         <p:txBody>
           <a:bodyPr/>
           <a:p>
-            <a:fld id="{1F227E75-C54A-4C8B-98D4-4678BCDAE9DB}" type="slidenum">
+            <a:fld id="{B4E7FE2D-7A35-45C5-9F9B-EB63404AE0FE}" type="slidenum">
               <a:t>&lt;#&gt;</a:t>
             </a:fld>
           </a:p>
@@ -1812,7 +1811,7 @@
         <p:spPr>
           <a:xfrm>
             <a:off x="504000" y="74160"/>
-            <a:ext cx="9071280" cy="1250280"/>
+            <a:ext cx="9070920" cy="1250280"/>
           </a:xfrm>
           <a:prstGeom prst="rect">
             <a:avLst/>
@@ -1852,7 +1851,7 @@
         <p:spPr>
           <a:xfrm>
             <a:off x="504000" y="1326600"/>
-            <a:ext cx="4426920" cy="1568520"/>
+            <a:ext cx="2160000" cy="747720"/>
           </a:xfrm>
           <a:prstGeom prst="rect">
             <a:avLst/>
@@ -1864,7 +1863,7 @@
         </p:spPr>
         <p:txBody>
           <a:bodyPr lIns="0" rIns="0" tIns="0" bIns="0" anchor="t">
-            <a:normAutofit/>
+            <a:normAutofit fontScale="53119"/>
           </a:bodyPr>
           <a:p>
             <a:pPr indent="0">
@@ -1894,8 +1893,8 @@
         </p:nvSpPr>
         <p:spPr>
           <a:xfrm>
-            <a:off x="5152680" y="1326600"/>
-            <a:ext cx="4426920" cy="3288600"/>
+            <a:off x="2772360" y="1326600"/>
+            <a:ext cx="2160000" cy="1568160"/>
           </a:xfrm>
           <a:prstGeom prst="rect">
             <a:avLst/>
@@ -1907,7 +1906,7 @@
         </p:spPr>
         <p:txBody>
           <a:bodyPr lIns="0" rIns="0" tIns="0" bIns="0" anchor="t">
-            <a:normAutofit/>
+            <a:normAutofit fontScale="68743"/>
           </a:bodyPr>
           <a:p>
             <a:pPr indent="0">
@@ -1937,8 +1936,8 @@
         </p:nvSpPr>
         <p:spPr>
           <a:xfrm>
-            <a:off x="504000" y="3044520"/>
-            <a:ext cx="4426920" cy="1568520"/>
+            <a:off x="504000" y="2145600"/>
+            <a:ext cx="2160000" cy="747720"/>
           </a:xfrm>
           <a:prstGeom prst="rect">
             <a:avLst/>
@@ -1950,7 +1949,7 @@
         </p:spPr>
         <p:txBody>
           <a:bodyPr lIns="0" rIns="0" tIns="0" bIns="0" anchor="t">
-            <a:normAutofit/>
+            <a:normAutofit fontScale="53119"/>
           </a:bodyPr>
           <a:p>
             <a:pPr indent="0">
@@ -2002,7 +2001,7 @@
         <p:txBody>
           <a:bodyPr/>
           <a:p>
-            <a:fld id="{0AAF425C-FAA2-48BE-86B3-CE07B17E3725}" type="slidenum">
+            <a:fld id="{419EC131-69D1-4779-A015-F214712FC9ED}" type="slidenum">
               <a:t>&lt;#&gt;</a:t>
             </a:fld>
           </a:p>
@@ -2064,7 +2063,7 @@
         <p:spPr>
           <a:xfrm>
             <a:off x="504000" y="74160"/>
-            <a:ext cx="9071280" cy="1250280"/>
+            <a:ext cx="9070920" cy="1250280"/>
           </a:xfrm>
           <a:prstGeom prst="rect">
             <a:avLst/>
@@ -2104,7 +2103,7 @@
         <p:spPr>
           <a:xfrm>
             <a:off x="504000" y="1326600"/>
-            <a:ext cx="4426920" cy="3288600"/>
+            <a:ext cx="2160000" cy="1568160"/>
           </a:xfrm>
           <a:prstGeom prst="rect">
             <a:avLst/>
@@ -2116,7 +2115,7 @@
         </p:spPr>
         <p:txBody>
           <a:bodyPr lIns="0" rIns="0" tIns="0" bIns="0" anchor="t">
-            <a:normAutofit/>
+            <a:normAutofit fontScale="68743"/>
           </a:bodyPr>
           <a:p>
             <a:pPr indent="0">
@@ -2146,8 +2145,8 @@
         </p:nvSpPr>
         <p:spPr>
           <a:xfrm>
-            <a:off x="5152680" y="1326600"/>
-            <a:ext cx="4426920" cy="1568520"/>
+            <a:off x="2772360" y="1326600"/>
+            <a:ext cx="2160000" cy="747720"/>
           </a:xfrm>
           <a:prstGeom prst="rect">
             <a:avLst/>
@@ -2159,7 +2158,7 @@
         </p:spPr>
         <p:txBody>
           <a:bodyPr lIns="0" rIns="0" tIns="0" bIns="0" anchor="t">
-            <a:normAutofit/>
+            <a:normAutofit fontScale="53119"/>
           </a:bodyPr>
           <a:p>
             <a:pPr indent="0">
@@ -2189,8 +2188,8 @@
         </p:nvSpPr>
         <p:spPr>
           <a:xfrm>
-            <a:off x="5152680" y="3044520"/>
-            <a:ext cx="4426920" cy="1568520"/>
+            <a:off x="2772360" y="2145600"/>
+            <a:ext cx="2160000" cy="747720"/>
           </a:xfrm>
           <a:prstGeom prst="rect">
             <a:avLst/>
@@ -2202,7 +2201,7 @@
         </p:spPr>
         <p:txBody>
           <a:bodyPr lIns="0" rIns="0" tIns="0" bIns="0" anchor="t">
-            <a:normAutofit/>
+            <a:normAutofit fontScale="53119"/>
           </a:bodyPr>
           <a:p>
             <a:pPr indent="0">
@@ -2254,7 +2253,7 @@
         <p:txBody>
           <a:bodyPr/>
           <a:p>
-            <a:fld id="{419951B0-9687-4CAD-AA9E-977F1F2E3585}" type="slidenum">
+            <a:fld id="{923AF543-20D8-4CDB-92F8-6390E3FD9CA1}" type="slidenum">
               <a:t>&lt;#&gt;</a:t>
             </a:fld>
           </a:p>
@@ -2316,7 +2315,7 @@
         <p:spPr>
           <a:xfrm>
             <a:off x="504000" y="74160"/>
-            <a:ext cx="9071280" cy="1250280"/>
+            <a:ext cx="9070920" cy="1250280"/>
           </a:xfrm>
           <a:prstGeom prst="rect">
             <a:avLst/>
@@ -2356,7 +2355,7 @@
         <p:spPr>
           <a:xfrm>
             <a:off x="504000" y="1326600"/>
-            <a:ext cx="4426920" cy="1568520"/>
+            <a:ext cx="2160000" cy="747720"/>
           </a:xfrm>
           <a:prstGeom prst="rect">
             <a:avLst/>
@@ -2368,7 +2367,7 @@
         </p:spPr>
         <p:txBody>
           <a:bodyPr lIns="0" rIns="0" tIns="0" bIns="0" anchor="t">
-            <a:normAutofit/>
+            <a:normAutofit fontScale="53119"/>
           </a:bodyPr>
           <a:p>
             <a:pPr indent="0">
@@ -2398,8 +2397,8 @@
         </p:nvSpPr>
         <p:spPr>
           <a:xfrm>
-            <a:off x="5152680" y="1326600"/>
-            <a:ext cx="4426920" cy="1568520"/>
+            <a:off x="2772360" y="1326600"/>
+            <a:ext cx="2160000" cy="747720"/>
           </a:xfrm>
           <a:prstGeom prst="rect">
             <a:avLst/>
@@ -2411,7 +2410,7 @@
         </p:spPr>
         <p:txBody>
           <a:bodyPr lIns="0" rIns="0" tIns="0" bIns="0" anchor="t">
-            <a:normAutofit/>
+            <a:normAutofit fontScale="53119"/>
           </a:bodyPr>
           <a:p>
             <a:pPr indent="0">
@@ -2441,8 +2440,8 @@
         </p:nvSpPr>
         <p:spPr>
           <a:xfrm>
-            <a:off x="504000" y="3044520"/>
-            <a:ext cx="9072000" cy="1568520"/>
+            <a:off x="504000" y="2145600"/>
+            <a:ext cx="4426560" cy="747720"/>
           </a:xfrm>
           <a:prstGeom prst="rect">
             <a:avLst/>
@@ -2454,7 +2453,7 @@
         </p:spPr>
         <p:txBody>
           <a:bodyPr lIns="0" rIns="0" tIns="0" bIns="0" anchor="t">
-            <a:normAutofit/>
+            <a:normAutofit fontScale="81242"/>
           </a:bodyPr>
           <a:p>
             <a:pPr indent="0">
@@ -2506,7 +2505,7 @@
         <p:txBody>
           <a:bodyPr/>
           <a:p>
-            <a:fld id="{893537E9-EEB0-4798-98C4-BBBF5ECF68FE}" type="slidenum">
+            <a:fld id="{0AD43BB0-917C-41CA-BB42-4F11711EA128}" type="slidenum">
               <a:t>&lt;#&gt;</a:t>
             </a:fld>
           </a:p>
@@ -2568,7 +2567,7 @@
         <p:spPr>
           <a:xfrm>
             <a:off x="504000" y="74160"/>
-            <a:ext cx="9071280" cy="1249920"/>
+            <a:ext cx="9070920" cy="1249920"/>
           </a:xfrm>
           <a:prstGeom prst="rect">
             <a:avLst/>
@@ -2617,7 +2616,7 @@
         <p:spPr>
           <a:xfrm>
             <a:off x="504000" y="1326600"/>
-            <a:ext cx="4426560" cy="1567800"/>
+            <a:ext cx="4426560" cy="1568160"/>
           </a:xfrm>
           <a:prstGeom prst="rect">
             <a:avLst/>
@@ -2842,7 +2841,7 @@
         <p:spPr>
           <a:xfrm>
             <a:off x="5152680" y="1326600"/>
-            <a:ext cx="4426560" cy="1567800"/>
+            <a:ext cx="4426560" cy="1568160"/>
           </a:xfrm>
           <a:prstGeom prst="rect">
             <a:avLst/>
@@ -3066,8 +3065,8 @@
         </p:nvSpPr>
         <p:spPr>
           <a:xfrm>
-            <a:off x="504000" y="3044160"/>
-            <a:ext cx="9071280" cy="1567800"/>
+            <a:off x="504000" y="3044520"/>
+            <a:ext cx="9071640" cy="1568160"/>
           </a:xfrm>
           <a:prstGeom prst="rect">
             <a:avLst/>
@@ -3292,7 +3291,7 @@
         <p:spPr>
           <a:xfrm>
             <a:off x="3447360" y="5165280"/>
-            <a:ext cx="3194640" cy="390240"/>
+            <a:ext cx="3194280" cy="389880"/>
           </a:xfrm>
           <a:prstGeom prst="rect">
             <a:avLst/>
@@ -3364,7 +3363,7 @@
         <p:spPr>
           <a:xfrm>
             <a:off x="7227360" y="5165280"/>
-            <a:ext cx="2347920" cy="390240"/>
+            <a:ext cx="2347560" cy="389880"/>
           </a:xfrm>
           <a:prstGeom prst="rect">
             <a:avLst/>
@@ -3405,7 +3404,7 @@
                 <a:tab algn="l" pos="0"/>
               </a:tabLst>
             </a:pPr>
-            <a:fld id="{F4B64D69-28A0-489E-9E58-0640D7F42073}" type="slidenum">
+            <a:fld id="{38980F41-02C9-4B14-8561-86CD3986B359}" type="slidenum">
               <a:rPr b="0" lang="ru-RU" sz="1400" spc="-1" strike="noStrike">
                 <a:solidFill>
                   <a:srgbClr val="000000"/>
@@ -3436,7 +3435,7 @@
         <p:spPr>
           <a:xfrm>
             <a:off x="504000" y="5165280"/>
-            <a:ext cx="2347920" cy="390240"/>
+            <a:ext cx="2347560" cy="389880"/>
           </a:xfrm>
           <a:prstGeom prst="rect">
             <a:avLst/>
@@ -3510,7 +3509,7 @@
       <p:bgPr>
         <a:blipFill rotWithShape="0">
           <a:blip r:embed="rId1"/>
-          <a:tile tx="0" ty="0" sx="82685" sy="82684" algn="ctr"/>
+          <a:tile tx="0" ty="0" sx="82682" sy="82679" algn="ctr"/>
         </a:blipFill>
       </p:bgPr>
     </p:bg>
@@ -3537,7 +3536,7 @@
         <p:spPr>
           <a:xfrm>
             <a:off x="3164760" y="4860000"/>
-            <a:ext cx="3452400" cy="343080"/>
+            <a:ext cx="3452040" cy="342720"/>
           </a:xfrm>
           <a:prstGeom prst="rect">
             <a:avLst/>
@@ -3569,6 +3568,7 @@
                   <a:srgbClr val="000000"/>
                 </a:solidFill>
                 <a:latin typeface="Times New Roman"/>
+                <a:ea typeface="DejaVu Sans"/>
               </a:rPr>
               <a:t>Нугуманов Мухаммад Ахтарович</a:t>
             </a:r>
@@ -3590,7 +3590,7 @@
         <p:spPr>
           <a:xfrm>
             <a:off x="1620360" y="1620000"/>
-            <a:ext cx="6839280" cy="3463920"/>
+            <a:ext cx="6838920" cy="3463560"/>
           </a:xfrm>
           <a:prstGeom prst="rect">
             <a:avLst/>
@@ -3622,6 +3622,7 @@
                   <a:srgbClr val="000000"/>
                 </a:solidFill>
                 <a:latin typeface="Times New Roman"/>
+                <a:ea typeface="DejaVu Sans"/>
               </a:rPr>
               <a:t>СИСТЕМА УПРАВЛЕНИЯ КОНТЕНТОМ </a:t>
             </a:r>
@@ -3631,6 +3632,7 @@
                   <a:srgbClr val="000000"/>
                 </a:solidFill>
                 <a:latin typeface="Times New Roman"/>
+                <a:ea typeface="DejaVu Sans"/>
               </a:rPr>
               <a:t>JOOMLA</a:t>
             </a:r>
@@ -3640,6 +3642,7 @@
                   <a:srgbClr val="000000"/>
                 </a:solidFill>
                 <a:latin typeface="Times New Roman"/>
+                <a:ea typeface="DejaVu Sans"/>
               </a:rPr>
               <a:t>!  КАК ИНСТРУМЕНТ СОЗДАНИЯ И РАЗМЕЩЕНИЯ В СЕТИ  САЙТА МЕЧЕТИ «ТАКВА»</a:t>
             </a:r>
@@ -3698,8 +3701,8 @@
         </p:nvSpPr>
         <p:spPr>
           <a:xfrm>
-            <a:off x="360000" y="1778400"/>
-            <a:ext cx="9359640" cy="2361600"/>
+            <a:off x="360000" y="180000"/>
+            <a:ext cx="9359280" cy="5324040"/>
           </a:xfrm>
           <a:prstGeom prst="rect">
             <a:avLst/>
@@ -3720,22 +3723,179 @@
             <a:noAutofit/>
           </a:bodyPr>
           <a:p>
-            <a:pPr algn="ctr"/>
-            <a:r>
-              <a:rPr b="1" lang="ru-RU" sz="2800" spc="-1" strike="noStrike">
-                <a:solidFill>
-                  <a:srgbClr val="000000"/>
-                </a:solidFill>
-                <a:latin typeface="Times New Roman"/>
-                <a:ea typeface="NSimSun"/>
-              </a:rPr>
-              <a:t>СОДЕРЖАНИЕ</a:t>
-            </a:r>
-            <a:endParaRPr b="1" lang="ru-RU" sz="2800" spc="-1" strike="noStrike">
-              <a:solidFill>
-                <a:srgbClr val="000000"/>
-              </a:solidFill>
-              <a:latin typeface="Times New Roman"/>
+            <a:pPr algn="just">
+              <a:lnSpc>
+                <a:spcPct val="150000"/>
+              </a:lnSpc>
+            </a:pPr>
+            <a:r>
+              <a:rPr b="1" lang="ru-RU" sz="2400" spc="-1" strike="noStrike">
+                <a:solidFill>
+                  <a:srgbClr val="000000"/>
+                </a:solidFill>
+                <a:latin typeface="Times New Roman"/>
+                <a:ea typeface="NSimSun"/>
+              </a:rPr>
+              <a:t>	</a:t>
+            </a:r>
+            <a:r>
+              <a:rPr b="1" lang="ru-RU" sz="2400" spc="-1" strike="noStrike">
+                <a:solidFill>
+                  <a:srgbClr val="000000"/>
+                </a:solidFill>
+                <a:latin typeface="Times New Roman"/>
+                <a:ea typeface="NSimSun"/>
+              </a:rPr>
+              <a:t>Теоретическая значимость </a:t>
+            </a:r>
+            <a:r>
+              <a:rPr b="0" lang="ru-RU" sz="2400" spc="-1" strike="noStrike">
+                <a:solidFill>
+                  <a:srgbClr val="000000"/>
+                </a:solidFill>
+                <a:latin typeface="Times New Roman"/>
+                <a:ea typeface="NSimSun"/>
+              </a:rPr>
+              <a:t>исследование заключается в том, что нами раскрыты сущности понятий системы управления контентом</a:t>
+            </a:r>
+            <a:r>
+              <a:rPr b="0" lang="en-US" sz="2400" spc="-1" strike="noStrike">
+                <a:solidFill>
+                  <a:srgbClr val="000000"/>
+                </a:solidFill>
+                <a:latin typeface="Times New Roman"/>
+                <a:ea typeface="NSimSun"/>
+              </a:rPr>
+              <a:t>, </a:t>
+            </a:r>
+            <a:r>
+              <a:rPr b="0" lang="ru-RU" sz="2400" spc="-1" strike="noStrike">
+                <a:solidFill>
+                  <a:srgbClr val="000000"/>
+                </a:solidFill>
+                <a:latin typeface="Times New Roman"/>
+                <a:ea typeface="NSimSun"/>
+              </a:rPr>
+              <a:t>хостинга и домена сайта «Таква», сделан обзор системы управления контентом</a:t>
+            </a:r>
+            <a:r>
+              <a:rPr b="0" lang="en-US" sz="2400" spc="-1" strike="noStrike">
+                <a:solidFill>
+                  <a:srgbClr val="000000"/>
+                </a:solidFill>
+                <a:latin typeface="Times New Roman"/>
+                <a:ea typeface="NSimSun"/>
+              </a:rPr>
+              <a:t> Joomla! </a:t>
+            </a:r>
+            <a:r>
+              <a:rPr b="0" lang="ba-RU" sz="2400" spc="-1" strike="noStrike">
+                <a:solidFill>
+                  <a:srgbClr val="000000"/>
+                </a:solidFill>
+                <a:latin typeface="Times New Roman"/>
+                <a:ea typeface="NSimSun"/>
+              </a:rPr>
+              <a:t>и его настройк</a:t>
+            </a:r>
+            <a:r>
+              <a:rPr b="0" lang="ru-RU" sz="2400" spc="-1" strike="noStrike">
+                <a:solidFill>
+                  <a:srgbClr val="000000"/>
+                </a:solidFill>
+                <a:latin typeface="Times New Roman"/>
+                <a:ea typeface="NSimSun"/>
+              </a:rPr>
+              <a:t>и, изучены требования к его созданию и возможности системы управления контентом </a:t>
+            </a:r>
+            <a:r>
+              <a:rPr b="0" lang="en-US" sz="2400" spc="-1" strike="noStrike">
+                <a:solidFill>
+                  <a:srgbClr val="000000"/>
+                </a:solidFill>
+                <a:latin typeface="Times New Roman"/>
+                <a:ea typeface="NSimSun"/>
+              </a:rPr>
+              <a:t>Joomla!</a:t>
+            </a:r>
+            <a:r>
+              <a:rPr b="0" lang="ru-RU" sz="2400" spc="-1" strike="noStrike">
+                <a:solidFill>
+                  <a:srgbClr val="000000"/>
+                </a:solidFill>
+                <a:latin typeface="Times New Roman"/>
+                <a:ea typeface="NSimSun"/>
+              </a:rPr>
+              <a:t> для создания и размещение в сети сайта.</a:t>
+            </a:r>
+            <a:endParaRPr b="0" lang="ru-RU" sz="2400" spc="-1" strike="noStrike">
+              <a:solidFill>
+                <a:srgbClr val="000000"/>
+              </a:solidFill>
+              <a:latin typeface="Arial"/>
+            </a:endParaRPr>
+          </a:p>
+          <a:p>
+            <a:pPr algn="just">
+              <a:lnSpc>
+                <a:spcPct val="150000"/>
+              </a:lnSpc>
+            </a:pPr>
+            <a:r>
+              <a:rPr b="1" lang="ru-RU" sz="2400" spc="-1" strike="noStrike">
+                <a:solidFill>
+                  <a:srgbClr val="000000"/>
+                </a:solidFill>
+                <a:latin typeface="Times New Roman"/>
+                <a:ea typeface="NSimSun"/>
+              </a:rPr>
+              <a:t>	</a:t>
+            </a:r>
+            <a:r>
+              <a:rPr b="1" lang="ru-RU" sz="2400" spc="-1" strike="noStrike">
+                <a:solidFill>
+                  <a:srgbClr val="000000"/>
+                </a:solidFill>
+                <a:latin typeface="Times New Roman"/>
+                <a:ea typeface="NSimSun"/>
+              </a:rPr>
+              <a:t>Практическая значимость </a:t>
+            </a:r>
+            <a:r>
+              <a:rPr b="0" lang="ru-RU" sz="2400" spc="-1" strike="noStrike">
+                <a:solidFill>
+                  <a:srgbClr val="000000"/>
+                </a:solidFill>
+                <a:latin typeface="Times New Roman"/>
+                <a:ea typeface="NSimSun"/>
+              </a:rPr>
+              <a:t>исследование заключается в том, что разработан дизайн и создан сайт для мечети </a:t>
+            </a:r>
+            <a:r>
+              <a:rPr b="0" lang="ba-RU" sz="2400" spc="-1" strike="noStrike">
+                <a:solidFill>
+                  <a:srgbClr val="000000"/>
+                </a:solidFill>
+                <a:latin typeface="Times New Roman"/>
+                <a:ea typeface="NSimSun"/>
+              </a:rPr>
+              <a:t>«Таква»</a:t>
+            </a:r>
+            <a:r>
+              <a:rPr b="0" lang="ru-RU" sz="2400" spc="-1" strike="noStrike">
+                <a:solidFill>
+                  <a:srgbClr val="000000"/>
+                </a:solidFill>
+                <a:latin typeface="Times New Roman"/>
+                <a:ea typeface="NSimSun"/>
+              </a:rPr>
+              <a:t>, который в дальнейшим будет использоваться мечетью как главный сайт организации.</a:t>
+            </a:r>
+            <a:endParaRPr b="0" lang="ru-RU" sz="2400" spc="-1" strike="noStrike">
+              <a:solidFill>
+                <a:srgbClr val="000000"/>
+              </a:solidFill>
+              <a:latin typeface="Arial"/>
             </a:endParaRPr>
           </a:p>
         </p:txBody>
@@ -3787,7 +3947,7 @@
         <p:spPr>
           <a:xfrm>
             <a:off x="360000" y="1778400"/>
-            <a:ext cx="9359640" cy="2361600"/>
+            <a:ext cx="9359280" cy="2361240"/>
           </a:xfrm>
           <a:prstGeom prst="rect">
             <a:avLst/>
@@ -3808,38 +3968,22 @@
             <a:noAutofit/>
           </a:bodyPr>
           <a:p>
-            <a:pPr algn="ctr"/>
-            <a:r>
-              <a:rPr b="1" lang="ru-RU" sz="3600" spc="-1" strike="noStrike">
-                <a:solidFill>
-                  <a:srgbClr val="000000"/>
-                </a:solidFill>
-                <a:latin typeface="Times New Roman"/>
-                <a:ea typeface="NSimSun"/>
-              </a:rPr>
-              <a:t>§1. Понятия системы управления контентом</a:t>
-            </a:r>
-            <a:r>
-              <a:rPr b="1" lang="en-US" sz="3600" spc="-1" strike="noStrike">
-                <a:solidFill>
-                  <a:srgbClr val="000000"/>
-                </a:solidFill>
-                <a:latin typeface="Times New Roman"/>
-                <a:ea typeface="NSimSun"/>
-              </a:rPr>
-              <a:t>, </a:t>
-            </a:r>
-            <a:r>
-              <a:rPr b="1" lang="ru-RU" sz="3600" spc="-1" strike="noStrike">
-                <a:solidFill>
-                  <a:srgbClr val="000000"/>
-                </a:solidFill>
-                <a:latin typeface="Times New Roman"/>
-                <a:ea typeface="NSimSun"/>
-              </a:rPr>
-              <a:t>хостинга и домена</a:t>
-            </a:r>
-            <a:endParaRPr b="1" lang="ru-RU" sz="3600" spc="-1" strike="noStrike">
+            <a:pPr algn="ctr">
+              <a:lnSpc>
+                <a:spcPct val="100000"/>
+              </a:lnSpc>
+            </a:pPr>
+            <a:r>
+              <a:rPr b="1" lang="ru-RU" sz="2800" spc="-1" strike="noStrike">
+                <a:solidFill>
+                  <a:srgbClr val="000000"/>
+                </a:solidFill>
+                <a:latin typeface="Times New Roman"/>
+                <a:ea typeface="NSimSun"/>
+              </a:rPr>
+              <a:t>СОДЕРЖАНИЕ</a:t>
+            </a:r>
+            <a:endParaRPr b="0" lang="ru-RU" sz="2800" spc="-1" strike="noStrike">
               <a:solidFill>
                 <a:srgbClr val="000000"/>
               </a:solidFill>
@@ -3895,7 +4039,7 @@
         <p:spPr>
           <a:xfrm>
             <a:off x="360000" y="1778400"/>
-            <a:ext cx="9359640" cy="2361600"/>
+            <a:ext cx="9359280" cy="2361240"/>
           </a:xfrm>
           <a:prstGeom prst="rect">
             <a:avLst/>
@@ -3916,7 +4060,11 @@
             <a:noAutofit/>
           </a:bodyPr>
           <a:p>
-            <a:pPr algn="ctr"/>
+            <a:pPr algn="ctr">
+              <a:lnSpc>
+                <a:spcPct val="100000"/>
+              </a:lnSpc>
+            </a:pPr>
             <a:r>
               <a:rPr b="1" lang="ru-RU" sz="3600" spc="-1" strike="noStrike">
                 <a:solidFill>
@@ -3925,7 +4073,7 @@
                 <a:latin typeface="Times New Roman"/>
                 <a:ea typeface="NSimSun"/>
               </a:rPr>
-              <a:t>§</a:t>
+              <a:t>§1. Понятия системы управления контентом</a:t>
             </a:r>
             <a:r>
               <a:rPr b="1" lang="en-US" sz="3600" spc="-1" strike="noStrike">
@@ -3935,7 +4083,7 @@
                 <a:latin typeface="Times New Roman"/>
                 <a:ea typeface="NSimSun"/>
               </a:rPr>
-              <a:t>2. </a:t>
+              <a:t>, </a:t>
             </a:r>
             <a:r>
               <a:rPr b="1" lang="ru-RU" sz="3600" spc="-1" strike="noStrike">
@@ -3945,39 +4093,9 @@
                 <a:latin typeface="Times New Roman"/>
                 <a:ea typeface="NSimSun"/>
               </a:rPr>
-              <a:t>Установка системы управления контентом </a:t>
-            </a:r>
-            <a:r>
-              <a:rPr b="1" lang="en-US" sz="3600" spc="-1" strike="noStrike">
-                <a:solidFill>
-                  <a:srgbClr val="000000"/>
-                </a:solidFill>
-                <a:latin typeface="Times New Roman"/>
-                <a:ea typeface="NSimSun"/>
-              </a:rPr>
-              <a:t>Joomla! </a:t>
-            </a:r>
-            <a:r>
-              <a:rPr b="1" lang="ru-RU" sz="3600" spc="-1" strike="noStrike">
-                <a:solidFill>
-                  <a:srgbClr val="000000"/>
-                </a:solidFill>
-                <a:latin typeface="Times New Roman"/>
-                <a:ea typeface="NSimSun"/>
-              </a:rPr>
-              <a:t>на локальный хостинг с помощью </a:t>
-            </a:r>
-            <a:r>
-              <a:rPr b="1" lang="en-US" sz="3600" spc="-1" strike="noStrike">
-                <a:solidFill>
-                  <a:srgbClr val="000000"/>
-                </a:solidFill>
-                <a:latin typeface="Times New Roman"/>
-                <a:ea typeface="NSimSun"/>
-              </a:rPr>
-              <a:t>Open Server Panel</a:t>
-            </a:r>
-            <a:endParaRPr b="1" lang="ru-RU" sz="3600" spc="-1" strike="noStrike">
+              <a:t>хостинга и домена</a:t>
+            </a:r>
+            <a:endParaRPr b="0" lang="ru-RU" sz="3600" spc="-1" strike="noStrike">
               <a:solidFill>
                 <a:srgbClr val="000000"/>
               </a:solidFill>
@@ -4033,7 +4151,7 @@
         <p:spPr>
           <a:xfrm>
             <a:off x="360000" y="1778400"/>
-            <a:ext cx="9359640" cy="2361600"/>
+            <a:ext cx="9359280" cy="2361240"/>
           </a:xfrm>
           <a:prstGeom prst="rect">
             <a:avLst/>
@@ -4054,7 +4172,11 @@
             <a:noAutofit/>
           </a:bodyPr>
           <a:p>
-            <a:pPr algn="ctr"/>
+            <a:pPr algn="ctr">
+              <a:lnSpc>
+                <a:spcPct val="100000"/>
+              </a:lnSpc>
+            </a:pPr>
             <a:r>
               <a:rPr b="1" lang="ru-RU" sz="3600" spc="-1" strike="noStrike">
                 <a:solidFill>
@@ -4063,7 +4185,7 @@
                 <a:latin typeface="Times New Roman"/>
                 <a:ea typeface="NSimSun"/>
               </a:rPr>
-              <a:t>§3. Обзор системы управления контентом</a:t>
+              <a:t>§</a:t>
             </a:r>
             <a:r>
               <a:rPr b="1" lang="en-US" sz="3600" spc="-1" strike="noStrike">
@@ -4073,23 +4195,53 @@
                 <a:latin typeface="Times New Roman"/>
                 <a:ea typeface="NSimSun"/>
               </a:rPr>
-              <a:t> Joomla! </a:t>
-            </a:r>
-            <a:r>
-              <a:rPr b="1" lang="ba-RU" sz="3600" spc="-1" strike="noStrike">
-                <a:solidFill>
-                  <a:srgbClr val="000000"/>
-                </a:solidFill>
-                <a:latin typeface="Times New Roman"/>
-                <a:ea typeface="NSimSun"/>
-              </a:rPr>
-              <a:t>и его настройка</a:t>
-            </a:r>
-            <a:endParaRPr b="1" lang="ru-RU" sz="3600" spc="-1" strike="noStrike">
-              <a:solidFill>
-                <a:srgbClr val="000000"/>
-              </a:solidFill>
-              <a:latin typeface="Times New Roman"/>
+              <a:t>2. </a:t>
+            </a:r>
+            <a:r>
+              <a:rPr b="1" lang="ru-RU" sz="3600" spc="-1" strike="noStrike">
+                <a:solidFill>
+                  <a:srgbClr val="000000"/>
+                </a:solidFill>
+                <a:latin typeface="Times New Roman"/>
+                <a:ea typeface="NSimSun"/>
+              </a:rPr>
+              <a:t>Установка системы управления контентом </a:t>
+            </a:r>
+            <a:r>
+              <a:rPr b="1" lang="en-US" sz="3600" spc="-1" strike="noStrike">
+                <a:solidFill>
+                  <a:srgbClr val="000000"/>
+                </a:solidFill>
+                <a:latin typeface="Times New Roman"/>
+                <a:ea typeface="NSimSun"/>
+              </a:rPr>
+              <a:t>Joomla! </a:t>
+            </a:r>
+            <a:r>
+              <a:rPr b="1" lang="ru-RU" sz="3600" spc="-1" strike="noStrike">
+                <a:solidFill>
+                  <a:srgbClr val="000000"/>
+                </a:solidFill>
+                <a:latin typeface="Times New Roman"/>
+                <a:ea typeface="NSimSun"/>
+              </a:rPr>
+              <a:t>на локальный хостинг с помощью </a:t>
+            </a:r>
+            <a:r>
+              <a:rPr b="1" lang="en-US" sz="3600" spc="-1" strike="noStrike">
+                <a:solidFill>
+                  <a:srgbClr val="000000"/>
+                </a:solidFill>
+                <a:latin typeface="Times New Roman"/>
+                <a:ea typeface="NSimSun"/>
+              </a:rPr>
+              <a:t>Open Server Panel</a:t>
+            </a:r>
+            <a:endParaRPr b="0" lang="ru-RU" sz="3600" spc="-1" strike="noStrike">
+              <a:solidFill>
+                <a:srgbClr val="000000"/>
+              </a:solidFill>
+              <a:latin typeface="Arial"/>
             </a:endParaRPr>
           </a:p>
         </p:txBody>
@@ -4141,7 +4293,7 @@
         <p:spPr>
           <a:xfrm>
             <a:off x="360000" y="1778400"/>
-            <a:ext cx="9359640" cy="2361600"/>
+            <a:ext cx="9359280" cy="2361240"/>
           </a:xfrm>
           <a:prstGeom prst="rect">
             <a:avLst/>
@@ -4162,7 +4314,11 @@
             <a:noAutofit/>
           </a:bodyPr>
           <a:p>
-            <a:pPr algn="ctr"/>
+            <a:pPr algn="ctr">
+              <a:lnSpc>
+                <a:spcPct val="100000"/>
+              </a:lnSpc>
+            </a:pPr>
             <a:r>
               <a:rPr b="1" lang="ru-RU" sz="3600" spc="-1" strike="noStrike">
                 <a:solidFill>
@@ -4171,9 +4327,29 @@
                 <a:latin typeface="Times New Roman"/>
                 <a:ea typeface="NSimSun"/>
               </a:rPr>
-              <a:t>§4. Разработка дизайна сайта мечети Таква и размещение его в сети интернет</a:t>
-            </a:r>
-            <a:endParaRPr b="1" lang="ru-RU" sz="3600" spc="-1" strike="noStrike">
+              <a:t>§3. Обзор системы управления контентом</a:t>
+            </a:r>
+            <a:r>
+              <a:rPr b="1" lang="en-US" sz="3600" spc="-1" strike="noStrike">
+                <a:solidFill>
+                  <a:srgbClr val="000000"/>
+                </a:solidFill>
+                <a:latin typeface="Times New Roman"/>
+                <a:ea typeface="NSimSun"/>
+              </a:rPr>
+              <a:t> Joomla! </a:t>
+            </a:r>
+            <a:r>
+              <a:rPr b="1" lang="ba-RU" sz="3600" spc="-1" strike="noStrike">
+                <a:solidFill>
+                  <a:srgbClr val="000000"/>
+                </a:solidFill>
+                <a:latin typeface="Times New Roman"/>
+                <a:ea typeface="NSimSun"/>
+              </a:rPr>
+              <a:t>и его настройка</a:t>
+            </a:r>
+            <a:endParaRPr b="0" lang="ru-RU" sz="3600" spc="-1" strike="noStrike">
               <a:solidFill>
                 <a:srgbClr val="000000"/>
               </a:solidFill>
@@ -4229,7 +4405,7 @@
         <p:spPr>
           <a:xfrm>
             <a:off x="360000" y="1778400"/>
-            <a:ext cx="9359640" cy="2361600"/>
+            <a:ext cx="9359280" cy="2361240"/>
           </a:xfrm>
           <a:prstGeom prst="rect">
             <a:avLst/>
@@ -4250,7 +4426,11 @@
             <a:noAutofit/>
           </a:bodyPr>
           <a:p>
-            <a:pPr algn="ctr"/>
+            <a:pPr algn="ctr">
+              <a:lnSpc>
+                <a:spcPct val="100000"/>
+              </a:lnSpc>
+            </a:pPr>
             <a:r>
               <a:rPr b="1" lang="ru-RU" sz="3600" spc="-1" strike="noStrike">
                 <a:solidFill>
@@ -4259,9 +4439,9 @@
                 <a:latin typeface="Times New Roman"/>
                 <a:ea typeface="NSimSun"/>
               </a:rPr>
-              <a:t>§5 Требования к созданию сайта и его возможности</a:t>
-            </a:r>
-            <a:endParaRPr b="1" lang="ru-RU" sz="3600" spc="-1" strike="noStrike">
+              <a:t>§4 Требования к созданию сайта и его возможности</a:t>
+            </a:r>
+            <a:endParaRPr b="0" lang="ru-RU" sz="3600" spc="-1" strike="noStrike">
               <a:solidFill>
                 <a:srgbClr val="000000"/>
               </a:solidFill>
@@ -4317,7 +4497,7 @@
         <p:spPr>
           <a:xfrm>
             <a:off x="360000" y="1778400"/>
-            <a:ext cx="9359640" cy="2361600"/>
+            <a:ext cx="9359280" cy="2361240"/>
           </a:xfrm>
           <a:prstGeom prst="rect">
             <a:avLst/>
@@ -4338,7 +4518,11 @@
             <a:noAutofit/>
           </a:bodyPr>
           <a:p>
-            <a:pPr algn="ctr"/>
+            <a:pPr algn="ctr">
+              <a:lnSpc>
+                <a:spcPct val="100000"/>
+              </a:lnSpc>
+            </a:pPr>
             <a:r>
               <a:rPr b="1" lang="ru-RU" sz="3600" spc="-1" strike="noStrike">
                 <a:solidFill>
@@ -4347,9 +4531,9 @@
                 <a:latin typeface="Times New Roman"/>
                 <a:ea typeface="NSimSun"/>
               </a:rPr>
-              <a:t>§6. Роль создания и размещения сайта мечети «Таква» в сети</a:t>
-            </a:r>
-            <a:endParaRPr b="1" lang="ru-RU" sz="3600" spc="-1" strike="noStrike">
+              <a:t>§5. Роль создания и размещения сайта мечети «Таква» в сети</a:t>
+            </a:r>
+            <a:endParaRPr b="0" lang="ru-RU" sz="3600" spc="-1" strike="noStrike">
               <a:solidFill>
                 <a:srgbClr val="000000"/>
               </a:solidFill>
@@ -4405,7 +4589,7 @@
         <p:spPr>
           <a:xfrm>
             <a:off x="360000" y="1260000"/>
-            <a:ext cx="9359640" cy="2880000"/>
+            <a:ext cx="9360000" cy="720000"/>
           </a:xfrm>
           <a:prstGeom prst="rect">
             <a:avLst/>
@@ -4426,6 +4610,11 @@
             <a:noAutofit/>
           </a:bodyPr>
           <a:p>
+            <a:pPr algn="ctr">
+              <a:lnSpc>
+                <a:spcPct val="100000"/>
+              </a:lnSpc>
+            </a:pPr>
             <a:r>
               <a:rPr b="1" lang="ru-RU" sz="3600" spc="-1" strike="noStrike">
                 <a:solidFill>
@@ -4434,17 +4623,126 @@
                 <a:latin typeface="Times New Roman"/>
                 <a:ea typeface="NSimSun"/>
               </a:rPr>
-              <a:t>Ссылка на проект </a:t>
+              <a:t>Сайт мечети Таква</a:t>
             </a:r>
             <a:endParaRPr b="0" lang="ru-RU" sz="3600" spc="-1" strike="noStrike">
               <a:solidFill>
                 <a:srgbClr val="000000"/>
               </a:solidFill>
-              <a:latin typeface="Times New Roman"/>
-            </a:endParaRPr>
-          </a:p>
-          <a:p>
+              <a:latin typeface="Arial"/>
+            </a:endParaRPr>
+          </a:p>
+          <a:p>
+            <a:pPr>
+              <a:lnSpc>
+                <a:spcPct val="100000"/>
+              </a:lnSpc>
+            </a:pPr>
             <a:endParaRPr b="0" lang="ru-RU" sz="3600" spc="-1" strike="noStrike">
+              <a:solidFill>
+                <a:srgbClr val="000000"/>
+              </a:solidFill>
+              <a:latin typeface="Arial"/>
+            </a:endParaRPr>
+          </a:p>
+        </p:txBody>
+      </p:sp>
+      <p:sp>
+        <p:nvSpPr>
+          <p:cNvPr id="61" name=""/>
+          <p:cNvSpPr txBox="1"/>
+          <p:nvPr/>
+        </p:nvSpPr>
+        <p:spPr>
+          <a:xfrm>
+            <a:off x="720000" y="2880000"/>
+            <a:ext cx="8640000" cy="540000"/>
+          </a:xfrm>
+          <a:prstGeom prst="rect">
+            <a:avLst/>
+          </a:prstGeom>
+          <a:noFill/>
+          <a:ln w="0">
+            <a:noFill/>
+          </a:ln>
+        </p:spPr>
+        <p:txBody>
+          <a:bodyPr lIns="90000" rIns="90000" tIns="45000" bIns="45000" anchor="t">
+            <a:noAutofit/>
+          </a:bodyPr>
+          <a:p>
+            <a:r>
+              <a:rPr b="0" lang="ru-RU" sz="2600" spc="-1" strike="noStrike">
+                <a:solidFill>
+                  <a:srgbClr val="000000"/>
+                </a:solidFill>
+                <a:latin typeface="Times New Roman"/>
+              </a:rPr>
+              <a:t>Ссылка на сайт мечеть таква в сети - </a:t>
+            </a:r>
+            <a:r>
+              <a:rPr b="0" lang="ru-RU" sz="2600" spc="-1" strike="noStrike">
+                <a:solidFill>
+                  <a:srgbClr val="000000"/>
+                </a:solidFill>
+                <a:latin typeface="Times New Roman"/>
+                <a:hlinkClick r:id="rId2"/>
+              </a:rPr>
+              <a:t>Masjid-Takva</a:t>
+            </a:r>
+            <a:endParaRPr b="0" lang="ru-RU" sz="2600" spc="-1" strike="noStrike">
+              <a:solidFill>
+                <a:srgbClr val="000000"/>
+              </a:solidFill>
+              <a:latin typeface="Arial"/>
+            </a:endParaRPr>
+          </a:p>
+        </p:txBody>
+      </p:sp>
+      <p:sp>
+        <p:nvSpPr>
+          <p:cNvPr id="62" name=""/>
+          <p:cNvSpPr txBox="1"/>
+          <p:nvPr/>
+        </p:nvSpPr>
+        <p:spPr>
+          <a:xfrm>
+            <a:off x="720000" y="2160000"/>
+            <a:ext cx="7920000" cy="540000"/>
+          </a:xfrm>
+          <a:prstGeom prst="rect">
+            <a:avLst/>
+          </a:prstGeom>
+          <a:noFill/>
+          <a:ln w="0">
+            <a:noFill/>
+          </a:ln>
+        </p:spPr>
+        <p:txBody>
+          <a:bodyPr lIns="90000" rIns="90000" tIns="45000" bIns="45000" anchor="t">
+            <a:noAutofit/>
+          </a:bodyPr>
+          <a:p>
+            <a:r>
+              <a:rPr b="0" lang="ru-RU" sz="2400" spc="-1" strike="noStrike">
+                <a:solidFill>
+                  <a:srgbClr val="000000"/>
+                </a:solidFill>
+                <a:latin typeface="Times New Roman"/>
+              </a:rPr>
+              <a:t>Ссылка на сайт на localhost - </a:t>
+            </a:r>
+            <a:r>
+              <a:rPr b="0" lang="ru-RU" sz="2400" spc="-1" strike="noStrike">
+                <a:solidFill>
+                  <a:srgbClr val="000000"/>
+                </a:solidFill>
+                <a:latin typeface="Times New Roman"/>
+                <a:hlinkClick r:id="rId3"/>
+              </a:rPr>
+              <a:t>Masjid-Takva</a:t>
+            </a:r>
+            <a:endParaRPr b="0" lang="ru-RU" sz="2400" spc="-1" strike="noStrike">
               <a:solidFill>
                 <a:srgbClr val="000000"/>
               </a:solidFill>
@@ -4493,14 +4791,14 @@
       </p:grpSpPr>
       <p:sp>
         <p:nvSpPr>
-          <p:cNvPr id="61" name=""/>
-          <p:cNvSpPr txBox="1"/>
+          <p:cNvPr id="63" name=""/>
+          <p:cNvSpPr/>
           <p:nvPr/>
         </p:nvSpPr>
         <p:spPr>
           <a:xfrm>
             <a:off x="3420000" y="373680"/>
-            <a:ext cx="3597480" cy="346320"/>
+            <a:ext cx="3597120" cy="345960"/>
           </a:xfrm>
           <a:prstGeom prst="rect">
             <a:avLst/>
@@ -4510,11 +4808,22 @@
             <a:noFill/>
           </a:ln>
         </p:spPr>
+        <p:style>
+          <a:lnRef idx="0"/>
+          <a:fillRef idx="0"/>
+          <a:effectRef idx="0"/>
+          <a:fontRef idx="minor"/>
+        </p:style>
         <p:txBody>
           <a:bodyPr lIns="90000" rIns="90000" tIns="45000" bIns="45000" anchor="t">
             <a:noAutofit/>
           </a:bodyPr>
           <a:p>
+            <a:pPr>
+              <a:lnSpc>
+                <a:spcPct val="100000"/>
+              </a:lnSpc>
+            </a:pPr>
             <a:r>
               <a:rPr b="0" lang="ru-RU" sz="1800" spc="-1" strike="noStrike">
                 <a:solidFill>
@@ -4549,6 +4858,14 @@
 <file path=ppt/slides/slide19.xml><?xml version="1.0" encoding="utf-8"?>
 <p:sld xmlns:a="http://schemas.openxmlformats.org/drawingml/2006/main" xmlns:p="http://schemas.openxmlformats.org/presentationml/2006/main" xmlns:r="http://schemas.openxmlformats.org/officeDocument/2006/relationships" xmlns:p14="http://schemas.microsoft.com/office/powerpoint/2010/main" xmlns:p15="http://schemas.microsoft.com/office/powerpoint/2012/main" xmlns:mc="http://schemas.openxmlformats.org/markup-compatibility/2006">
   <p:cSld>
+    <p:bg>
+      <p:bgPr>
+        <a:blipFill rotWithShape="0">
+          <a:blip r:embed="rId1"/>
+          <a:stretch/>
+        </a:blipFill>
+      </p:bgPr>
+    </p:bg>
     <p:spTree>
       <p:nvGrpSpPr>
         <p:cNvPr id="1" name=""/>
@@ -4565,14 +4882,14 @@
       </p:grpSpPr>
       <p:sp>
         <p:nvSpPr>
-          <p:cNvPr id="62" name=""/>
-          <p:cNvSpPr txBox="1"/>
+          <p:cNvPr id="64" name=""/>
+          <p:cNvSpPr/>
           <p:nvPr/>
         </p:nvSpPr>
         <p:spPr>
           <a:xfrm>
-            <a:off x="214560" y="1800000"/>
-            <a:ext cx="9702720" cy="1608120"/>
+            <a:off x="2160000" y="2160000"/>
+            <a:ext cx="5760000" cy="720000"/>
           </a:xfrm>
           <a:prstGeom prst="rect">
             <a:avLst/>
@@ -4582,36 +4899,36 @@
             <a:noFill/>
           </a:ln>
         </p:spPr>
+        <p:style>
+          <a:lnRef idx="0"/>
+          <a:fillRef idx="0"/>
+          <a:effectRef idx="0"/>
+          <a:fontRef idx="minor"/>
+        </p:style>
         <p:txBody>
           <a:bodyPr lIns="90000" rIns="90000" tIns="45000" bIns="45000" anchor="t">
             <a:noAutofit/>
           </a:bodyPr>
           <a:p>
-            <a:r>
-              <a:rPr b="1" lang="ru-RU" sz="3600" spc="-1" strike="noStrike">
-                <a:solidFill>
-                  <a:srgbClr val="000000"/>
-                </a:solidFill>
-                <a:latin typeface="Times New Roman"/>
-                <a:ea typeface="NSimSun"/>
-              </a:rPr>
-              <a:t>Методы</a:t>
-            </a:r>
-            <a:r>
-              <a:rPr b="0" lang="ru-RU" sz="3600" spc="-1" strike="noStrike">
-                <a:solidFill>
-                  <a:srgbClr val="000000"/>
-                </a:solidFill>
-                <a:latin typeface="Times New Roman"/>
-                <a:ea typeface="NSimSun"/>
-              </a:rPr>
-              <a:t> исследования: опрос, беседа, оценка компетентных судей, независимая экспертиза.</a:t>
-            </a:r>
-            <a:endParaRPr b="0" lang="ru-RU" sz="3600" spc="-1" strike="noStrike">
-              <a:solidFill>
-                <a:srgbClr val="000000"/>
-              </a:solidFill>
-              <a:latin typeface="Arial"/>
+            <a:pPr algn="ctr">
+              <a:lnSpc>
+                <a:spcPct val="100000"/>
+              </a:lnSpc>
+            </a:pPr>
+            <a:r>
+              <a:rPr b="1" lang="ru-RU" sz="4000" spc="-1" strike="noStrike">
+                <a:solidFill>
+                  <a:srgbClr val="000000"/>
+                </a:solidFill>
+                <a:latin typeface="Times New Roman"/>
+              </a:rPr>
+              <a:t>Спасибо за прасмотр!!!</a:t>
+            </a:r>
+            <a:endParaRPr b="1" lang="ru-RU" sz="4000" spc="-1" strike="noStrike">
+              <a:solidFill>
+                <a:srgbClr val="000000"/>
+              </a:solidFill>
+              <a:latin typeface="Times New Roman"/>
             </a:endParaRPr>
           </a:p>
         </p:txBody>
@@ -4662,8 +4979,8 @@
         </p:nvSpPr>
         <p:spPr>
           <a:xfrm>
-            <a:off x="360000" y="1778040"/>
-            <a:ext cx="9359640" cy="2361600"/>
+            <a:off x="360000" y="1440000"/>
+            <a:ext cx="9360000" cy="2880000"/>
           </a:xfrm>
           <a:prstGeom prst="rect">
             <a:avLst/>
@@ -4684,7 +5001,7 @@
             <a:noAutofit/>
           </a:bodyPr>
           <a:p>
-            <a:pPr>
+            <a:pPr algn="just">
               <a:lnSpc>
                 <a:spcPct val="100000"/>
               </a:lnSpc>
@@ -4758,7 +5075,7 @@
       <p:bgPr>
         <a:blipFill rotWithShape="0">
           <a:blip r:embed="rId1"/>
-          <a:stretch/>
+          <a:tile tx="0" ty="0" sx="82682" sy="82679" algn="ctr"/>
         </a:blipFill>
       </p:bgPr>
     </p:bg>
@@ -4778,14 +5095,14 @@
       </p:grpSpPr>
       <p:sp>
         <p:nvSpPr>
-          <p:cNvPr id="63" name=""/>
+          <p:cNvPr id="65" name=""/>
           <p:cNvSpPr/>
           <p:nvPr/>
         </p:nvSpPr>
         <p:spPr>
           <a:xfrm>
-            <a:off x="360000" y="180000"/>
-            <a:ext cx="9359640" cy="5324400"/>
+            <a:off x="3164760" y="4877280"/>
+            <a:ext cx="3452040" cy="342720"/>
           </a:xfrm>
           <a:prstGeom prst="rect">
             <a:avLst/>
@@ -4806,231 +5123,40 @@
             <a:noAutofit/>
           </a:bodyPr>
           <a:p>
-            <a:pPr algn="just">
+            <a:pPr algn="ctr">
               <a:lnSpc>
-                <a:spcPct val="150000"/>
+                <a:spcPct val="100000"/>
               </a:lnSpc>
             </a:pPr>
             <a:r>
-              <a:rPr b="1" lang="ru-RU" sz="2400" spc="-1" strike="noStrike">
-                <a:solidFill>
-                  <a:srgbClr val="000000"/>
-                </a:solidFill>
-                <a:latin typeface="Times New Roman"/>
-                <a:ea typeface="NSimSun"/>
-              </a:rPr>
-              <a:t>	</a:t>
-            </a:r>
-            <a:r>
-              <a:rPr b="1" lang="ru-RU" sz="2400" spc="-1" strike="noStrike">
-                <a:solidFill>
-                  <a:srgbClr val="000000"/>
-                </a:solidFill>
-                <a:latin typeface="Times New Roman"/>
-                <a:ea typeface="NSimSun"/>
-              </a:rPr>
-              <a:t>Теоретическая значимость </a:t>
-            </a:r>
-            <a:r>
-              <a:rPr b="0" lang="ru-RU" sz="2400" spc="-1" strike="noStrike">
-                <a:solidFill>
-                  <a:srgbClr val="000000"/>
-                </a:solidFill>
-                <a:latin typeface="Times New Roman"/>
-                <a:ea typeface="NSimSun"/>
-              </a:rPr>
-              <a:t>исследование заключается в том, что нами раскрыты сущности понятий системы управления контентом</a:t>
-            </a:r>
-            <a:r>
-              <a:rPr b="0" lang="en-US" sz="2400" spc="-1" strike="noStrike">
-                <a:solidFill>
-                  <a:srgbClr val="000000"/>
-                </a:solidFill>
-                <a:latin typeface="Times New Roman"/>
-                <a:ea typeface="NSimSun"/>
-              </a:rPr>
-              <a:t>, </a:t>
-            </a:r>
-            <a:r>
-              <a:rPr b="0" lang="ru-RU" sz="2400" spc="-1" strike="noStrike">
-                <a:solidFill>
-                  <a:srgbClr val="000000"/>
-                </a:solidFill>
-                <a:latin typeface="Times New Roman"/>
-                <a:ea typeface="NSimSun"/>
-              </a:rPr>
-              <a:t>хостинга и домена сайта «Таква», сделан обзор системы управления контентом</a:t>
-            </a:r>
-            <a:r>
-              <a:rPr b="0" lang="en-US" sz="2400" spc="-1" strike="noStrike">
-                <a:solidFill>
-                  <a:srgbClr val="000000"/>
-                </a:solidFill>
-                <a:latin typeface="Times New Roman"/>
-                <a:ea typeface="NSimSun"/>
-              </a:rPr>
-              <a:t> Joomla! </a:t>
-            </a:r>
-            <a:r>
-              <a:rPr b="0" lang="ba-RU" sz="2400" spc="-1" strike="noStrike">
-                <a:solidFill>
-                  <a:srgbClr val="000000"/>
-                </a:solidFill>
-                <a:latin typeface="Times New Roman"/>
-                <a:ea typeface="NSimSun"/>
-              </a:rPr>
-              <a:t>и его настройк</a:t>
-            </a:r>
-            <a:r>
-              <a:rPr b="0" lang="ru-RU" sz="2400" spc="-1" strike="noStrike">
-                <a:solidFill>
-                  <a:srgbClr val="000000"/>
-                </a:solidFill>
-                <a:latin typeface="Times New Roman"/>
-                <a:ea typeface="NSimSun"/>
-              </a:rPr>
-              <a:t>и, изучены требования к его созданию и возможности системы управления контентом </a:t>
-            </a:r>
-            <a:r>
-              <a:rPr b="0" lang="en-US" sz="2400" spc="-1" strike="noStrike">
-                <a:solidFill>
-                  <a:srgbClr val="000000"/>
-                </a:solidFill>
-                <a:latin typeface="Times New Roman"/>
-                <a:ea typeface="NSimSun"/>
-              </a:rPr>
-              <a:t>Joomla!</a:t>
-            </a:r>
-            <a:r>
-              <a:rPr b="0" lang="ru-RU" sz="2400" spc="-1" strike="noStrike">
-                <a:solidFill>
-                  <a:srgbClr val="000000"/>
-                </a:solidFill>
-                <a:latin typeface="Times New Roman"/>
-                <a:ea typeface="NSimSun"/>
-              </a:rPr>
-              <a:t> для создания и размещение в сети сайта.</a:t>
-            </a:r>
-            <a:endParaRPr b="0" lang="ru-RU" sz="2400" spc="-1" strike="noStrike">
-              <a:solidFill>
-                <a:srgbClr val="000000"/>
-              </a:solidFill>
-              <a:latin typeface="Arial"/>
-            </a:endParaRPr>
-          </a:p>
-          <a:p>
-            <a:pPr algn="just">
-              <a:lnSpc>
-                <a:spcPct val="150000"/>
-              </a:lnSpc>
-            </a:pPr>
-            <a:r>
-              <a:rPr b="1" lang="ru-RU" sz="2400" spc="-1" strike="noStrike">
-                <a:solidFill>
-                  <a:srgbClr val="000000"/>
-                </a:solidFill>
-                <a:latin typeface="Times New Roman"/>
-                <a:ea typeface="NSimSun"/>
-              </a:rPr>
-              <a:t>	</a:t>
-            </a:r>
-            <a:r>
-              <a:rPr b="1" lang="ru-RU" sz="2400" spc="-1" strike="noStrike">
-                <a:solidFill>
-                  <a:srgbClr val="000000"/>
-                </a:solidFill>
-                <a:latin typeface="Times New Roman"/>
-                <a:ea typeface="NSimSun"/>
-              </a:rPr>
-              <a:t>Практическая значимость </a:t>
-            </a:r>
-            <a:r>
-              <a:rPr b="0" lang="ru-RU" sz="2400" spc="-1" strike="noStrike">
-                <a:solidFill>
-                  <a:srgbClr val="000000"/>
-                </a:solidFill>
-                <a:latin typeface="Times New Roman"/>
-                <a:ea typeface="NSimSun"/>
-              </a:rPr>
-              <a:t>исследование заключается в том, что разработан дизайн и создан сайт для мечети </a:t>
-            </a:r>
-            <a:r>
-              <a:rPr b="0" lang="ba-RU" sz="2400" spc="-1" strike="noStrike">
-                <a:solidFill>
-                  <a:srgbClr val="000000"/>
-                </a:solidFill>
-                <a:latin typeface="Times New Roman"/>
-                <a:ea typeface="NSimSun"/>
-              </a:rPr>
-              <a:t>«Таква»</a:t>
-            </a:r>
-            <a:r>
-              <a:rPr b="0" lang="ru-RU" sz="2400" spc="-1" strike="noStrike">
-                <a:solidFill>
-                  <a:srgbClr val="000000"/>
-                </a:solidFill>
-                <a:latin typeface="Times New Roman"/>
-                <a:ea typeface="NSimSun"/>
-              </a:rPr>
-              <a:t>, который в дальнейшим будет использоваться мечетью как главный сайт организации.</a:t>
-            </a:r>
-            <a:endParaRPr b="0" lang="ru-RU" sz="2400" spc="-1" strike="noStrike">
-              <a:solidFill>
-                <a:srgbClr val="000000"/>
-              </a:solidFill>
-              <a:latin typeface="Arial"/>
-            </a:endParaRPr>
-          </a:p>
-        </p:txBody>
-      </p:sp>
-    </p:spTree>
-  </p:cSld>
-  <mc:AlternateContent>
-    <mc:Choice Requires="p14">
-      <p:transition spd="slow" p14:dur="2000"/>
-    </mc:Choice>
-    <mc:Fallback>
-      <p:transition spd="slow"/>
-    </mc:Fallback>
-  </mc:AlternateContent>
-</p:sld>
-</file>
-
-<file path=ppt/slides/slide21.xml><?xml version="1.0" encoding="utf-8"?>
-<p:sld xmlns:a="http://schemas.openxmlformats.org/drawingml/2006/main" xmlns:p="http://schemas.openxmlformats.org/presentationml/2006/main" xmlns:r="http://schemas.openxmlformats.org/officeDocument/2006/relationships" xmlns:p14="http://schemas.microsoft.com/office/powerpoint/2010/main" xmlns:p15="http://schemas.microsoft.com/office/powerpoint/2012/main" xmlns:mc="http://schemas.openxmlformats.org/markup-compatibility/2006">
-  <p:cSld>
-    <p:bg>
-      <p:bgPr>
-        <a:blipFill rotWithShape="0">
-          <a:blip r:embed="rId1"/>
-          <a:tile tx="0" ty="0" sx="82685" sy="82684" algn="ctr"/>
-        </a:blipFill>
-      </p:bgPr>
-    </p:bg>
-    <p:spTree>
-      <p:nvGrpSpPr>
-        <p:cNvPr id="1" name=""/>
-        <p:cNvGrpSpPr/>
-        <p:nvPr/>
-      </p:nvGrpSpPr>
-      <p:grpSpPr>
-        <a:xfrm>
-          <a:off x="0" y="0"/>
-          <a:ext cx="0" cy="0"/>
-          <a:chOff x="0" y="0"/>
-          <a:chExt cx="0" cy="0"/>
-        </a:xfrm>
-      </p:grpSpPr>
-      <p:sp>
-        <p:nvSpPr>
-          <p:cNvPr id="64" name=""/>
+              <a:rPr b="0" lang="ru-RU" sz="1800" spc="-1" strike="noStrike">
+                <a:solidFill>
+                  <a:srgbClr val="000000"/>
+                </a:solidFill>
+                <a:latin typeface="Times New Roman"/>
+                <a:ea typeface="DejaVu Sans"/>
+              </a:rPr>
+              <a:t>Нугуманов Мухаммад Ахтарович</a:t>
+            </a:r>
+            <a:endParaRPr b="0" lang="ru-RU" sz="1800" spc="-1" strike="noStrike">
+              <a:solidFill>
+                <a:srgbClr val="000000"/>
+              </a:solidFill>
+              <a:latin typeface="Arial"/>
+            </a:endParaRPr>
+          </a:p>
+        </p:txBody>
+      </p:sp>
+      <p:sp>
+        <p:nvSpPr>
+          <p:cNvPr id="66" name=""/>
           <p:cNvSpPr/>
           <p:nvPr/>
         </p:nvSpPr>
         <p:spPr>
           <a:xfrm>
-            <a:off x="3164760" y="4860000"/>
-            <a:ext cx="3452400" cy="343080"/>
+            <a:off x="1620360" y="1620000"/>
+            <a:ext cx="6838920" cy="3463560"/>
           </a:xfrm>
           <a:prstGeom prst="rect">
             <a:avLst/>
@@ -5057,64 +5183,12 @@
               </a:lnSpc>
             </a:pPr>
             <a:r>
-              <a:rPr b="0" lang="ru-RU" sz="1800" spc="-1" strike="noStrike">
-                <a:solidFill>
-                  <a:srgbClr val="000000"/>
-                </a:solidFill>
-                <a:latin typeface="Times New Roman"/>
-              </a:rPr>
-              <a:t>Нугуманов Мухаммад Ахтарович</a:t>
-            </a:r>
-            <a:endParaRPr b="0" lang="ru-RU" sz="1800" spc="-1" strike="noStrike">
-              <a:solidFill>
-                <a:srgbClr val="000000"/>
-              </a:solidFill>
-              <a:latin typeface="Arial"/>
-            </a:endParaRPr>
-          </a:p>
-        </p:txBody>
-      </p:sp>
-      <p:sp>
-        <p:nvSpPr>
-          <p:cNvPr id="65" name=""/>
-          <p:cNvSpPr/>
-          <p:nvPr/>
-        </p:nvSpPr>
-        <p:spPr>
-          <a:xfrm>
-            <a:off x="1620360" y="1620000"/>
-            <a:ext cx="6839280" cy="3463920"/>
-          </a:xfrm>
-          <a:prstGeom prst="rect">
-            <a:avLst/>
-          </a:prstGeom>
-          <a:noFill/>
-          <a:ln w="0">
-            <a:noFill/>
-          </a:ln>
-        </p:spPr>
-        <p:style>
-          <a:lnRef idx="0"/>
-          <a:fillRef idx="0"/>
-          <a:effectRef idx="0"/>
-          <a:fontRef idx="minor"/>
-        </p:style>
-        <p:txBody>
-          <a:bodyPr lIns="90000" rIns="90000" tIns="45000" bIns="45000" anchor="t">
-            <a:noAutofit/>
-          </a:bodyPr>
-          <a:p>
-            <a:pPr algn="ctr">
-              <a:lnSpc>
-                <a:spcPct val="100000"/>
-              </a:lnSpc>
-            </a:pPr>
-            <a:r>
               <a:rPr b="1" lang="ru-RU" sz="3600" spc="-1" strike="noStrike">
                 <a:solidFill>
                   <a:srgbClr val="000000"/>
                 </a:solidFill>
                 <a:latin typeface="Times New Roman"/>
+                <a:ea typeface="DejaVu Sans"/>
               </a:rPr>
               <a:t>СИСТЕМА УПРАВЛЕНИЯ КОНТЕНТОМ </a:t>
             </a:r>
@@ -5124,6 +5198,7 @@
                   <a:srgbClr val="000000"/>
                 </a:solidFill>
                 <a:latin typeface="Times New Roman"/>
+                <a:ea typeface="DejaVu Sans"/>
               </a:rPr>
               <a:t>JOOMLA</a:t>
             </a:r>
@@ -5133,6 +5208,7 @@
                   <a:srgbClr val="000000"/>
                 </a:solidFill>
                 <a:latin typeface="Times New Roman"/>
+                <a:ea typeface="DejaVu Sans"/>
               </a:rPr>
               <a:t>!  КАК ИНСТРУМЕНТ СОЗДАНИЯ И РАЗМЕЩЕНИЯ В СЕТИ  САЙТА МЕЧЕТИ «ТАКВА»</a:t>
             </a:r>
@@ -5191,8 +5267,8 @@
         </p:nvSpPr>
         <p:spPr>
           <a:xfrm>
-            <a:off x="360000" y="1778400"/>
-            <a:ext cx="9359640" cy="2361600"/>
+            <a:off x="360000" y="1440000"/>
+            <a:ext cx="9359280" cy="2700000"/>
           </a:xfrm>
           <a:prstGeom prst="rect">
             <a:avLst/>
@@ -5213,7 +5289,7 @@
             <a:noAutofit/>
           </a:bodyPr>
           <a:p>
-            <a:pPr>
+            <a:pPr algn="just">
               <a:lnSpc>
                 <a:spcPct val="100000"/>
               </a:lnSpc>
@@ -5314,7 +5390,7 @@
         <p:spPr>
           <a:xfrm>
             <a:off x="360000" y="1778400"/>
-            <a:ext cx="9359640" cy="2361600"/>
+            <a:ext cx="9359280" cy="2361240"/>
           </a:xfrm>
           <a:prstGeom prst="rect">
             <a:avLst/>
@@ -5446,7 +5522,7 @@
         <p:spPr>
           <a:xfrm>
             <a:off x="360000" y="900000"/>
-            <a:ext cx="9359640" cy="4002480"/>
+            <a:ext cx="9359280" cy="4002120"/>
           </a:xfrm>
           <a:prstGeom prst="rect">
             <a:avLst/>
@@ -5661,7 +5737,7 @@
         <p:spPr>
           <a:xfrm>
             <a:off x="360000" y="1520640"/>
-            <a:ext cx="9179640" cy="2619000"/>
+            <a:ext cx="9179280" cy="2618640"/>
           </a:xfrm>
           <a:prstGeom prst="rect">
             <a:avLst/>
@@ -5803,7 +5879,7 @@
         <p:spPr>
           <a:xfrm>
             <a:off x="360000" y="360000"/>
-            <a:ext cx="9359640" cy="4859640"/>
+            <a:ext cx="9359280" cy="4859280"/>
           </a:xfrm>
           <a:prstGeom prst="rect">
             <a:avLst/>
@@ -6117,7 +6193,7 @@
         <p:spPr>
           <a:xfrm>
             <a:off x="360000" y="1778400"/>
-            <a:ext cx="9359640" cy="2361600"/>
+            <a:ext cx="9359280" cy="2361240"/>
           </a:xfrm>
           <a:prstGeom prst="rect">
             <a:avLst/>
@@ -6229,7 +6305,7 @@
         <p:spPr>
           <a:xfrm>
             <a:off x="360000" y="180000"/>
-            <a:ext cx="9359640" cy="5219640"/>
+            <a:ext cx="9359280" cy="5219280"/>
           </a:xfrm>
           <a:prstGeom prst="rect">
             <a:avLst/>
@@ -6256,7 +6332,7 @@
               </a:lnSpc>
             </a:pPr>
             <a:r>
-              <a:rPr b="1" lang="ru-RU" sz="3200" spc="-1" strike="noStrike">
+              <a:rPr b="1" lang="ru-RU" sz="2800" spc="-1" strike="noStrike">
                 <a:solidFill>
                   <a:srgbClr val="000000"/>
                 </a:solidFill>
@@ -6265,16 +6341,24 @@
               </a:rPr>
               <a:t>Этапы выполнения работы:</a:t>
             </a:r>
-            <a:endParaRPr b="0" lang="ru-RU" sz="3200" spc="-1" strike="noStrike">
-              <a:solidFill>
-                <a:srgbClr val="000000"/>
-              </a:solidFill>
-              <a:latin typeface="Arial"/>
-            </a:endParaRPr>
-          </a:p>
-          <a:p>
-            <a:r>
-              <a:rPr b="0" lang="ru-RU" sz="3200" spc="-1" strike="noStrike">
+            <a:endParaRPr b="0" lang="ru-RU" sz="2800" spc="-1" strike="noStrike">
+              <a:solidFill>
+                <a:srgbClr val="000000"/>
+              </a:solidFill>
+              <a:latin typeface="Times New Roman"/>
+            </a:endParaRPr>
+          </a:p>
+          <a:p>
+            <a:pPr>
+              <a:lnSpc>
+                <a:spcPct val="100000"/>
+              </a:lnSpc>
+              <a:tabLst>
+                <a:tab algn="l" pos="1406880"/>
+              </a:tabLst>
+            </a:pPr>
+            <a:r>
+              <a:rPr b="0" lang="ru-RU" sz="2800" spc="-1" strike="noStrike">
                 <a:solidFill>
                   <a:srgbClr val="000000"/>
                 </a:solidFill>
@@ -6284,7 +6368,7 @@
               <a:t>I этап:</a:t>
             </a:r>
             <a:r>
-              <a:rPr b="0" lang="ru-RU" sz="3200" spc="-1" strike="noStrike">
+              <a:rPr b="0" lang="ru-RU" sz="2800" spc="-1" strike="noStrike">
                 <a:solidFill>
                   <a:srgbClr val="000000"/>
                 </a:solidFill>
@@ -6294,7 +6378,7 @@
               <a:t>	</a:t>
             </a:r>
             <a:r>
-              <a:rPr b="0" lang="ru-RU" sz="3200" spc="-1" strike="noStrike">
+              <a:rPr b="0" lang="ru-RU" sz="2800" spc="-1" strike="noStrike">
                 <a:solidFill>
                   <a:srgbClr val="000000"/>
                 </a:solidFill>
@@ -6303,11 +6387,11 @@
               </a:rPr>
               <a:t>Выбор темы.</a:t>
             </a:r>
-            <a:endParaRPr b="0" lang="ru-RU" sz="3200" spc="-1" strike="noStrike">
-              <a:solidFill>
-                <a:srgbClr val="000000"/>
-              </a:solidFill>
-              <a:latin typeface="Arial"/>
+            <a:endParaRPr b="0" lang="ru-RU" sz="2800" spc="-1" strike="noStrike">
+              <a:solidFill>
+                <a:srgbClr val="000000"/>
+              </a:solidFill>
+              <a:latin typeface="Times New Roman"/>
             </a:endParaRPr>
           </a:p>
           <a:p>
@@ -6317,31 +6401,22 @@
               </a:lnSpc>
               <a:tabLst>
                 <a:tab algn="l" pos="0"/>
-                <a:tab algn="l" pos="1440360"/>
+                <a:tab algn="l" pos="1189080"/>
+                <a:tab algn="l" pos="1398240"/>
               </a:tabLst>
             </a:pPr>
             <a:r>
-              <a:rPr b="0" lang="ru-RU" sz="3200" spc="-1" strike="noStrike">
-                <a:solidFill>
-                  <a:srgbClr val="000000"/>
-                </a:solidFill>
-                <a:latin typeface="Times New Roman"/>
-                <a:ea typeface="NSimSun"/>
-              </a:rPr>
-              <a:t>II </a:t>
-            </a:r>
-            <a:r>
-              <a:rPr b="0" lang="ru-RU" sz="3200" spc="-1" strike="noStrike">
-                <a:solidFill>
-                  <a:srgbClr val="000000"/>
-                </a:solidFill>
-                <a:latin typeface="Times New Roman"/>
-                <a:ea typeface="NSimSun"/>
-              </a:rPr>
-              <a:t>этап:</a:t>
-            </a:r>
-            <a:r>
-              <a:rPr b="0" lang="ru-RU" sz="3200" spc="-1" strike="noStrike">
+              <a:rPr b="0" lang="ru-RU" sz="2800" spc="-1" strike="noStrike">
+                <a:solidFill>
+                  <a:srgbClr val="000000"/>
+                </a:solidFill>
+                <a:latin typeface="Times New Roman"/>
+                <a:ea typeface="NSimSun"/>
+              </a:rPr>
+              <a:t>II этап:</a:t>
+            </a:r>
+            <a:r>
+              <a:rPr b="0" lang="ru-RU" sz="2800" spc="-1" strike="noStrike">
                 <a:solidFill>
                   <a:srgbClr val="000000"/>
                 </a:solidFill>
@@ -6351,7 +6426,7 @@
               <a:t>	</a:t>
             </a:r>
             <a:r>
-              <a:rPr b="0" lang="ru-RU" sz="3200" spc="-1" strike="noStrike">
+              <a:rPr b="0" lang="ru-RU" sz="2800" spc="-1" strike="noStrike">
                 <a:solidFill>
                   <a:srgbClr val="000000"/>
                 </a:solidFill>
@@ -6360,11 +6435,11 @@
               </a:rPr>
               <a:t>Сбор сведений и информации.</a:t>
             </a:r>
-            <a:endParaRPr b="0" lang="ru-RU" sz="3200" spc="-1" strike="noStrike">
-              <a:solidFill>
-                <a:srgbClr val="000000"/>
-              </a:solidFill>
-              <a:latin typeface="Arial"/>
+            <a:endParaRPr b="0" lang="ru-RU" sz="2800" spc="-1" strike="noStrike">
+              <a:solidFill>
+                <a:srgbClr val="000000"/>
+              </a:solidFill>
+              <a:latin typeface="Times New Roman"/>
             </a:endParaRPr>
           </a:p>
           <a:p>
@@ -6374,31 +6449,21 @@
               </a:lnSpc>
               <a:tabLst>
                 <a:tab algn="l" pos="0"/>
-                <a:tab algn="l" pos="1440360"/>
+                <a:tab algn="l" pos="1189080"/>
               </a:tabLst>
             </a:pPr>
             <a:r>
-              <a:rPr b="0" lang="ru-RU" sz="3200" spc="-1" strike="noStrike">
-                <a:solidFill>
-                  <a:srgbClr val="000000"/>
-                </a:solidFill>
-                <a:latin typeface="Times New Roman"/>
-                <a:ea typeface="NSimSun"/>
-              </a:rPr>
-              <a:t>III </a:t>
-            </a:r>
-            <a:r>
-              <a:rPr b="0" lang="ru-RU" sz="3200" spc="-1" strike="noStrike">
-                <a:solidFill>
-                  <a:srgbClr val="000000"/>
-                </a:solidFill>
-                <a:latin typeface="Times New Roman"/>
-                <a:ea typeface="NSimSun"/>
-              </a:rPr>
-              <a:t>этап:</a:t>
-            </a:r>
-            <a:r>
-              <a:rPr b="0" lang="ru-RU" sz="3200" spc="-1" strike="noStrike">
+              <a:rPr b="0" lang="ru-RU" sz="2800" spc="-1" strike="noStrike">
+                <a:solidFill>
+                  <a:srgbClr val="000000"/>
+                </a:solidFill>
+                <a:latin typeface="Times New Roman"/>
+                <a:ea typeface="NSimSun"/>
+              </a:rPr>
+              <a:t>III этап:</a:t>
+            </a:r>
+            <a:r>
+              <a:rPr b="0" lang="ru-RU" sz="2800" spc="-1" strike="noStrike">
                 <a:solidFill>
                   <a:srgbClr val="000000"/>
                 </a:solidFill>
@@ -6408,7 +6473,7 @@
               <a:t>	</a:t>
             </a:r>
             <a:r>
-              <a:rPr b="0" lang="ru-RU" sz="3200" spc="-1" strike="noStrike">
+              <a:rPr b="0" lang="ru-RU" sz="2800" spc="-1" strike="noStrike">
                 <a:solidFill>
                   <a:srgbClr val="000000"/>
                 </a:solidFill>
@@ -6417,11 +6482,11 @@
               </a:rPr>
               <a:t>Постройка планы работы.</a:t>
             </a:r>
-            <a:endParaRPr b="0" lang="ru-RU" sz="3200" spc="-1" strike="noStrike">
-              <a:solidFill>
-                <a:srgbClr val="000000"/>
-              </a:solidFill>
-              <a:latin typeface="Arial"/>
+            <a:endParaRPr b="0" lang="ru-RU" sz="2800" spc="-1" strike="noStrike">
+              <a:solidFill>
+                <a:srgbClr val="000000"/>
+              </a:solidFill>
+              <a:latin typeface="Times New Roman"/>
             </a:endParaRPr>
           </a:p>
           <a:p>
@@ -6431,31 +6496,22 @@
               </a:lnSpc>
               <a:tabLst>
                 <a:tab algn="l" pos="0"/>
-                <a:tab algn="l" pos="1440360"/>
+                <a:tab algn="l" pos="1189080"/>
+                <a:tab algn="l" pos="1875600"/>
               </a:tabLst>
             </a:pPr>
             <a:r>
-              <a:rPr b="0" lang="ru-RU" sz="3200" spc="-1" strike="noStrike">
-                <a:solidFill>
-                  <a:srgbClr val="000000"/>
-                </a:solidFill>
-                <a:latin typeface="Times New Roman"/>
-                <a:ea typeface="NSimSun"/>
-              </a:rPr>
-              <a:t>IV </a:t>
-            </a:r>
-            <a:r>
-              <a:rPr b="0" lang="ru-RU" sz="3200" spc="-1" strike="noStrike">
-                <a:solidFill>
-                  <a:srgbClr val="000000"/>
-                </a:solidFill>
-                <a:latin typeface="Times New Roman"/>
-                <a:ea typeface="NSimSun"/>
-              </a:rPr>
-              <a:t>этап:</a:t>
-            </a:r>
-            <a:r>
-              <a:rPr b="0" lang="ru-RU" sz="3200" spc="-1" strike="noStrike">
+              <a:rPr b="0" lang="ru-RU" sz="2800" spc="-1" strike="noStrike">
+                <a:solidFill>
+                  <a:srgbClr val="000000"/>
+                </a:solidFill>
+                <a:latin typeface="Times New Roman"/>
+                <a:ea typeface="NSimSun"/>
+              </a:rPr>
+              <a:t>IV этап:</a:t>
+            </a:r>
+            <a:r>
+              <a:rPr b="0" lang="ru-RU" sz="2800" spc="-1" strike="noStrike">
                 <a:solidFill>
                   <a:srgbClr val="000000"/>
                 </a:solidFill>
@@ -6465,7 +6521,7 @@
               <a:t>	</a:t>
             </a:r>
             <a:r>
-              <a:rPr b="0" lang="ru-RU" sz="3200" spc="-1" strike="noStrike">
+              <a:rPr b="0" lang="ru-RU" sz="2800" spc="-1" strike="noStrike">
                 <a:solidFill>
                   <a:srgbClr val="000000"/>
                 </a:solidFill>
@@ -6474,11 +6530,11 @@
               </a:rPr>
               <a:t>Разработка и реализация содержания.</a:t>
             </a:r>
-            <a:endParaRPr b="0" lang="ru-RU" sz="3200" spc="-1" strike="noStrike">
-              <a:solidFill>
-                <a:srgbClr val="000000"/>
-              </a:solidFill>
-              <a:latin typeface="Arial"/>
+            <a:endParaRPr b="0" lang="ru-RU" sz="2800" spc="-1" strike="noStrike">
+              <a:solidFill>
+                <a:srgbClr val="000000"/>
+              </a:solidFill>
+              <a:latin typeface="Times New Roman"/>
             </a:endParaRPr>
           </a:p>
           <a:p>
@@ -6488,31 +6544,21 @@
               </a:lnSpc>
               <a:tabLst>
                 <a:tab algn="l" pos="0"/>
-                <a:tab algn="l" pos="1440360"/>
+                <a:tab algn="l" pos="1189080"/>
               </a:tabLst>
             </a:pPr>
             <a:r>
-              <a:rPr b="0" lang="ru-RU" sz="3200" spc="-1" strike="noStrike">
-                <a:solidFill>
-                  <a:srgbClr val="000000"/>
-                </a:solidFill>
-                <a:latin typeface="Times New Roman"/>
-                <a:ea typeface="NSimSun"/>
-              </a:rPr>
-              <a:t>V </a:t>
-            </a:r>
-            <a:r>
-              <a:rPr b="0" lang="ru-RU" sz="3200" spc="-1" strike="noStrike">
-                <a:solidFill>
-                  <a:srgbClr val="000000"/>
-                </a:solidFill>
-                <a:latin typeface="Times New Roman"/>
-                <a:ea typeface="NSimSun"/>
-              </a:rPr>
-              <a:t>этап:</a:t>
-            </a:r>
-            <a:r>
-              <a:rPr b="0" lang="ru-RU" sz="3200" spc="-1" strike="noStrike">
+              <a:rPr b="0" lang="ru-RU" sz="2800" spc="-1" strike="noStrike">
+                <a:solidFill>
+                  <a:srgbClr val="000000"/>
+                </a:solidFill>
+                <a:latin typeface="Times New Roman"/>
+                <a:ea typeface="NSimSun"/>
+              </a:rPr>
+              <a:t>V этап:</a:t>
+            </a:r>
+            <a:r>
+              <a:rPr b="0" lang="ru-RU" sz="2800" spc="-1" strike="noStrike">
                 <a:solidFill>
                   <a:srgbClr val="000000"/>
                 </a:solidFill>
@@ -6522,7 +6568,7 @@
               <a:t>	</a:t>
             </a:r>
             <a:r>
-              <a:rPr b="0" lang="ru-RU" sz="3200" spc="-1" strike="noStrike">
+              <a:rPr b="0" lang="ru-RU" sz="2800" spc="-1" strike="noStrike">
                 <a:solidFill>
                   <a:srgbClr val="000000"/>
                 </a:solidFill>
@@ -6531,11 +6577,11 @@
               </a:rPr>
               <a:t>Написание пояснительной записки курсового проекта.</a:t>
             </a:r>
-            <a:endParaRPr b="0" lang="ru-RU" sz="3200" spc="-1" strike="noStrike">
-              <a:solidFill>
-                <a:srgbClr val="000000"/>
-              </a:solidFill>
-              <a:latin typeface="Arial"/>
+            <a:endParaRPr b="0" lang="ru-RU" sz="2800" spc="-1" strike="noStrike">
+              <a:solidFill>
+                <a:srgbClr val="000000"/>
+              </a:solidFill>
+              <a:latin typeface="Times New Roman"/>
             </a:endParaRPr>
           </a:p>
           <a:p>
@@ -6545,31 +6591,21 @@
               </a:lnSpc>
               <a:tabLst>
                 <a:tab algn="l" pos="0"/>
-                <a:tab algn="l" pos="1440360"/>
+                <a:tab algn="l" pos="1189080"/>
               </a:tabLst>
             </a:pPr>
             <a:r>
-              <a:rPr b="0" lang="ru-RU" sz="3200" spc="-1" strike="noStrike">
-                <a:solidFill>
-                  <a:srgbClr val="000000"/>
-                </a:solidFill>
-                <a:latin typeface="Times New Roman"/>
-                <a:ea typeface="NSimSun"/>
-              </a:rPr>
-              <a:t>VI </a:t>
-            </a:r>
-            <a:r>
-              <a:rPr b="0" lang="ru-RU" sz="3200" spc="-1" strike="noStrike">
-                <a:solidFill>
-                  <a:srgbClr val="000000"/>
-                </a:solidFill>
-                <a:latin typeface="Times New Roman"/>
-                <a:ea typeface="NSimSun"/>
-              </a:rPr>
-              <a:t>этап:</a:t>
-            </a:r>
-            <a:r>
-              <a:rPr b="0" lang="ru-RU" sz="3200" spc="-1" strike="noStrike">
+              <a:rPr b="0" lang="ru-RU" sz="2800" spc="-1" strike="noStrike">
+                <a:solidFill>
+                  <a:srgbClr val="000000"/>
+                </a:solidFill>
+                <a:latin typeface="Times New Roman"/>
+                <a:ea typeface="NSimSun"/>
+              </a:rPr>
+              <a:t>VI этап:</a:t>
+            </a:r>
+            <a:r>
+              <a:rPr b="0" lang="ru-RU" sz="2800" spc="-1" strike="noStrike">
                 <a:solidFill>
                   <a:srgbClr val="000000"/>
                 </a:solidFill>
@@ -6579,7 +6615,7 @@
               <a:t>	</a:t>
             </a:r>
             <a:r>
-              <a:rPr b="0" lang="ru-RU" sz="3200" spc="-1" strike="noStrike">
+              <a:rPr b="0" lang="ru-RU" sz="2800" spc="-1" strike="noStrike">
                 <a:solidFill>
                   <a:srgbClr val="000000"/>
                 </a:solidFill>
@@ -6588,11 +6624,11 @@
               </a:rPr>
               <a:t>Оформление проекта.</a:t>
             </a:r>
-            <a:endParaRPr b="0" lang="ru-RU" sz="3200" spc="-1" strike="noStrike">
-              <a:solidFill>
-                <a:srgbClr val="000000"/>
-              </a:solidFill>
-              <a:latin typeface="Arial"/>
+            <a:endParaRPr b="0" lang="ru-RU" sz="2800" spc="-1" strike="noStrike">
+              <a:solidFill>
+                <a:srgbClr val="000000"/>
+              </a:solidFill>
+              <a:latin typeface="Times New Roman"/>
             </a:endParaRPr>
           </a:p>
           <a:p>
@@ -6602,35 +6638,21 @@
               </a:lnSpc>
               <a:tabLst>
                 <a:tab algn="l" pos="0"/>
-                <a:tab algn="l" pos="1440360"/>
-                <a:tab algn="l" pos="1959480"/>
-                <a:tab algn="l" pos="2118600"/>
-                <a:tab algn="l" pos="2277720"/>
-                <a:tab algn="l" pos="2319480"/>
+                <a:tab algn="l" pos="1189080"/>
               </a:tabLst>
             </a:pPr>
             <a:r>
-              <a:rPr b="0" lang="ru-RU" sz="3200" spc="-1" strike="noStrike">
-                <a:solidFill>
-                  <a:srgbClr val="000000"/>
-                </a:solidFill>
-                <a:latin typeface="Times New Roman"/>
-                <a:ea typeface="NSimSun"/>
-              </a:rPr>
-              <a:t>VII </a:t>
-            </a:r>
-            <a:r>
-              <a:rPr b="0" lang="ru-RU" sz="3200" spc="-1" strike="noStrike">
-                <a:solidFill>
-                  <a:srgbClr val="000000"/>
-                </a:solidFill>
-                <a:latin typeface="Times New Roman"/>
-                <a:ea typeface="NSimSun"/>
-              </a:rPr>
-              <a:t>этап:</a:t>
-            </a:r>
-            <a:r>
-              <a:rPr b="0" lang="ru-RU" sz="3200" spc="-1" strike="noStrike">
+              <a:rPr b="0" lang="ru-RU" sz="2800" spc="-1" strike="noStrike">
+                <a:solidFill>
+                  <a:srgbClr val="000000"/>
+                </a:solidFill>
+                <a:latin typeface="Times New Roman"/>
+                <a:ea typeface="NSimSun"/>
+              </a:rPr>
+              <a:t>VII этап:</a:t>
+            </a:r>
+            <a:r>
+              <a:rPr b="0" lang="ru-RU" sz="2800" spc="-1" strike="noStrike">
                 <a:solidFill>
                   <a:srgbClr val="000000"/>
                 </a:solidFill>
@@ -6640,7 +6662,7 @@
               <a:t>	</a:t>
             </a:r>
             <a:r>
-              <a:rPr b="0" lang="ru-RU" sz="3200" spc="-1" strike="noStrike">
+              <a:rPr b="0" lang="ru-RU" sz="2800" spc="-1" strike="noStrike">
                 <a:solidFill>
                   <a:srgbClr val="000000"/>
                 </a:solidFill>
@@ -6649,11 +6671,11 @@
               </a:rPr>
               <a:t>Представление конечного варианта и его защита.</a:t>
             </a:r>
-            <a:endParaRPr b="0" lang="ru-RU" sz="3200" spc="-1" strike="noStrike">
-              <a:solidFill>
-                <a:srgbClr val="000000"/>
-              </a:solidFill>
-              <a:latin typeface="Arial"/>
+            <a:endParaRPr b="0" lang="ru-RU" sz="2800" spc="-1" strike="noStrike">
+              <a:solidFill>
+                <a:srgbClr val="000000"/>
+              </a:solidFill>
+              <a:latin typeface="Times New Roman"/>
             </a:endParaRPr>
           </a:p>
         </p:txBody>

--- a/НугумановМА_создание_сайта.pptx
+++ b/НугумановМА_создание_сайта.pptx
@@ -82,7 +82,7 @@
         <p:txBody>
           <a:bodyPr/>
           <a:p>
-            <a:fld id="{F3FA24D0-B0E9-450B-BB44-8E516751D205}" type="slidenum">
+            <a:fld id="{FE2AD657-134F-4B1F-9E3A-2D32B7050E1C}" type="slidenum">
               <a:t>&lt;#&gt;</a:t>
             </a:fld>
           </a:p>
@@ -144,7 +144,7 @@
         <p:spPr>
           <a:xfrm>
             <a:off x="504000" y="74160"/>
-            <a:ext cx="9070920" cy="1250280"/>
+            <a:ext cx="9070560" cy="1250280"/>
           </a:xfrm>
           <a:prstGeom prst="rect">
             <a:avLst/>
@@ -184,7 +184,7 @@
         <p:spPr>
           <a:xfrm>
             <a:off x="504000" y="1326600"/>
-            <a:ext cx="4426560" cy="747720"/>
+            <a:ext cx="2159640" cy="356400"/>
           </a:xfrm>
           <a:prstGeom prst="rect">
             <a:avLst/>
@@ -196,7 +196,7 @@
         </p:spPr>
         <p:txBody>
           <a:bodyPr lIns="0" rIns="0" tIns="0" bIns="0" anchor="t">
-            <a:normAutofit fontScale="81242"/>
+            <a:normAutofit fontScale="37496"/>
           </a:bodyPr>
           <a:p>
             <a:pPr indent="0">
@@ -226,8 +226,8 @@
         </p:nvSpPr>
         <p:spPr>
           <a:xfrm>
-            <a:off x="504000" y="2145600"/>
-            <a:ext cx="4426560" cy="747720"/>
+            <a:off x="504000" y="1717200"/>
+            <a:ext cx="2159640" cy="356400"/>
           </a:xfrm>
           <a:prstGeom prst="rect">
             <a:avLst/>
@@ -239,7 +239,7 @@
         </p:spPr>
         <p:txBody>
           <a:bodyPr lIns="0" rIns="0" tIns="0" bIns="0" anchor="t">
-            <a:normAutofit fontScale="81242"/>
+            <a:normAutofit fontScale="37496"/>
           </a:bodyPr>
           <a:p>
             <a:pPr indent="0">
@@ -291,7 +291,7 @@
         <p:txBody>
           <a:bodyPr/>
           <a:p>
-            <a:fld id="{23A720A3-2B92-429D-B276-45C2CE5A2DE3}" type="slidenum">
+            <a:fld id="{18E74D8D-A1C5-41EA-848A-7141F4297F9D}" type="slidenum">
               <a:t>&lt;#&gt;</a:t>
             </a:fld>
           </a:p>
@@ -353,7 +353,7 @@
         <p:spPr>
           <a:xfrm>
             <a:off x="504000" y="74160"/>
-            <a:ext cx="9070920" cy="1250280"/>
+            <a:ext cx="9070560" cy="1250280"/>
           </a:xfrm>
           <a:prstGeom prst="rect">
             <a:avLst/>
@@ -393,7 +393,7 @@
         <p:spPr>
           <a:xfrm>
             <a:off x="504000" y="1326600"/>
-            <a:ext cx="2160000" cy="747720"/>
+            <a:ext cx="1053720" cy="356400"/>
           </a:xfrm>
           <a:prstGeom prst="rect">
             <a:avLst/>
@@ -405,7 +405,7 @@
         </p:spPr>
         <p:txBody>
           <a:bodyPr lIns="0" rIns="0" tIns="0" bIns="0" anchor="t">
-            <a:normAutofit fontScale="53119"/>
+            <a:normAutofit fontScale="18748"/>
           </a:bodyPr>
           <a:p>
             <a:pPr indent="0">
@@ -435,8 +435,8 @@
         </p:nvSpPr>
         <p:spPr>
           <a:xfrm>
-            <a:off x="2772360" y="1326600"/>
-            <a:ext cx="2160000" cy="747720"/>
+            <a:off x="1610640" y="1326600"/>
+            <a:ext cx="1053720" cy="356400"/>
           </a:xfrm>
           <a:prstGeom prst="rect">
             <a:avLst/>
@@ -448,7 +448,7 @@
         </p:spPr>
         <p:txBody>
           <a:bodyPr lIns="0" rIns="0" tIns="0" bIns="0" anchor="t">
-            <a:normAutofit fontScale="53119"/>
+            <a:normAutofit fontScale="18748"/>
           </a:bodyPr>
           <a:p>
             <a:pPr indent="0">
@@ -478,8 +478,8 @@
         </p:nvSpPr>
         <p:spPr>
           <a:xfrm>
-            <a:off x="504000" y="2145600"/>
-            <a:ext cx="2160000" cy="747720"/>
+            <a:off x="504000" y="1717200"/>
+            <a:ext cx="1053720" cy="356400"/>
           </a:xfrm>
           <a:prstGeom prst="rect">
             <a:avLst/>
@@ -491,7 +491,7 @@
         </p:spPr>
         <p:txBody>
           <a:bodyPr lIns="0" rIns="0" tIns="0" bIns="0" anchor="t">
-            <a:normAutofit fontScale="53119"/>
+            <a:normAutofit fontScale="18748"/>
           </a:bodyPr>
           <a:p>
             <a:pPr indent="0">
@@ -521,8 +521,8 @@
         </p:nvSpPr>
         <p:spPr>
           <a:xfrm>
-            <a:off x="2772360" y="2145600"/>
-            <a:ext cx="2160000" cy="747720"/>
+            <a:off x="1610640" y="1717200"/>
+            <a:ext cx="1053720" cy="356400"/>
           </a:xfrm>
           <a:prstGeom prst="rect">
             <a:avLst/>
@@ -534,7 +534,7 @@
         </p:spPr>
         <p:txBody>
           <a:bodyPr lIns="0" rIns="0" tIns="0" bIns="0" anchor="t">
-            <a:normAutofit fontScale="53119"/>
+            <a:normAutofit fontScale="18748"/>
           </a:bodyPr>
           <a:p>
             <a:pPr indent="0">
@@ -586,7 +586,7 @@
         <p:txBody>
           <a:bodyPr/>
           <a:p>
-            <a:fld id="{BD5CB49A-1FD3-418B-853B-7194DDE0FAB1}" type="slidenum">
+            <a:fld id="{01813F06-2491-4CE4-968B-08D13350E79D}" type="slidenum">
               <a:t>&lt;#&gt;</a:t>
             </a:fld>
           </a:p>
@@ -648,7 +648,7 @@
         <p:spPr>
           <a:xfrm>
             <a:off x="504000" y="74160"/>
-            <a:ext cx="9070920" cy="1250280"/>
+            <a:ext cx="9070560" cy="1250280"/>
           </a:xfrm>
           <a:prstGeom prst="rect">
             <a:avLst/>
@@ -688,7 +688,7 @@
         <p:spPr>
           <a:xfrm>
             <a:off x="504000" y="1326600"/>
-            <a:ext cx="1425240" cy="747720"/>
+            <a:ext cx="695160" cy="356400"/>
           </a:xfrm>
           <a:prstGeom prst="rect">
             <a:avLst/>
@@ -700,7 +700,7 @@
         </p:spPr>
         <p:txBody>
           <a:bodyPr lIns="0" rIns="0" tIns="0" bIns="0" anchor="t">
-            <a:normAutofit fontScale="34371" lnSpcReduction="10000"/>
+            <a:normAutofit fontScale="12498"/>
           </a:bodyPr>
           <a:p>
             <a:pPr indent="0">
@@ -730,8 +730,8 @@
         </p:nvSpPr>
         <p:spPr>
           <a:xfrm>
-            <a:off x="2000880" y="1326600"/>
-            <a:ext cx="1425240" cy="747720"/>
+            <a:off x="1234440" y="1326600"/>
+            <a:ext cx="695160" cy="356400"/>
           </a:xfrm>
           <a:prstGeom prst="rect">
             <a:avLst/>
@@ -743,7 +743,7 @@
         </p:spPr>
         <p:txBody>
           <a:bodyPr lIns="0" rIns="0" tIns="0" bIns="0" anchor="t">
-            <a:normAutofit fontScale="34371" lnSpcReduction="10000"/>
+            <a:normAutofit fontScale="12498"/>
           </a:bodyPr>
           <a:p>
             <a:pPr indent="0">
@@ -773,8 +773,8 @@
         </p:nvSpPr>
         <p:spPr>
           <a:xfrm>
-            <a:off x="3497760" y="1326600"/>
-            <a:ext cx="1425240" cy="747720"/>
+            <a:off x="1964520" y="1326600"/>
+            <a:ext cx="695160" cy="356400"/>
           </a:xfrm>
           <a:prstGeom prst="rect">
             <a:avLst/>
@@ -786,7 +786,7 @@
         </p:spPr>
         <p:txBody>
           <a:bodyPr lIns="0" rIns="0" tIns="0" bIns="0" anchor="t">
-            <a:normAutofit fontScale="34371" lnSpcReduction="10000"/>
+            <a:normAutofit fontScale="12498"/>
           </a:bodyPr>
           <a:p>
             <a:pPr indent="0">
@@ -816,8 +816,8 @@
         </p:nvSpPr>
         <p:spPr>
           <a:xfrm>
-            <a:off x="504000" y="2145600"/>
-            <a:ext cx="1425240" cy="747720"/>
+            <a:off x="504000" y="1717200"/>
+            <a:ext cx="695160" cy="356400"/>
           </a:xfrm>
           <a:prstGeom prst="rect">
             <a:avLst/>
@@ -829,7 +829,7 @@
         </p:spPr>
         <p:txBody>
           <a:bodyPr lIns="0" rIns="0" tIns="0" bIns="0" anchor="t">
-            <a:normAutofit fontScale="34371" lnSpcReduction="10000"/>
+            <a:normAutofit fontScale="12498"/>
           </a:bodyPr>
           <a:p>
             <a:pPr indent="0">
@@ -859,8 +859,8 @@
         </p:nvSpPr>
         <p:spPr>
           <a:xfrm>
-            <a:off x="2000880" y="2145600"/>
-            <a:ext cx="1425240" cy="747720"/>
+            <a:off x="1234440" y="1717200"/>
+            <a:ext cx="695160" cy="356400"/>
           </a:xfrm>
           <a:prstGeom prst="rect">
             <a:avLst/>
@@ -872,7 +872,7 @@
         </p:spPr>
         <p:txBody>
           <a:bodyPr lIns="0" rIns="0" tIns="0" bIns="0" anchor="t">
-            <a:normAutofit fontScale="34371" lnSpcReduction="10000"/>
+            <a:normAutofit fontScale="12498"/>
           </a:bodyPr>
           <a:p>
             <a:pPr indent="0">
@@ -902,8 +902,8 @@
         </p:nvSpPr>
         <p:spPr>
           <a:xfrm>
-            <a:off x="3497760" y="2145600"/>
-            <a:ext cx="1425240" cy="747720"/>
+            <a:off x="1964520" y="1717200"/>
+            <a:ext cx="695160" cy="356400"/>
           </a:xfrm>
           <a:prstGeom prst="rect">
             <a:avLst/>
@@ -915,7 +915,7 @@
         </p:spPr>
         <p:txBody>
           <a:bodyPr lIns="0" rIns="0" tIns="0" bIns="0" anchor="t">
-            <a:normAutofit fontScale="34371" lnSpcReduction="10000"/>
+            <a:normAutofit fontScale="12498"/>
           </a:bodyPr>
           <a:p>
             <a:pPr indent="0">
@@ -967,7 +967,7 @@
         <p:txBody>
           <a:bodyPr/>
           <a:p>
-            <a:fld id="{20962D6C-441C-4EA4-848D-C1F026B622A4}" type="slidenum">
+            <a:fld id="{1D8A0217-B6CC-49D2-BAE5-79071ADCF9C4}" type="slidenum">
               <a:t>&lt;#&gt;</a:t>
             </a:fld>
           </a:p>
@@ -1029,7 +1029,7 @@
         <p:spPr>
           <a:xfrm>
             <a:off x="504000" y="74160"/>
-            <a:ext cx="9070920" cy="1250280"/>
+            <a:ext cx="9070560" cy="1250280"/>
           </a:xfrm>
           <a:prstGeom prst="rect">
             <a:avLst/>
@@ -1068,8 +1068,8 @@
         </p:nvSpPr>
         <p:spPr>
           <a:xfrm>
-            <a:off x="504000" y="1326600"/>
-            <a:ext cx="4426560" cy="1568160"/>
+            <a:off x="504000" y="560880"/>
+            <a:ext cx="2159640" cy="2279160"/>
           </a:xfrm>
           <a:prstGeom prst="rect">
             <a:avLst/>
@@ -1130,7 +1130,7 @@
         <p:txBody>
           <a:bodyPr/>
           <a:p>
-            <a:fld id="{191D68E4-40F2-4A3A-A855-3616DB5733F9}" type="slidenum">
+            <a:fld id="{6837CBB4-9A94-4AEA-92DE-E21903D6F09D}" type="slidenum">
               <a:t>&lt;#&gt;</a:t>
             </a:fld>
           </a:p>
@@ -1192,7 +1192,7 @@
         <p:spPr>
           <a:xfrm>
             <a:off x="504000" y="74160"/>
-            <a:ext cx="9070920" cy="1250280"/>
+            <a:ext cx="9070560" cy="1250280"/>
           </a:xfrm>
           <a:prstGeom prst="rect">
             <a:avLst/>
@@ -1232,7 +1232,7 @@
         <p:spPr>
           <a:xfrm>
             <a:off x="504000" y="1326600"/>
-            <a:ext cx="4426560" cy="1568160"/>
+            <a:ext cx="2159640" cy="747360"/>
           </a:xfrm>
           <a:prstGeom prst="rect">
             <a:avLst/>
@@ -1244,7 +1244,7 @@
         </p:spPr>
         <p:txBody>
           <a:bodyPr lIns="0" rIns="0" tIns="0" bIns="0" anchor="t">
-            <a:normAutofit/>
+            <a:normAutofit fontScale="53119"/>
           </a:bodyPr>
           <a:p>
             <a:pPr indent="0">
@@ -1296,7 +1296,7 @@
         <p:txBody>
           <a:bodyPr/>
           <a:p>
-            <a:fld id="{EBC1372F-EA83-4617-9376-E47E4A4B60B5}" type="slidenum">
+            <a:fld id="{E54DD587-1CE1-4635-BAB6-8AA03BBBC145}" type="slidenum">
               <a:t>&lt;#&gt;</a:t>
             </a:fld>
           </a:p>
@@ -1358,7 +1358,7 @@
         <p:spPr>
           <a:xfrm>
             <a:off x="504000" y="74160"/>
-            <a:ext cx="9070920" cy="1250280"/>
+            <a:ext cx="9070560" cy="1250280"/>
           </a:xfrm>
           <a:prstGeom prst="rect">
             <a:avLst/>
@@ -1398,7 +1398,7 @@
         <p:spPr>
           <a:xfrm>
             <a:off x="504000" y="1326600"/>
-            <a:ext cx="2160000" cy="1568160"/>
+            <a:ext cx="1053720" cy="747360"/>
           </a:xfrm>
           <a:prstGeom prst="rect">
             <a:avLst/>
@@ -1410,7 +1410,7 @@
         </p:spPr>
         <p:txBody>
           <a:bodyPr lIns="0" rIns="0" tIns="0" bIns="0" anchor="t">
-            <a:normAutofit fontScale="68743"/>
+            <a:normAutofit fontScale="34371" lnSpcReduction="20000"/>
           </a:bodyPr>
           <a:p>
             <a:pPr indent="0">
@@ -1440,8 +1440,8 @@
         </p:nvSpPr>
         <p:spPr>
           <a:xfrm>
-            <a:off x="2772360" y="1326600"/>
-            <a:ext cx="2160000" cy="1568160"/>
+            <a:off x="1610640" y="1326600"/>
+            <a:ext cx="1053720" cy="747360"/>
           </a:xfrm>
           <a:prstGeom prst="rect">
             <a:avLst/>
@@ -1453,7 +1453,7 @@
         </p:spPr>
         <p:txBody>
           <a:bodyPr lIns="0" rIns="0" tIns="0" bIns="0" anchor="t">
-            <a:normAutofit fontScale="68743"/>
+            <a:normAutofit fontScale="34371" lnSpcReduction="20000"/>
           </a:bodyPr>
           <a:p>
             <a:pPr indent="0">
@@ -1505,7 +1505,7 @@
         <p:txBody>
           <a:bodyPr/>
           <a:p>
-            <a:fld id="{276AB5E6-E24A-4627-AE79-BB8DC6497D76}" type="slidenum">
+            <a:fld id="{7D5E5C60-5EB2-476A-A3FB-A4FEEDF0D464}" type="slidenum">
               <a:t>&lt;#&gt;</a:t>
             </a:fld>
           </a:p>
@@ -1567,7 +1567,7 @@
         <p:spPr>
           <a:xfrm>
             <a:off x="504000" y="74160"/>
-            <a:ext cx="9070920" cy="1250280"/>
+            <a:ext cx="9070560" cy="1250280"/>
           </a:xfrm>
           <a:prstGeom prst="rect">
             <a:avLst/>
@@ -1628,7 +1628,7 @@
         <p:txBody>
           <a:bodyPr/>
           <a:p>
-            <a:fld id="{AB4E1DDF-20CC-4102-B4D5-18C2FDABC2BA}" type="slidenum">
+            <a:fld id="{0CB9FBCC-29AD-4B88-90DD-87C9C412FD4C}" type="slidenum">
               <a:t>&lt;#&gt;</a:t>
             </a:fld>
           </a:p>
@@ -1690,7 +1690,7 @@
         <p:spPr>
           <a:xfrm>
             <a:off x="504000" y="74160"/>
-            <a:ext cx="9070920" cy="5795280"/>
+            <a:ext cx="9070560" cy="5795280"/>
           </a:xfrm>
           <a:prstGeom prst="rect">
             <a:avLst/>
@@ -1749,7 +1749,7 @@
         <p:txBody>
           <a:bodyPr/>
           <a:p>
-            <a:fld id="{B4E7FE2D-7A35-45C5-9F9B-EB63404AE0FE}" type="slidenum">
+            <a:fld id="{B59EEE08-EE7B-45A7-BBCE-7EF843107539}" type="slidenum">
               <a:t>&lt;#&gt;</a:t>
             </a:fld>
           </a:p>
@@ -1811,7 +1811,7 @@
         <p:spPr>
           <a:xfrm>
             <a:off x="504000" y="74160"/>
-            <a:ext cx="9070920" cy="1250280"/>
+            <a:ext cx="9070560" cy="1250280"/>
           </a:xfrm>
           <a:prstGeom prst="rect">
             <a:avLst/>
@@ -1851,7 +1851,7 @@
         <p:spPr>
           <a:xfrm>
             <a:off x="504000" y="1326600"/>
-            <a:ext cx="2160000" cy="747720"/>
+            <a:ext cx="1053720" cy="356400"/>
           </a:xfrm>
           <a:prstGeom prst="rect">
             <a:avLst/>
@@ -1863,7 +1863,7 @@
         </p:spPr>
         <p:txBody>
           <a:bodyPr lIns="0" rIns="0" tIns="0" bIns="0" anchor="t">
-            <a:normAutofit fontScale="53119"/>
+            <a:normAutofit fontScale="18748"/>
           </a:bodyPr>
           <a:p>
             <a:pPr indent="0">
@@ -1893,8 +1893,8 @@
         </p:nvSpPr>
         <p:spPr>
           <a:xfrm>
-            <a:off x="2772360" y="1326600"/>
-            <a:ext cx="2160000" cy="1568160"/>
+            <a:off x="1610640" y="1326600"/>
+            <a:ext cx="1053720" cy="747360"/>
           </a:xfrm>
           <a:prstGeom prst="rect">
             <a:avLst/>
@@ -1906,7 +1906,7 @@
         </p:spPr>
         <p:txBody>
           <a:bodyPr lIns="0" rIns="0" tIns="0" bIns="0" anchor="t">
-            <a:normAutofit fontScale="68743"/>
+            <a:normAutofit fontScale="34371" lnSpcReduction="20000"/>
           </a:bodyPr>
           <a:p>
             <a:pPr indent="0">
@@ -1936,8 +1936,8 @@
         </p:nvSpPr>
         <p:spPr>
           <a:xfrm>
-            <a:off x="504000" y="2145600"/>
-            <a:ext cx="2160000" cy="747720"/>
+            <a:off x="504000" y="1717200"/>
+            <a:ext cx="1053720" cy="356400"/>
           </a:xfrm>
           <a:prstGeom prst="rect">
             <a:avLst/>
@@ -1949,7 +1949,7 @@
         </p:spPr>
         <p:txBody>
           <a:bodyPr lIns="0" rIns="0" tIns="0" bIns="0" anchor="t">
-            <a:normAutofit fontScale="53119"/>
+            <a:normAutofit fontScale="18748"/>
           </a:bodyPr>
           <a:p>
             <a:pPr indent="0">
@@ -2001,7 +2001,7 @@
         <p:txBody>
           <a:bodyPr/>
           <a:p>
-            <a:fld id="{419EC131-69D1-4779-A015-F214712FC9ED}" type="slidenum">
+            <a:fld id="{B2BFDEE8-BF36-479B-BEB3-6E8796913E78}" type="slidenum">
               <a:t>&lt;#&gt;</a:t>
             </a:fld>
           </a:p>
@@ -2063,7 +2063,7 @@
         <p:spPr>
           <a:xfrm>
             <a:off x="504000" y="74160"/>
-            <a:ext cx="9070920" cy="1250280"/>
+            <a:ext cx="9070560" cy="1250280"/>
           </a:xfrm>
           <a:prstGeom prst="rect">
             <a:avLst/>
@@ -2103,7 +2103,7 @@
         <p:spPr>
           <a:xfrm>
             <a:off x="504000" y="1326600"/>
-            <a:ext cx="2160000" cy="1568160"/>
+            <a:ext cx="1053720" cy="747360"/>
           </a:xfrm>
           <a:prstGeom prst="rect">
             <a:avLst/>
@@ -2115,7 +2115,7 @@
         </p:spPr>
         <p:txBody>
           <a:bodyPr lIns="0" rIns="0" tIns="0" bIns="0" anchor="t">
-            <a:normAutofit fontScale="68743"/>
+            <a:normAutofit fontScale="34371" lnSpcReduction="20000"/>
           </a:bodyPr>
           <a:p>
             <a:pPr indent="0">
@@ -2145,8 +2145,8 @@
         </p:nvSpPr>
         <p:spPr>
           <a:xfrm>
-            <a:off x="2772360" y="1326600"/>
-            <a:ext cx="2160000" cy="747720"/>
+            <a:off x="1610640" y="1326600"/>
+            <a:ext cx="1053720" cy="356400"/>
           </a:xfrm>
           <a:prstGeom prst="rect">
             <a:avLst/>
@@ -2158,7 +2158,7 @@
         </p:spPr>
         <p:txBody>
           <a:bodyPr lIns="0" rIns="0" tIns="0" bIns="0" anchor="t">
-            <a:normAutofit fontScale="53119"/>
+            <a:normAutofit fontScale="18748"/>
           </a:bodyPr>
           <a:p>
             <a:pPr indent="0">
@@ -2188,8 +2188,8 @@
         </p:nvSpPr>
         <p:spPr>
           <a:xfrm>
-            <a:off x="2772360" y="2145600"/>
-            <a:ext cx="2160000" cy="747720"/>
+            <a:off x="1610640" y="1717200"/>
+            <a:ext cx="1053720" cy="356400"/>
           </a:xfrm>
           <a:prstGeom prst="rect">
             <a:avLst/>
@@ -2201,7 +2201,7 @@
         </p:spPr>
         <p:txBody>
           <a:bodyPr lIns="0" rIns="0" tIns="0" bIns="0" anchor="t">
-            <a:normAutofit fontScale="53119"/>
+            <a:normAutofit fontScale="18748"/>
           </a:bodyPr>
           <a:p>
             <a:pPr indent="0">
@@ -2253,7 +2253,7 @@
         <p:txBody>
           <a:bodyPr/>
           <a:p>
-            <a:fld id="{923AF543-20D8-4CDB-92F8-6390E3FD9CA1}" type="slidenum">
+            <a:fld id="{D13C9A78-6E27-44AC-AC88-2507612A896E}" type="slidenum">
               <a:t>&lt;#&gt;</a:t>
             </a:fld>
           </a:p>
@@ -2315,7 +2315,7 @@
         <p:spPr>
           <a:xfrm>
             <a:off x="504000" y="74160"/>
-            <a:ext cx="9070920" cy="1250280"/>
+            <a:ext cx="9070560" cy="1250280"/>
           </a:xfrm>
           <a:prstGeom prst="rect">
             <a:avLst/>
@@ -2355,7 +2355,7 @@
         <p:spPr>
           <a:xfrm>
             <a:off x="504000" y="1326600"/>
-            <a:ext cx="2160000" cy="747720"/>
+            <a:ext cx="1053720" cy="356400"/>
           </a:xfrm>
           <a:prstGeom prst="rect">
             <a:avLst/>
@@ -2367,7 +2367,7 @@
         </p:spPr>
         <p:txBody>
           <a:bodyPr lIns="0" rIns="0" tIns="0" bIns="0" anchor="t">
-            <a:normAutofit fontScale="53119"/>
+            <a:normAutofit fontScale="18748"/>
           </a:bodyPr>
           <a:p>
             <a:pPr indent="0">
@@ -2397,8 +2397,8 @@
         </p:nvSpPr>
         <p:spPr>
           <a:xfrm>
-            <a:off x="2772360" y="1326600"/>
-            <a:ext cx="2160000" cy="747720"/>
+            <a:off x="1610640" y="1326600"/>
+            <a:ext cx="1053720" cy="356400"/>
           </a:xfrm>
           <a:prstGeom prst="rect">
             <a:avLst/>
@@ -2410,7 +2410,7 @@
         </p:spPr>
         <p:txBody>
           <a:bodyPr lIns="0" rIns="0" tIns="0" bIns="0" anchor="t">
-            <a:normAutofit fontScale="53119"/>
+            <a:normAutofit fontScale="18748"/>
           </a:bodyPr>
           <a:p>
             <a:pPr indent="0">
@@ -2440,8 +2440,8 @@
         </p:nvSpPr>
         <p:spPr>
           <a:xfrm>
-            <a:off x="504000" y="2145600"/>
-            <a:ext cx="4426560" cy="747720"/>
+            <a:off x="504000" y="1717200"/>
+            <a:ext cx="2159640" cy="356400"/>
           </a:xfrm>
           <a:prstGeom prst="rect">
             <a:avLst/>
@@ -2453,7 +2453,7 @@
         </p:spPr>
         <p:txBody>
           <a:bodyPr lIns="0" rIns="0" tIns="0" bIns="0" anchor="t">
-            <a:normAutofit fontScale="81242"/>
+            <a:normAutofit fontScale="37496"/>
           </a:bodyPr>
           <a:p>
             <a:pPr indent="0">
@@ -2505,7 +2505,7 @@
         <p:txBody>
           <a:bodyPr/>
           <a:p>
-            <a:fld id="{0AD43BB0-917C-41CA-BB42-4F11711EA128}" type="slidenum">
+            <a:fld id="{BD0A7AFA-614A-4E5E-92B4-359990CEFDAB}" type="slidenum">
               <a:t>&lt;#&gt;</a:t>
             </a:fld>
           </a:p>
@@ -2567,7 +2567,7 @@
         <p:spPr>
           <a:xfrm>
             <a:off x="504000" y="74160"/>
-            <a:ext cx="9070920" cy="1249920"/>
+            <a:ext cx="9070560" cy="1249920"/>
           </a:xfrm>
           <a:prstGeom prst="rect">
             <a:avLst/>
@@ -2616,7 +2616,7 @@
         <p:spPr>
           <a:xfrm>
             <a:off x="504000" y="1326600"/>
-            <a:ext cx="4426560" cy="1568160"/>
+            <a:ext cx="2159640" cy="747360"/>
           </a:xfrm>
           <a:prstGeom prst="rect">
             <a:avLst/>
@@ -2628,7 +2628,7 @@
         </p:spPr>
         <p:txBody>
           <a:bodyPr lIns="0" rIns="0" tIns="0" bIns="0" anchor="t">
-            <a:normAutofit fontScale="50000"/>
+            <a:normAutofit fontScale="1111"/>
           </a:bodyPr>
           <a:p>
             <a:pPr marL="432000" indent="-324000">
@@ -2840,8 +2840,8 @@
         </p:nvSpPr>
         <p:spPr>
           <a:xfrm>
-            <a:off x="5152680" y="1326600"/>
-            <a:ext cx="4426560" cy="1568160"/>
+            <a:off x="2772360" y="1326600"/>
+            <a:ext cx="2159640" cy="747360"/>
           </a:xfrm>
           <a:prstGeom prst="rect">
             <a:avLst/>
@@ -2853,7 +2853,7 @@
         </p:spPr>
         <p:txBody>
           <a:bodyPr lIns="0" rIns="0" tIns="0" bIns="0" anchor="t">
-            <a:normAutofit fontScale="50000"/>
+            <a:normAutofit fontScale="1111"/>
           </a:bodyPr>
           <a:p>
             <a:pPr marL="432000" indent="-324000">
@@ -3065,8 +3065,8 @@
         </p:nvSpPr>
         <p:spPr>
           <a:xfrm>
-            <a:off x="504000" y="3044520"/>
-            <a:ext cx="9071640" cy="1568160"/>
+            <a:off x="504000" y="2145600"/>
+            <a:ext cx="4426200" cy="747360"/>
           </a:xfrm>
           <a:prstGeom prst="rect">
             <a:avLst/>
@@ -3078,7 +3078,7 @@
         </p:spPr>
         <p:txBody>
           <a:bodyPr lIns="0" rIns="0" tIns="0" bIns="0" anchor="t">
-            <a:normAutofit fontScale="75000" lnSpcReduction="20000"/>
+            <a:normAutofit fontScale="18333"/>
           </a:bodyPr>
           <a:p>
             <a:pPr marL="432000" indent="-324000">
@@ -3291,7 +3291,7 @@
         <p:spPr>
           <a:xfrm>
             <a:off x="3447360" y="5165280"/>
-            <a:ext cx="3194280" cy="389880"/>
+            <a:ext cx="3193920" cy="389520"/>
           </a:xfrm>
           <a:prstGeom prst="rect">
             <a:avLst/>
@@ -3363,7 +3363,7 @@
         <p:spPr>
           <a:xfrm>
             <a:off x="7227360" y="5165280"/>
-            <a:ext cx="2347560" cy="389880"/>
+            <a:ext cx="2347200" cy="389520"/>
           </a:xfrm>
           <a:prstGeom prst="rect">
             <a:avLst/>
@@ -3404,7 +3404,7 @@
                 <a:tab algn="l" pos="0"/>
               </a:tabLst>
             </a:pPr>
-            <a:fld id="{38980F41-02C9-4B14-8561-86CD3986B359}" type="slidenum">
+            <a:fld id="{73703255-C1E0-4C79-99C6-1E73088AC8DD}" type="slidenum">
               <a:rPr b="0" lang="ru-RU" sz="1400" spc="-1" strike="noStrike">
                 <a:solidFill>
                   <a:srgbClr val="000000"/>
@@ -3435,7 +3435,7 @@
         <p:spPr>
           <a:xfrm>
             <a:off x="504000" y="5165280"/>
-            <a:ext cx="2347560" cy="389880"/>
+            <a:ext cx="2347200" cy="389520"/>
           </a:xfrm>
           <a:prstGeom prst="rect">
             <a:avLst/>
@@ -3509,7 +3509,7 @@
       <p:bgPr>
         <a:blipFill rotWithShape="0">
           <a:blip r:embed="rId1"/>
-          <a:tile tx="0" ty="0" sx="82682" sy="82679" algn="ctr"/>
+          <a:tile tx="0" ty="0" sx="82679" sy="82674" algn="ctr"/>
         </a:blipFill>
       </p:bgPr>
     </p:bg>
@@ -3536,7 +3536,7 @@
         <p:spPr>
           <a:xfrm>
             <a:off x="3164760" y="4860000"/>
-            <a:ext cx="3452040" cy="342720"/>
+            <a:ext cx="3451680" cy="342360"/>
           </a:xfrm>
           <a:prstGeom prst="rect">
             <a:avLst/>
@@ -3590,7 +3590,7 @@
         <p:spPr>
           <a:xfrm>
             <a:off x="1620360" y="1620000"/>
-            <a:ext cx="6838920" cy="3463560"/>
+            <a:ext cx="6838560" cy="3463200"/>
           </a:xfrm>
           <a:prstGeom prst="rect">
             <a:avLst/>
@@ -3702,7 +3702,7 @@
         <p:spPr>
           <a:xfrm>
             <a:off x="360000" y="180000"/>
-            <a:ext cx="9359280" cy="5324040"/>
+            <a:ext cx="9358920" cy="5323680"/>
           </a:xfrm>
           <a:prstGeom prst="rect">
             <a:avLst/>
@@ -3947,7 +3947,7 @@
         <p:spPr>
           <a:xfrm>
             <a:off x="360000" y="1778400"/>
-            <a:ext cx="9359280" cy="2361240"/>
+            <a:ext cx="9358920" cy="2360880"/>
           </a:xfrm>
           <a:prstGeom prst="rect">
             <a:avLst/>
@@ -4039,7 +4039,7 @@
         <p:spPr>
           <a:xfrm>
             <a:off x="360000" y="1778400"/>
-            <a:ext cx="9359280" cy="2361240"/>
+            <a:ext cx="9358920" cy="2360880"/>
           </a:xfrm>
           <a:prstGeom prst="rect">
             <a:avLst/>
@@ -4151,7 +4151,7 @@
         <p:spPr>
           <a:xfrm>
             <a:off x="360000" y="1778400"/>
-            <a:ext cx="9359280" cy="2361240"/>
+            <a:ext cx="9358920" cy="2360880"/>
           </a:xfrm>
           <a:prstGeom prst="rect">
             <a:avLst/>
@@ -4293,7 +4293,7 @@
         <p:spPr>
           <a:xfrm>
             <a:off x="360000" y="1778400"/>
-            <a:ext cx="9359280" cy="2361240"/>
+            <a:ext cx="9358920" cy="2360880"/>
           </a:xfrm>
           <a:prstGeom prst="rect">
             <a:avLst/>
@@ -4405,7 +4405,7 @@
         <p:spPr>
           <a:xfrm>
             <a:off x="360000" y="1778400"/>
-            <a:ext cx="9359280" cy="2361240"/>
+            <a:ext cx="9358920" cy="2360880"/>
           </a:xfrm>
           <a:prstGeom prst="rect">
             <a:avLst/>
@@ -4497,7 +4497,7 @@
         <p:spPr>
           <a:xfrm>
             <a:off x="360000" y="1778400"/>
-            <a:ext cx="9359280" cy="2361240"/>
+            <a:ext cx="9358920" cy="2360880"/>
           </a:xfrm>
           <a:prstGeom prst="rect">
             <a:avLst/>
@@ -4589,7 +4589,7 @@
         <p:spPr>
           <a:xfrm>
             <a:off x="360000" y="1260000"/>
-            <a:ext cx="9360000" cy="720000"/>
+            <a:ext cx="9359640" cy="719640"/>
           </a:xfrm>
           <a:prstGeom prst="rect">
             <a:avLst/>
@@ -4650,13 +4650,13 @@
       <p:sp>
         <p:nvSpPr>
           <p:cNvPr id="61" name=""/>
-          <p:cNvSpPr txBox="1"/>
+          <p:cNvSpPr/>
           <p:nvPr/>
         </p:nvSpPr>
         <p:spPr>
           <a:xfrm>
             <a:off x="720000" y="2880000"/>
-            <a:ext cx="8640000" cy="540000"/>
+            <a:ext cx="8639640" cy="539640"/>
           </a:xfrm>
           <a:prstGeom prst="rect">
             <a:avLst/>
@@ -4666,11 +4666,22 @@
             <a:noFill/>
           </a:ln>
         </p:spPr>
+        <p:style>
+          <a:lnRef idx="0"/>
+          <a:fillRef idx="0"/>
+          <a:effectRef idx="0"/>
+          <a:fontRef idx="minor"/>
+        </p:style>
         <p:txBody>
           <a:bodyPr lIns="90000" rIns="90000" tIns="45000" bIns="45000" anchor="t">
             <a:noAutofit/>
           </a:bodyPr>
           <a:p>
+            <a:pPr>
+              <a:lnSpc>
+                <a:spcPct val="100000"/>
+              </a:lnSpc>
+            </a:pPr>
             <a:r>
               <a:rPr b="0" lang="ru-RU" sz="2600" spc="-1" strike="noStrike">
                 <a:solidFill>
@@ -4681,10 +4692,11 @@
               <a:t>Ссылка на сайт мечеть таква в сети - </a:t>
             </a:r>
             <a:r>
-              <a:rPr b="0" lang="ru-RU" sz="2600" spc="-1" strike="noStrike">
-                <a:solidFill>
-                  <a:srgbClr val="000000"/>
-                </a:solidFill>
+              <a:rPr b="0" lang="ru-RU" sz="2600" spc="-1" strike="noStrike" u="sng">
+                <a:solidFill>
+                  <a:srgbClr val="0000ee"/>
+                </a:solidFill>
+                <a:uFillTx/>
                 <a:latin typeface="Times New Roman"/>
                 <a:hlinkClick r:id="rId2"/>
               </a:rPr>
@@ -4702,13 +4714,13 @@
       <p:sp>
         <p:nvSpPr>
           <p:cNvPr id="62" name=""/>
-          <p:cNvSpPr txBox="1"/>
+          <p:cNvSpPr/>
           <p:nvPr/>
         </p:nvSpPr>
         <p:spPr>
           <a:xfrm>
             <a:off x="720000" y="2160000"/>
-            <a:ext cx="7920000" cy="540000"/>
+            <a:ext cx="7919640" cy="539640"/>
           </a:xfrm>
           <a:prstGeom prst="rect">
             <a:avLst/>
@@ -4718,11 +4730,22 @@
             <a:noFill/>
           </a:ln>
         </p:spPr>
+        <p:style>
+          <a:lnRef idx="0"/>
+          <a:fillRef idx="0"/>
+          <a:effectRef idx="0"/>
+          <a:fontRef idx="minor"/>
+        </p:style>
         <p:txBody>
           <a:bodyPr lIns="90000" rIns="90000" tIns="45000" bIns="45000" anchor="t">
             <a:noAutofit/>
           </a:bodyPr>
           <a:p>
+            <a:pPr>
+              <a:lnSpc>
+                <a:spcPct val="100000"/>
+              </a:lnSpc>
+            </a:pPr>
             <a:r>
               <a:rPr b="0" lang="ru-RU" sz="2400" spc="-1" strike="noStrike">
                 <a:solidFill>
@@ -4733,10 +4756,11 @@
               <a:t>Ссылка на сайт на localhost - </a:t>
             </a:r>
             <a:r>
-              <a:rPr b="0" lang="ru-RU" sz="2400" spc="-1" strike="noStrike">
-                <a:solidFill>
-                  <a:srgbClr val="000000"/>
-                </a:solidFill>
+              <a:rPr b="0" lang="ru-RU" sz="2400" spc="-1" strike="noStrike" u="sng">
+                <a:solidFill>
+                  <a:srgbClr val="0000ee"/>
+                </a:solidFill>
+                <a:uFillTx/>
                 <a:latin typeface="Times New Roman"/>
                 <a:hlinkClick r:id="rId3"/>
               </a:rPr>
@@ -4746,7 +4770,7 @@
               <a:solidFill>
                 <a:srgbClr val="000000"/>
               </a:solidFill>
-              <a:latin typeface="Times New Roman"/>
+              <a:latin typeface="Arial"/>
             </a:endParaRPr>
           </a:p>
         </p:txBody>
@@ -4797,8 +4821,8 @@
         </p:nvSpPr>
         <p:spPr>
           <a:xfrm>
-            <a:off x="3420000" y="373680"/>
-            <a:ext cx="3597120" cy="345960"/>
+            <a:off x="2160000" y="374400"/>
+            <a:ext cx="5760000" cy="345600"/>
           </a:xfrm>
           <a:prstGeom prst="rect">
             <a:avLst/>
@@ -4819,29 +4843,1269 @@
             <a:noAutofit/>
           </a:bodyPr>
           <a:p>
-            <a:pPr>
+            <a:pPr algn="r">
               <a:lnSpc>
                 <a:spcPct val="100000"/>
               </a:lnSpc>
             </a:pPr>
             <a:r>
-              <a:rPr b="0" lang="ru-RU" sz="1800" spc="-1" strike="noStrike">
-                <a:solidFill>
-                  <a:srgbClr val="000000"/>
-                </a:solidFill>
-                <a:latin typeface="Arial"/>
+              <a:rPr b="1" lang="ru-RU" sz="1400" spc="-1" strike="noStrike">
+                <a:solidFill>
+                  <a:srgbClr val="000000"/>
+                </a:solidFill>
+                <a:latin typeface="Times New Roman"/>
+                <a:ea typeface="DejaVu Sans"/>
               </a:rPr>
               <a:t>Программа реализации проекта</a:t>
             </a:r>
-            <a:endParaRPr b="0" lang="ru-RU" sz="1800" spc="-1" strike="noStrike">
-              <a:solidFill>
-                <a:srgbClr val="000000"/>
-              </a:solidFill>
-              <a:latin typeface="Arial"/>
-            </a:endParaRPr>
-          </a:p>
-        </p:txBody>
-      </p:sp>
+            <a:endParaRPr b="1" lang="ru-RU" sz="1400" spc="-1" strike="noStrike">
+              <a:solidFill>
+                <a:srgbClr val="000000"/>
+              </a:solidFill>
+              <a:latin typeface="Times New Roman"/>
+            </a:endParaRPr>
+          </a:p>
+        </p:txBody>
+      </p:sp>
+      <p:sp>
+        <p:nvSpPr>
+          <p:cNvPr id="64" name=""/>
+          <p:cNvSpPr txBox="1"/>
+          <p:nvPr/>
+        </p:nvSpPr>
+        <p:spPr>
+          <a:xfrm>
+            <a:off x="2160000" y="720000"/>
+            <a:ext cx="5760000" cy="540000"/>
+          </a:xfrm>
+          <a:prstGeom prst="rect">
+            <a:avLst/>
+          </a:prstGeom>
+          <a:noFill/>
+          <a:ln w="0">
+            <a:noFill/>
+          </a:ln>
+        </p:spPr>
+        <p:txBody>
+          <a:bodyPr lIns="90000" rIns="90000" tIns="45000" bIns="45000" anchor="t">
+            <a:noAutofit/>
+          </a:bodyPr>
+          <a:p>
+            <a:pPr algn="just"/>
+            <a:r>
+              <a:rPr b="1" lang="ru-RU" sz="1400" spc="-1" strike="noStrike">
+                <a:solidFill>
+                  <a:srgbClr val="000000"/>
+                </a:solidFill>
+                <a:latin typeface="Times New Roman"/>
+                <a:ea typeface="Microsoft YaHei"/>
+              </a:rPr>
+              <a:t>Цель:</a:t>
+            </a:r>
+            <a:r>
+              <a:rPr b="0" lang="ru-RU" sz="1400" spc="-1" strike="noStrike">
+                <a:solidFill>
+                  <a:srgbClr val="000000"/>
+                </a:solidFill>
+                <a:latin typeface="Times New Roman"/>
+                <a:ea typeface="Microsoft YaHei"/>
+              </a:rPr>
+              <a:t> создание сайта и размещение в сети сайта с помощью системы управление контентом </a:t>
+            </a:r>
+            <a:r>
+              <a:rPr b="0" lang="en-US" sz="1400" spc="-1" strike="noStrike">
+                <a:solidFill>
+                  <a:srgbClr val="000000"/>
+                </a:solidFill>
+                <a:latin typeface="Times New Roman"/>
+                <a:ea typeface="Microsoft YaHei"/>
+              </a:rPr>
+              <a:t>Joomla!.</a:t>
+            </a:r>
+            <a:endParaRPr b="0" lang="ru-RU" sz="1400" spc="-1" strike="noStrike">
+              <a:solidFill>
+                <a:srgbClr val="000000"/>
+              </a:solidFill>
+              <a:latin typeface="Times New Roman"/>
+            </a:endParaRPr>
+          </a:p>
+        </p:txBody>
+      </p:sp>
+      <p:graphicFrame>
+        <p:nvGraphicFramePr>
+          <p:cNvPr id="65" name=""/>
+          <p:cNvGraphicFramePr/>
+          <p:nvPr/>
+        </p:nvGraphicFramePr>
+        <p:xfrm>
+          <a:off x="2160000" y="1191960"/>
+          <a:ext cx="5759280" cy="3572280"/>
+        </p:xfrm>
+        <a:graphic>
+          <a:graphicData uri="http://schemas.openxmlformats.org/drawingml/2006/table">
+            <a:tbl>
+              <a:tblPr/>
+              <a:tblGrid>
+                <a:gridCol w="280080"/>
+                <a:gridCol w="2175840"/>
+                <a:gridCol w="2468160"/>
+                <a:gridCol w="835200"/>
+              </a:tblGrid>
+              <a:tr h="290160">
+                <a:tc>
+                  <a:txBody>
+                    <a:bodyPr lIns="36000" rIns="36000" tIns="36000" bIns="36000" anchor="t">
+                      <a:noAutofit/>
+                    </a:bodyPr>
+                    <a:p>
+                      <a:pPr algn="ctr"/>
+                      <a:r>
+                        <a:rPr b="0" lang="ru-RU" sz="1200" spc="-1" strike="noStrike">
+                          <a:solidFill>
+                            <a:srgbClr val="000000"/>
+                          </a:solidFill>
+                          <a:latin typeface="Times New Roman"/>
+                        </a:rPr>
+                        <a:t>№</a:t>
+                      </a:r>
+                      <a:endParaRPr b="0" lang="ru-RU" sz="1200" spc="-1" strike="noStrike">
+                        <a:solidFill>
+                          <a:srgbClr val="000000"/>
+                        </a:solidFill>
+                        <a:latin typeface="Times New Roman"/>
+                      </a:endParaRPr>
+                    </a:p>
+                  </a:txBody>
+                  <a:tcPr anchor="t" marL="36000" marR="36000">
+                    <a:lnL w="7200">
+                      <a:solidFill>
+                        <a:srgbClr val="000000"/>
+                      </a:solidFill>
+                      <a:prstDash val="solid"/>
+                    </a:lnL>
+                    <a:lnR w="7200">
+                      <a:solidFill>
+                        <a:srgbClr val="000000"/>
+                      </a:solidFill>
+                      <a:prstDash val="solid"/>
+                    </a:lnR>
+                    <a:lnT w="7200">
+                      <a:solidFill>
+                        <a:srgbClr val="000000"/>
+                      </a:solidFill>
+                      <a:prstDash val="solid"/>
+                    </a:lnT>
+                    <a:lnB w="7200">
+                      <a:solidFill>
+                        <a:srgbClr val="000000"/>
+                      </a:solidFill>
+                      <a:prstDash val="solid"/>
+                    </a:lnB>
+                    <a:noFill/>
+                  </a:tcPr>
+                </a:tc>
+                <a:tc>
+                  <a:txBody>
+                    <a:bodyPr lIns="36000" rIns="36000" tIns="36000" bIns="36000" anchor="t">
+                      <a:noAutofit/>
+                    </a:bodyPr>
+                    <a:p>
+                      <a:pPr algn="ctr"/>
+                      <a:r>
+                        <a:rPr b="0" lang="ru-RU" sz="1200" spc="-1" strike="noStrike">
+                          <a:solidFill>
+                            <a:srgbClr val="000000"/>
+                          </a:solidFill>
+                          <a:latin typeface="Times New Roman"/>
+                        </a:rPr>
+                        <a:t>Виды работы</a:t>
+                      </a:r>
+                      <a:endParaRPr b="0" lang="ru-RU" sz="1200" spc="-1" strike="noStrike">
+                        <a:solidFill>
+                          <a:srgbClr val="000000"/>
+                        </a:solidFill>
+                        <a:latin typeface="Times New Roman"/>
+                      </a:endParaRPr>
+                    </a:p>
+                  </a:txBody>
+                  <a:tcPr anchor="t" marL="36000" marR="36000">
+                    <a:lnL w="7200">
+                      <a:solidFill>
+                        <a:srgbClr val="000000"/>
+                      </a:solidFill>
+                      <a:prstDash val="solid"/>
+                    </a:lnL>
+                    <a:lnR w="7200">
+                      <a:solidFill>
+                        <a:srgbClr val="000000"/>
+                      </a:solidFill>
+                      <a:prstDash val="solid"/>
+                    </a:lnR>
+                    <a:lnT w="7200">
+                      <a:solidFill>
+                        <a:srgbClr val="000000"/>
+                      </a:solidFill>
+                      <a:prstDash val="solid"/>
+                    </a:lnT>
+                    <a:lnB w="7200">
+                      <a:solidFill>
+                        <a:srgbClr val="000000"/>
+                      </a:solidFill>
+                      <a:prstDash val="solid"/>
+                    </a:lnB>
+                    <a:noFill/>
+                  </a:tcPr>
+                </a:tc>
+                <a:tc>
+                  <a:txBody>
+                    <a:bodyPr lIns="36000" rIns="36000" tIns="36000" bIns="36000" anchor="t">
+                      <a:noAutofit/>
+                    </a:bodyPr>
+                    <a:p>
+                      <a:pPr algn="ctr"/>
+                      <a:r>
+                        <a:rPr b="0" lang="ru-RU" sz="1200" spc="-1" strike="noStrike">
+                          <a:solidFill>
+                            <a:srgbClr val="000000"/>
+                          </a:solidFill>
+                          <a:latin typeface="Times New Roman"/>
+                        </a:rPr>
+                        <a:t>Цель</a:t>
+                      </a:r>
+                      <a:endParaRPr b="0" lang="ru-RU" sz="1200" spc="-1" strike="noStrike">
+                        <a:solidFill>
+                          <a:srgbClr val="000000"/>
+                        </a:solidFill>
+                        <a:latin typeface="Times New Roman"/>
+                      </a:endParaRPr>
+                    </a:p>
+                  </a:txBody>
+                  <a:tcPr anchor="t" marL="36000" marR="36000">
+                    <a:lnL w="7200">
+                      <a:solidFill>
+                        <a:srgbClr val="000000"/>
+                      </a:solidFill>
+                      <a:prstDash val="solid"/>
+                    </a:lnL>
+                    <a:lnR w="7200">
+                      <a:solidFill>
+                        <a:srgbClr val="000000"/>
+                      </a:solidFill>
+                      <a:prstDash val="solid"/>
+                    </a:lnR>
+                    <a:lnT w="7200">
+                      <a:solidFill>
+                        <a:srgbClr val="000000"/>
+                      </a:solidFill>
+                      <a:prstDash val="solid"/>
+                    </a:lnT>
+                    <a:lnB w="7200">
+                      <a:solidFill>
+                        <a:srgbClr val="000000"/>
+                      </a:solidFill>
+                      <a:prstDash val="solid"/>
+                    </a:lnB>
+                    <a:noFill/>
+                  </a:tcPr>
+                </a:tc>
+                <a:tc>
+                  <a:txBody>
+                    <a:bodyPr lIns="36000" rIns="36000" tIns="36000" bIns="36000" anchor="t">
+                      <a:noAutofit/>
+                    </a:bodyPr>
+                    <a:p>
+                      <a:pPr algn="ctr"/>
+                      <a:r>
+                        <a:rPr b="0" lang="ru-RU" sz="1200" spc="-1" strike="noStrike">
+                          <a:solidFill>
+                            <a:srgbClr val="000000"/>
+                          </a:solidFill>
+                          <a:latin typeface="Times New Roman"/>
+                        </a:rPr>
+                        <a:t>Дата</a:t>
+                      </a:r>
+                      <a:endParaRPr b="0" lang="ru-RU" sz="1200" spc="-1" strike="noStrike">
+                        <a:solidFill>
+                          <a:srgbClr val="000000"/>
+                        </a:solidFill>
+                        <a:latin typeface="Times New Roman"/>
+                      </a:endParaRPr>
+                    </a:p>
+                  </a:txBody>
+                  <a:tcPr anchor="t" marL="36000" marR="36000">
+                    <a:lnL w="7200">
+                      <a:solidFill>
+                        <a:srgbClr val="000000"/>
+                      </a:solidFill>
+                      <a:prstDash val="solid"/>
+                    </a:lnL>
+                    <a:lnR w="7200">
+                      <a:solidFill>
+                        <a:srgbClr val="000000"/>
+                      </a:solidFill>
+                      <a:prstDash val="solid"/>
+                    </a:lnR>
+                    <a:lnT w="7200">
+                      <a:solidFill>
+                        <a:srgbClr val="000000"/>
+                      </a:solidFill>
+                      <a:prstDash val="solid"/>
+                    </a:lnT>
+                    <a:lnB w="7200">
+                      <a:solidFill>
+                        <a:srgbClr val="000000"/>
+                      </a:solidFill>
+                      <a:prstDash val="solid"/>
+                    </a:lnB>
+                    <a:noFill/>
+                  </a:tcPr>
+                </a:tc>
+              </a:tr>
+              <a:tr h="425520">
+                <a:tc>
+                  <a:txBody>
+                    <a:bodyPr lIns="36000" rIns="36000" tIns="36000" bIns="36000" anchor="t">
+                      <a:noAutofit/>
+                    </a:bodyPr>
+                    <a:p>
+                      <a:pPr algn="ctr"/>
+                      <a:r>
+                        <a:rPr b="0" lang="ru-RU" sz="1200" spc="-1" strike="noStrike">
+                          <a:solidFill>
+                            <a:srgbClr val="000000"/>
+                          </a:solidFill>
+                          <a:latin typeface="Times New Roman"/>
+                        </a:rPr>
+                        <a:t>1</a:t>
+                      </a:r>
+                      <a:endParaRPr b="0" lang="ru-RU" sz="1200" spc="-1" strike="noStrike">
+                        <a:solidFill>
+                          <a:srgbClr val="000000"/>
+                        </a:solidFill>
+                        <a:latin typeface="Times New Roman"/>
+                      </a:endParaRPr>
+                    </a:p>
+                  </a:txBody>
+                  <a:tcPr anchor="t" marL="36000" marR="36000">
+                    <a:lnL w="7200">
+                      <a:solidFill>
+                        <a:srgbClr val="000000"/>
+                      </a:solidFill>
+                      <a:prstDash val="solid"/>
+                    </a:lnL>
+                    <a:lnR w="7200">
+                      <a:solidFill>
+                        <a:srgbClr val="000000"/>
+                      </a:solidFill>
+                      <a:prstDash val="solid"/>
+                    </a:lnR>
+                    <a:lnT w="7200">
+                      <a:solidFill>
+                        <a:srgbClr val="000000"/>
+                      </a:solidFill>
+                      <a:prstDash val="solid"/>
+                    </a:lnT>
+                    <a:lnB w="7200">
+                      <a:solidFill>
+                        <a:srgbClr val="000000"/>
+                      </a:solidFill>
+                      <a:prstDash val="solid"/>
+                    </a:lnB>
+                    <a:noFill/>
+                  </a:tcPr>
+                </a:tc>
+                <a:tc>
+                  <a:txBody>
+                    <a:bodyPr lIns="36000" rIns="36000" tIns="36000" bIns="36000" anchor="t">
+                      <a:noAutofit/>
+                    </a:bodyPr>
+                    <a:p>
+                      <a:r>
+                        <a:rPr b="0" lang="ru-RU" sz="1200" spc="-1" strike="noStrike">
+                          <a:solidFill>
+                            <a:srgbClr val="000000"/>
+                          </a:solidFill>
+                          <a:latin typeface="Times New Roman"/>
+                        </a:rPr>
+                        <a:t>Выбор </a:t>
+                      </a:r>
+                      <a:endParaRPr b="0" lang="ru-RU" sz="1200" spc="-1" strike="noStrike">
+                        <a:solidFill>
+                          <a:srgbClr val="000000"/>
+                        </a:solidFill>
+                        <a:latin typeface="Times New Roman"/>
+                      </a:endParaRPr>
+                    </a:p>
+                  </a:txBody>
+                  <a:tcPr anchor="t" marL="36000" marR="36000">
+                    <a:lnL w="7200">
+                      <a:solidFill>
+                        <a:srgbClr val="000000"/>
+                      </a:solidFill>
+                      <a:prstDash val="solid"/>
+                    </a:lnL>
+                    <a:lnR w="7200">
+                      <a:solidFill>
+                        <a:srgbClr val="000000"/>
+                      </a:solidFill>
+                      <a:prstDash val="solid"/>
+                    </a:lnR>
+                    <a:lnT w="7200">
+                      <a:solidFill>
+                        <a:srgbClr val="000000"/>
+                      </a:solidFill>
+                      <a:prstDash val="solid"/>
+                    </a:lnT>
+                    <a:lnB w="7200">
+                      <a:solidFill>
+                        <a:srgbClr val="000000"/>
+                      </a:solidFill>
+                      <a:prstDash val="solid"/>
+                    </a:lnB>
+                    <a:noFill/>
+                  </a:tcPr>
+                </a:tc>
+                <a:tc>
+                  <a:txBody>
+                    <a:bodyPr lIns="36000" rIns="36000" tIns="36000" bIns="36000" anchor="t">
+                      <a:noAutofit/>
+                    </a:bodyPr>
+                    <a:p>
+                      <a:endParaRPr b="0" lang="ru-RU" sz="1200" spc="-1" strike="noStrike">
+                        <a:solidFill>
+                          <a:srgbClr val="000000"/>
+                        </a:solidFill>
+                        <a:latin typeface="Times New Roman"/>
+                      </a:endParaRPr>
+                    </a:p>
+                  </a:txBody>
+                  <a:tcPr anchor="t" marL="36000" marR="36000">
+                    <a:lnL w="7200">
+                      <a:solidFill>
+                        <a:srgbClr val="000000"/>
+                      </a:solidFill>
+                      <a:prstDash val="solid"/>
+                    </a:lnL>
+                    <a:lnR w="7200">
+                      <a:solidFill>
+                        <a:srgbClr val="000000"/>
+                      </a:solidFill>
+                      <a:prstDash val="solid"/>
+                    </a:lnR>
+                    <a:lnT w="7200">
+                      <a:solidFill>
+                        <a:srgbClr val="000000"/>
+                      </a:solidFill>
+                      <a:prstDash val="solid"/>
+                    </a:lnT>
+                    <a:lnB w="7200">
+                      <a:solidFill>
+                        <a:srgbClr val="000000"/>
+                      </a:solidFill>
+                      <a:prstDash val="solid"/>
+                    </a:lnB>
+                    <a:noFill/>
+                  </a:tcPr>
+                </a:tc>
+                <a:tc>
+                  <a:txBody>
+                    <a:bodyPr lIns="36000" rIns="36000" tIns="36000" bIns="36000" anchor="t">
+                      <a:noAutofit/>
+                    </a:bodyPr>
+                    <a:p>
+                      <a:pPr algn="ctr"/>
+                      <a:r>
+                        <a:rPr b="0" lang="ru-RU" sz="1200" spc="-1" strike="noStrike">
+                          <a:solidFill>
+                            <a:srgbClr val="000000"/>
+                          </a:solidFill>
+                          <a:latin typeface="Times New Roman"/>
+                        </a:rPr>
+                        <a:t>Сентябрь 2024</a:t>
+                      </a:r>
+                      <a:endParaRPr b="0" lang="ru-RU" sz="1200" spc="-1" strike="noStrike">
+                        <a:solidFill>
+                          <a:srgbClr val="000000"/>
+                        </a:solidFill>
+                        <a:latin typeface="Times New Roman"/>
+                      </a:endParaRPr>
+                    </a:p>
+                  </a:txBody>
+                  <a:tcPr anchor="t" marL="36000" marR="36000">
+                    <a:lnL w="7200">
+                      <a:solidFill>
+                        <a:srgbClr val="000000"/>
+                      </a:solidFill>
+                      <a:prstDash val="solid"/>
+                    </a:lnL>
+                    <a:lnR w="7200">
+                      <a:solidFill>
+                        <a:srgbClr val="000000"/>
+                      </a:solidFill>
+                      <a:prstDash val="solid"/>
+                    </a:lnR>
+                    <a:lnT w="7200">
+                      <a:solidFill>
+                        <a:srgbClr val="000000"/>
+                      </a:solidFill>
+                      <a:prstDash val="solid"/>
+                    </a:lnT>
+                    <a:lnB w="7200">
+                      <a:solidFill>
+                        <a:srgbClr val="000000"/>
+                      </a:solidFill>
+                      <a:prstDash val="solid"/>
+                    </a:lnB>
+                    <a:noFill/>
+                  </a:tcPr>
+                </a:tc>
+              </a:tr>
+              <a:tr h="425520">
+                <a:tc>
+                  <a:txBody>
+                    <a:bodyPr lIns="36000" rIns="36000" tIns="36000" bIns="36000" anchor="t">
+                      <a:noAutofit/>
+                    </a:bodyPr>
+                    <a:p>
+                      <a:pPr algn="ctr"/>
+                      <a:r>
+                        <a:rPr b="0" lang="ru-RU" sz="1200" spc="-1" strike="noStrike">
+                          <a:solidFill>
+                            <a:srgbClr val="000000"/>
+                          </a:solidFill>
+                          <a:latin typeface="Times New Roman"/>
+                        </a:rPr>
+                        <a:t>2</a:t>
+                      </a:r>
+                      <a:endParaRPr b="0" lang="ru-RU" sz="1200" spc="-1" strike="noStrike">
+                        <a:solidFill>
+                          <a:srgbClr val="000000"/>
+                        </a:solidFill>
+                        <a:latin typeface="Times New Roman"/>
+                      </a:endParaRPr>
+                    </a:p>
+                  </a:txBody>
+                  <a:tcPr anchor="t" marL="36000" marR="36000">
+                    <a:lnL w="7200">
+                      <a:solidFill>
+                        <a:srgbClr val="000000"/>
+                      </a:solidFill>
+                      <a:prstDash val="solid"/>
+                    </a:lnL>
+                    <a:lnR w="7200">
+                      <a:solidFill>
+                        <a:srgbClr val="000000"/>
+                      </a:solidFill>
+                      <a:prstDash val="solid"/>
+                    </a:lnR>
+                    <a:lnT w="7200">
+                      <a:solidFill>
+                        <a:srgbClr val="000000"/>
+                      </a:solidFill>
+                      <a:prstDash val="solid"/>
+                    </a:lnT>
+                    <a:lnB w="7200">
+                      <a:solidFill>
+                        <a:srgbClr val="000000"/>
+                      </a:solidFill>
+                      <a:prstDash val="solid"/>
+                    </a:lnB>
+                    <a:noFill/>
+                  </a:tcPr>
+                </a:tc>
+                <a:tc>
+                  <a:txBody>
+                    <a:bodyPr lIns="36000" rIns="36000" tIns="36000" bIns="36000" anchor="t">
+                      <a:noAutofit/>
+                    </a:bodyPr>
+                    <a:p>
+                      <a:endParaRPr b="0" lang="ru-RU" sz="1200" spc="-1" strike="noStrike">
+                        <a:solidFill>
+                          <a:srgbClr val="000000"/>
+                        </a:solidFill>
+                        <a:latin typeface="Times New Roman"/>
+                      </a:endParaRPr>
+                    </a:p>
+                  </a:txBody>
+                  <a:tcPr anchor="t" marL="36000" marR="36000">
+                    <a:lnL w="7200">
+                      <a:solidFill>
+                        <a:srgbClr val="000000"/>
+                      </a:solidFill>
+                      <a:prstDash val="solid"/>
+                    </a:lnL>
+                    <a:lnR w="7200">
+                      <a:solidFill>
+                        <a:srgbClr val="000000"/>
+                      </a:solidFill>
+                      <a:prstDash val="solid"/>
+                    </a:lnR>
+                    <a:lnT w="7200">
+                      <a:solidFill>
+                        <a:srgbClr val="000000"/>
+                      </a:solidFill>
+                      <a:prstDash val="solid"/>
+                    </a:lnT>
+                    <a:lnB w="7200">
+                      <a:solidFill>
+                        <a:srgbClr val="000000"/>
+                      </a:solidFill>
+                      <a:prstDash val="solid"/>
+                    </a:lnB>
+                    <a:noFill/>
+                  </a:tcPr>
+                </a:tc>
+                <a:tc>
+                  <a:txBody>
+                    <a:bodyPr lIns="36000" rIns="36000" tIns="36000" bIns="36000" anchor="t">
+                      <a:noAutofit/>
+                    </a:bodyPr>
+                    <a:p>
+                      <a:endParaRPr b="0" lang="ru-RU" sz="1200" spc="-1" strike="noStrike">
+                        <a:solidFill>
+                          <a:srgbClr val="000000"/>
+                        </a:solidFill>
+                        <a:latin typeface="Times New Roman"/>
+                      </a:endParaRPr>
+                    </a:p>
+                  </a:txBody>
+                  <a:tcPr anchor="t" marL="36000" marR="36000">
+                    <a:lnL w="7200">
+                      <a:solidFill>
+                        <a:srgbClr val="000000"/>
+                      </a:solidFill>
+                      <a:prstDash val="solid"/>
+                    </a:lnL>
+                    <a:lnR w="7200">
+                      <a:solidFill>
+                        <a:srgbClr val="000000"/>
+                      </a:solidFill>
+                      <a:prstDash val="solid"/>
+                    </a:lnR>
+                    <a:lnT w="7200">
+                      <a:solidFill>
+                        <a:srgbClr val="000000"/>
+                      </a:solidFill>
+                      <a:prstDash val="solid"/>
+                    </a:lnT>
+                    <a:lnB w="7200">
+                      <a:solidFill>
+                        <a:srgbClr val="000000"/>
+                      </a:solidFill>
+                      <a:prstDash val="solid"/>
+                    </a:lnB>
+                    <a:noFill/>
+                  </a:tcPr>
+                </a:tc>
+                <a:tc>
+                  <a:txBody>
+                    <a:bodyPr lIns="36000" rIns="36000" tIns="36000" bIns="36000" anchor="t">
+                      <a:noAutofit/>
+                    </a:bodyPr>
+                    <a:p>
+                      <a:pPr algn="ctr"/>
+                      <a:r>
+                        <a:rPr b="0" lang="ru-RU" sz="1200" spc="-1" strike="noStrike">
+                          <a:solidFill>
+                            <a:srgbClr val="000000"/>
+                          </a:solidFill>
+                          <a:latin typeface="Times New Roman"/>
+                        </a:rPr>
+                        <a:t>Сентябрь — Октябрь 2024</a:t>
+                      </a:r>
+                      <a:endParaRPr b="0" lang="ru-RU" sz="1200" spc="-1" strike="noStrike">
+                        <a:solidFill>
+                          <a:srgbClr val="000000"/>
+                        </a:solidFill>
+                        <a:latin typeface="Times New Roman"/>
+                      </a:endParaRPr>
+                    </a:p>
+                  </a:txBody>
+                  <a:tcPr anchor="t" marL="36000" marR="36000">
+                    <a:lnL w="7200">
+                      <a:solidFill>
+                        <a:srgbClr val="000000"/>
+                      </a:solidFill>
+                      <a:prstDash val="solid"/>
+                    </a:lnL>
+                    <a:lnR w="7200">
+                      <a:solidFill>
+                        <a:srgbClr val="000000"/>
+                      </a:solidFill>
+                      <a:prstDash val="solid"/>
+                    </a:lnR>
+                    <a:lnT w="7200">
+                      <a:solidFill>
+                        <a:srgbClr val="000000"/>
+                      </a:solidFill>
+                      <a:prstDash val="solid"/>
+                    </a:lnT>
+                    <a:lnB w="7200">
+                      <a:solidFill>
+                        <a:srgbClr val="000000"/>
+                      </a:solidFill>
+                      <a:prstDash val="solid"/>
+                    </a:lnB>
+                    <a:noFill/>
+                  </a:tcPr>
+                </a:tc>
+              </a:tr>
+              <a:tr h="425520">
+                <a:tc>
+                  <a:txBody>
+                    <a:bodyPr lIns="36000" rIns="36000" tIns="36000" bIns="36000" anchor="t">
+                      <a:noAutofit/>
+                    </a:bodyPr>
+                    <a:p>
+                      <a:pPr algn="ctr"/>
+                      <a:r>
+                        <a:rPr b="0" lang="ru-RU" sz="1200" spc="-1" strike="noStrike">
+                          <a:solidFill>
+                            <a:srgbClr val="000000"/>
+                          </a:solidFill>
+                          <a:latin typeface="Times New Roman"/>
+                        </a:rPr>
+                        <a:t>3</a:t>
+                      </a:r>
+                      <a:endParaRPr b="0" lang="ru-RU" sz="1200" spc="-1" strike="noStrike">
+                        <a:solidFill>
+                          <a:srgbClr val="000000"/>
+                        </a:solidFill>
+                        <a:latin typeface="Times New Roman"/>
+                      </a:endParaRPr>
+                    </a:p>
+                  </a:txBody>
+                  <a:tcPr anchor="t" marL="36000" marR="36000">
+                    <a:lnL w="7200">
+                      <a:solidFill>
+                        <a:srgbClr val="000000"/>
+                      </a:solidFill>
+                      <a:prstDash val="solid"/>
+                    </a:lnL>
+                    <a:lnR w="7200">
+                      <a:solidFill>
+                        <a:srgbClr val="000000"/>
+                      </a:solidFill>
+                      <a:prstDash val="solid"/>
+                    </a:lnR>
+                    <a:lnT w="7200">
+                      <a:solidFill>
+                        <a:srgbClr val="000000"/>
+                      </a:solidFill>
+                      <a:prstDash val="solid"/>
+                    </a:lnT>
+                    <a:lnB w="7200">
+                      <a:solidFill>
+                        <a:srgbClr val="000000"/>
+                      </a:solidFill>
+                      <a:prstDash val="solid"/>
+                    </a:lnB>
+                    <a:noFill/>
+                  </a:tcPr>
+                </a:tc>
+                <a:tc>
+                  <a:txBody>
+                    <a:bodyPr lIns="36000" rIns="36000" tIns="36000" bIns="36000" anchor="t">
+                      <a:noAutofit/>
+                    </a:bodyPr>
+                    <a:p>
+                      <a:endParaRPr b="0" lang="ru-RU" sz="1200" spc="-1" strike="noStrike">
+                        <a:solidFill>
+                          <a:srgbClr val="000000"/>
+                        </a:solidFill>
+                        <a:latin typeface="Times New Roman"/>
+                      </a:endParaRPr>
+                    </a:p>
+                  </a:txBody>
+                  <a:tcPr anchor="t" marL="36000" marR="36000">
+                    <a:lnL w="7200">
+                      <a:solidFill>
+                        <a:srgbClr val="000000"/>
+                      </a:solidFill>
+                      <a:prstDash val="solid"/>
+                    </a:lnL>
+                    <a:lnR w="7200">
+                      <a:solidFill>
+                        <a:srgbClr val="000000"/>
+                      </a:solidFill>
+                      <a:prstDash val="solid"/>
+                    </a:lnR>
+                    <a:lnT w="7200">
+                      <a:solidFill>
+                        <a:srgbClr val="000000"/>
+                      </a:solidFill>
+                      <a:prstDash val="solid"/>
+                    </a:lnT>
+                    <a:lnB w="7200">
+                      <a:solidFill>
+                        <a:srgbClr val="000000"/>
+                      </a:solidFill>
+                      <a:prstDash val="solid"/>
+                    </a:lnB>
+                    <a:noFill/>
+                  </a:tcPr>
+                </a:tc>
+                <a:tc>
+                  <a:txBody>
+                    <a:bodyPr lIns="36000" rIns="36000" tIns="36000" bIns="36000" anchor="t">
+                      <a:noAutofit/>
+                    </a:bodyPr>
+                    <a:p>
+                      <a:endParaRPr b="0" lang="ru-RU" sz="1200" spc="-1" strike="noStrike">
+                        <a:solidFill>
+                          <a:srgbClr val="000000"/>
+                        </a:solidFill>
+                        <a:latin typeface="Times New Roman"/>
+                      </a:endParaRPr>
+                    </a:p>
+                  </a:txBody>
+                  <a:tcPr anchor="t" marL="36000" marR="36000">
+                    <a:lnL w="7200">
+                      <a:solidFill>
+                        <a:srgbClr val="000000"/>
+                      </a:solidFill>
+                      <a:prstDash val="solid"/>
+                    </a:lnL>
+                    <a:lnR w="7200">
+                      <a:solidFill>
+                        <a:srgbClr val="000000"/>
+                      </a:solidFill>
+                      <a:prstDash val="solid"/>
+                    </a:lnR>
+                    <a:lnT w="7200">
+                      <a:solidFill>
+                        <a:srgbClr val="000000"/>
+                      </a:solidFill>
+                      <a:prstDash val="solid"/>
+                    </a:lnT>
+                    <a:lnB w="7200">
+                      <a:solidFill>
+                        <a:srgbClr val="000000"/>
+                      </a:solidFill>
+                      <a:prstDash val="solid"/>
+                    </a:lnB>
+                    <a:noFill/>
+                  </a:tcPr>
+                </a:tc>
+                <a:tc>
+                  <a:txBody>
+                    <a:bodyPr lIns="36000" rIns="36000" tIns="36000" bIns="36000" anchor="t">
+                      <a:noAutofit/>
+                    </a:bodyPr>
+                    <a:p>
+                      <a:pPr algn="ctr"/>
+                      <a:r>
+                        <a:rPr b="0" lang="ru-RU" sz="1200" spc="-1" strike="noStrike">
+                          <a:solidFill>
+                            <a:srgbClr val="000000"/>
+                          </a:solidFill>
+                          <a:latin typeface="Times New Roman"/>
+                        </a:rPr>
+                        <a:t>Декабрь - 2024</a:t>
+                      </a:r>
+                      <a:endParaRPr b="0" lang="ru-RU" sz="1200" spc="-1" strike="noStrike">
+                        <a:solidFill>
+                          <a:srgbClr val="000000"/>
+                        </a:solidFill>
+                        <a:latin typeface="Times New Roman"/>
+                      </a:endParaRPr>
+                    </a:p>
+                  </a:txBody>
+                  <a:tcPr anchor="t" marL="36000" marR="36000">
+                    <a:lnL w="7200">
+                      <a:solidFill>
+                        <a:srgbClr val="000000"/>
+                      </a:solidFill>
+                      <a:prstDash val="solid"/>
+                    </a:lnL>
+                    <a:lnR w="7200">
+                      <a:solidFill>
+                        <a:srgbClr val="000000"/>
+                      </a:solidFill>
+                      <a:prstDash val="solid"/>
+                    </a:lnR>
+                    <a:lnT w="7200">
+                      <a:solidFill>
+                        <a:srgbClr val="000000"/>
+                      </a:solidFill>
+                      <a:prstDash val="solid"/>
+                    </a:lnT>
+                    <a:lnB w="7200">
+                      <a:solidFill>
+                        <a:srgbClr val="000000"/>
+                      </a:solidFill>
+                      <a:prstDash val="solid"/>
+                    </a:lnB>
+                    <a:noFill/>
+                  </a:tcPr>
+                </a:tc>
+              </a:tr>
+              <a:tr h="425520">
+                <a:tc>
+                  <a:txBody>
+                    <a:bodyPr lIns="36000" rIns="36000" tIns="36000" bIns="36000" anchor="t">
+                      <a:noAutofit/>
+                    </a:bodyPr>
+                    <a:p>
+                      <a:pPr algn="ctr"/>
+                      <a:r>
+                        <a:rPr b="0" lang="ru-RU" sz="1200" spc="-1" strike="noStrike">
+                          <a:solidFill>
+                            <a:srgbClr val="000000"/>
+                          </a:solidFill>
+                          <a:latin typeface="Times New Roman"/>
+                        </a:rPr>
+                        <a:t>4</a:t>
+                      </a:r>
+                      <a:endParaRPr b="0" lang="ru-RU" sz="1200" spc="-1" strike="noStrike">
+                        <a:solidFill>
+                          <a:srgbClr val="000000"/>
+                        </a:solidFill>
+                        <a:latin typeface="Times New Roman"/>
+                      </a:endParaRPr>
+                    </a:p>
+                  </a:txBody>
+                  <a:tcPr anchor="t" marL="36000" marR="36000">
+                    <a:lnL w="7200">
+                      <a:solidFill>
+                        <a:srgbClr val="000000"/>
+                      </a:solidFill>
+                      <a:prstDash val="solid"/>
+                    </a:lnL>
+                    <a:lnR w="7200">
+                      <a:solidFill>
+                        <a:srgbClr val="000000"/>
+                      </a:solidFill>
+                      <a:prstDash val="solid"/>
+                    </a:lnR>
+                    <a:lnT w="7200">
+                      <a:solidFill>
+                        <a:srgbClr val="000000"/>
+                      </a:solidFill>
+                      <a:prstDash val="solid"/>
+                    </a:lnT>
+                    <a:lnB w="7200">
+                      <a:solidFill>
+                        <a:srgbClr val="000000"/>
+                      </a:solidFill>
+                      <a:prstDash val="solid"/>
+                    </a:lnB>
+                    <a:noFill/>
+                  </a:tcPr>
+                </a:tc>
+                <a:tc>
+                  <a:txBody>
+                    <a:bodyPr lIns="36000" rIns="36000" tIns="36000" bIns="36000" anchor="t">
+                      <a:noAutofit/>
+                    </a:bodyPr>
+                    <a:p>
+                      <a:endParaRPr b="0" lang="ru-RU" sz="1200" spc="-1" strike="noStrike">
+                        <a:solidFill>
+                          <a:srgbClr val="000000"/>
+                        </a:solidFill>
+                        <a:latin typeface="Times New Roman"/>
+                      </a:endParaRPr>
+                    </a:p>
+                  </a:txBody>
+                  <a:tcPr anchor="t" marL="36000" marR="36000">
+                    <a:lnL w="7200">
+                      <a:solidFill>
+                        <a:srgbClr val="000000"/>
+                      </a:solidFill>
+                      <a:prstDash val="solid"/>
+                    </a:lnL>
+                    <a:lnR w="7200">
+                      <a:solidFill>
+                        <a:srgbClr val="000000"/>
+                      </a:solidFill>
+                      <a:prstDash val="solid"/>
+                    </a:lnR>
+                    <a:lnT w="7200">
+                      <a:solidFill>
+                        <a:srgbClr val="000000"/>
+                      </a:solidFill>
+                      <a:prstDash val="solid"/>
+                    </a:lnT>
+                    <a:lnB w="7200">
+                      <a:solidFill>
+                        <a:srgbClr val="000000"/>
+                      </a:solidFill>
+                      <a:prstDash val="solid"/>
+                    </a:lnB>
+                    <a:noFill/>
+                  </a:tcPr>
+                </a:tc>
+                <a:tc>
+                  <a:txBody>
+                    <a:bodyPr lIns="36000" rIns="36000" tIns="36000" bIns="36000" anchor="t">
+                      <a:noAutofit/>
+                    </a:bodyPr>
+                    <a:p>
+                      <a:endParaRPr b="0" lang="ru-RU" sz="1200" spc="-1" strike="noStrike">
+                        <a:solidFill>
+                          <a:srgbClr val="000000"/>
+                        </a:solidFill>
+                        <a:latin typeface="Times New Roman"/>
+                      </a:endParaRPr>
+                    </a:p>
+                  </a:txBody>
+                  <a:tcPr anchor="t" marL="36000" marR="36000">
+                    <a:lnL w="7200">
+                      <a:solidFill>
+                        <a:srgbClr val="000000"/>
+                      </a:solidFill>
+                      <a:prstDash val="solid"/>
+                    </a:lnL>
+                    <a:lnR w="7200">
+                      <a:solidFill>
+                        <a:srgbClr val="000000"/>
+                      </a:solidFill>
+                      <a:prstDash val="solid"/>
+                    </a:lnR>
+                    <a:lnT w="7200">
+                      <a:solidFill>
+                        <a:srgbClr val="000000"/>
+                      </a:solidFill>
+                      <a:prstDash val="solid"/>
+                    </a:lnT>
+                    <a:lnB w="7200">
+                      <a:solidFill>
+                        <a:srgbClr val="000000"/>
+                      </a:solidFill>
+                      <a:prstDash val="solid"/>
+                    </a:lnB>
+                    <a:noFill/>
+                  </a:tcPr>
+                </a:tc>
+                <a:tc>
+                  <a:txBody>
+                    <a:bodyPr lIns="36000" rIns="36000" tIns="36000" bIns="36000" anchor="t">
+                      <a:noAutofit/>
+                    </a:bodyPr>
+                    <a:p>
+                      <a:pPr algn="ctr"/>
+                      <a:endParaRPr b="0" lang="ru-RU" sz="1200" spc="-1" strike="noStrike">
+                        <a:solidFill>
+                          <a:srgbClr val="000000"/>
+                        </a:solidFill>
+                        <a:latin typeface="Times New Roman"/>
+                      </a:endParaRPr>
+                    </a:p>
+                  </a:txBody>
+                  <a:tcPr anchor="t" marL="36000" marR="36000">
+                    <a:lnL w="7200">
+                      <a:solidFill>
+                        <a:srgbClr val="000000"/>
+                      </a:solidFill>
+                      <a:prstDash val="solid"/>
+                    </a:lnL>
+                    <a:lnR w="7200">
+                      <a:solidFill>
+                        <a:srgbClr val="000000"/>
+                      </a:solidFill>
+                      <a:prstDash val="solid"/>
+                    </a:lnR>
+                    <a:lnT w="7200">
+                      <a:solidFill>
+                        <a:srgbClr val="000000"/>
+                      </a:solidFill>
+                      <a:prstDash val="solid"/>
+                    </a:lnT>
+                    <a:lnB w="7200">
+                      <a:solidFill>
+                        <a:srgbClr val="000000"/>
+                      </a:solidFill>
+                      <a:prstDash val="solid"/>
+                    </a:lnB>
+                    <a:noFill/>
+                  </a:tcPr>
+                </a:tc>
+              </a:tr>
+              <a:tr h="1418040">
+                <a:tc>
+                  <a:txBody>
+                    <a:bodyPr lIns="36000" rIns="36000" tIns="36000" bIns="36000" anchor="t">
+                      <a:noAutofit/>
+                    </a:bodyPr>
+                    <a:p>
+                      <a:pPr algn="ctr"/>
+                      <a:r>
+                        <a:rPr b="0" lang="ru-RU" sz="1200" spc="-1" strike="noStrike">
+                          <a:solidFill>
+                            <a:srgbClr val="000000"/>
+                          </a:solidFill>
+                          <a:latin typeface="Times New Roman"/>
+                        </a:rPr>
+                        <a:t>5</a:t>
+                      </a:r>
+                      <a:endParaRPr b="0" lang="ru-RU" sz="1200" spc="-1" strike="noStrike">
+                        <a:solidFill>
+                          <a:srgbClr val="000000"/>
+                        </a:solidFill>
+                        <a:latin typeface="Times New Roman"/>
+                      </a:endParaRPr>
+                    </a:p>
+                  </a:txBody>
+                  <a:tcPr anchor="t" marL="36000" marR="36000">
+                    <a:lnL w="7200">
+                      <a:solidFill>
+                        <a:srgbClr val="000000"/>
+                      </a:solidFill>
+                      <a:prstDash val="solid"/>
+                    </a:lnL>
+                    <a:lnR w="7200">
+                      <a:solidFill>
+                        <a:srgbClr val="000000"/>
+                      </a:solidFill>
+                      <a:prstDash val="solid"/>
+                    </a:lnR>
+                    <a:lnT w="7200">
+                      <a:solidFill>
+                        <a:srgbClr val="000000"/>
+                      </a:solidFill>
+                      <a:prstDash val="solid"/>
+                    </a:lnT>
+                    <a:lnB w="7200">
+                      <a:solidFill>
+                        <a:srgbClr val="000000"/>
+                      </a:solidFill>
+                      <a:prstDash val="solid"/>
+                    </a:lnB>
+                    <a:noFill/>
+                  </a:tcPr>
+                </a:tc>
+                <a:tc>
+                  <a:txBody>
+                    <a:bodyPr lIns="36000" rIns="36000" tIns="36000" bIns="36000" anchor="t">
+                      <a:noAutofit/>
+                    </a:bodyPr>
+                    <a:p>
+                      <a:endParaRPr b="0" lang="ru-RU" sz="1200" spc="-1" strike="noStrike">
+                        <a:solidFill>
+                          <a:srgbClr val="000000"/>
+                        </a:solidFill>
+                        <a:latin typeface="Times New Roman"/>
+                      </a:endParaRPr>
+                    </a:p>
+                  </a:txBody>
+                  <a:tcPr anchor="t" marL="36000" marR="36000">
+                    <a:lnL w="7200">
+                      <a:solidFill>
+                        <a:srgbClr val="000000"/>
+                      </a:solidFill>
+                      <a:prstDash val="solid"/>
+                    </a:lnL>
+                    <a:lnR w="7200">
+                      <a:solidFill>
+                        <a:srgbClr val="000000"/>
+                      </a:solidFill>
+                      <a:prstDash val="solid"/>
+                    </a:lnR>
+                    <a:lnT w="7200">
+                      <a:solidFill>
+                        <a:srgbClr val="000000"/>
+                      </a:solidFill>
+                      <a:prstDash val="solid"/>
+                    </a:lnT>
+                    <a:lnB w="7200">
+                      <a:solidFill>
+                        <a:srgbClr val="000000"/>
+                      </a:solidFill>
+                      <a:prstDash val="solid"/>
+                    </a:lnB>
+                    <a:noFill/>
+                  </a:tcPr>
+                </a:tc>
+                <a:tc>
+                  <a:txBody>
+                    <a:bodyPr lIns="36000" rIns="36000" tIns="36000" bIns="36000" anchor="t">
+                      <a:noAutofit/>
+                    </a:bodyPr>
+                    <a:p>
+                      <a:endParaRPr b="0" lang="ru-RU" sz="1200" spc="-1" strike="noStrike">
+                        <a:solidFill>
+                          <a:srgbClr val="000000"/>
+                        </a:solidFill>
+                        <a:latin typeface="Times New Roman"/>
+                      </a:endParaRPr>
+                    </a:p>
+                  </a:txBody>
+                  <a:tcPr anchor="t" marL="36000" marR="36000">
+                    <a:lnL w="7200">
+                      <a:solidFill>
+                        <a:srgbClr val="000000"/>
+                      </a:solidFill>
+                      <a:prstDash val="solid"/>
+                    </a:lnL>
+                    <a:lnR w="7200">
+                      <a:solidFill>
+                        <a:srgbClr val="000000"/>
+                      </a:solidFill>
+                      <a:prstDash val="solid"/>
+                    </a:lnR>
+                    <a:lnT w="7200">
+                      <a:solidFill>
+                        <a:srgbClr val="000000"/>
+                      </a:solidFill>
+                      <a:prstDash val="solid"/>
+                    </a:lnT>
+                    <a:lnB w="7200">
+                      <a:solidFill>
+                        <a:srgbClr val="000000"/>
+                      </a:solidFill>
+                      <a:prstDash val="solid"/>
+                    </a:lnB>
+                    <a:noFill/>
+                  </a:tcPr>
+                </a:tc>
+                <a:tc>
+                  <a:txBody>
+                    <a:bodyPr lIns="36000" rIns="36000" tIns="36000" bIns="36000" anchor="t">
+                      <a:noAutofit/>
+                    </a:bodyPr>
+                    <a:p>
+                      <a:pPr algn="ctr"/>
+                      <a:endParaRPr b="0" lang="ru-RU" sz="1200" spc="-1" strike="noStrike">
+                        <a:solidFill>
+                          <a:srgbClr val="000000"/>
+                        </a:solidFill>
+                        <a:latin typeface="Times New Roman"/>
+                      </a:endParaRPr>
+                    </a:p>
+                  </a:txBody>
+                  <a:tcPr anchor="t" marL="36000" marR="36000">
+                    <a:lnL w="7200">
+                      <a:solidFill>
+                        <a:srgbClr val="000000"/>
+                      </a:solidFill>
+                      <a:prstDash val="solid"/>
+                    </a:lnL>
+                    <a:lnR w="7200">
+                      <a:solidFill>
+                        <a:srgbClr val="000000"/>
+                      </a:solidFill>
+                      <a:prstDash val="solid"/>
+                    </a:lnR>
+                    <a:lnT w="7200">
+                      <a:solidFill>
+                        <a:srgbClr val="000000"/>
+                      </a:solidFill>
+                      <a:prstDash val="solid"/>
+                    </a:lnT>
+                    <a:lnB w="7200">
+                      <a:solidFill>
+                        <a:srgbClr val="000000"/>
+                      </a:solidFill>
+                      <a:prstDash val="solid"/>
+                    </a:lnB>
+                    <a:noFill/>
+                  </a:tcPr>
+                </a:tc>
+              </a:tr>
+            </a:tbl>
+          </a:graphicData>
+        </a:graphic>
+      </p:graphicFrame>
     </p:spTree>
   </p:cSld>
   <mc:AlternateContent>
@@ -4882,14 +6146,14 @@
       </p:grpSpPr>
       <p:sp>
         <p:nvSpPr>
-          <p:cNvPr id="64" name=""/>
+          <p:cNvPr id="66" name=""/>
           <p:cNvSpPr/>
           <p:nvPr/>
         </p:nvSpPr>
         <p:spPr>
           <a:xfrm>
             <a:off x="2160000" y="2160000"/>
-            <a:ext cx="5760000" cy="720000"/>
+            <a:ext cx="5759640" cy="719640"/>
           </a:xfrm>
           <a:prstGeom prst="rect">
             <a:avLst/>
@@ -4921,14 +6185,15 @@
                   <a:srgbClr val="000000"/>
                 </a:solidFill>
                 <a:latin typeface="Times New Roman"/>
+                <a:ea typeface="DejaVu Sans"/>
               </a:rPr>
               <a:t>Спасибо за прасмотр!!!</a:t>
             </a:r>
-            <a:endParaRPr b="1" lang="ru-RU" sz="4000" spc="-1" strike="noStrike">
-              <a:solidFill>
-                <a:srgbClr val="000000"/>
-              </a:solidFill>
-              <a:latin typeface="Times New Roman"/>
+            <a:endParaRPr b="0" lang="ru-RU" sz="4000" spc="-1" strike="noStrike">
+              <a:solidFill>
+                <a:srgbClr val="000000"/>
+              </a:solidFill>
+              <a:latin typeface="Arial"/>
             </a:endParaRPr>
           </a:p>
         </p:txBody>
@@ -4980,7 +6245,7 @@
         <p:spPr>
           <a:xfrm>
             <a:off x="360000" y="1440000"/>
-            <a:ext cx="9360000" cy="2880000"/>
+            <a:ext cx="9359640" cy="2879640"/>
           </a:xfrm>
           <a:prstGeom prst="rect">
             <a:avLst/>
@@ -5075,7 +6340,7 @@
       <p:bgPr>
         <a:blipFill rotWithShape="0">
           <a:blip r:embed="rId1"/>
-          <a:tile tx="0" ty="0" sx="82682" sy="82679" algn="ctr"/>
+          <a:tile tx="0" ty="0" sx="82679" sy="82674" algn="ctr"/>
         </a:blipFill>
       </p:bgPr>
     </p:bg>
@@ -5095,14 +6360,14 @@
       </p:grpSpPr>
       <p:sp>
         <p:nvSpPr>
-          <p:cNvPr id="65" name=""/>
+          <p:cNvPr id="67" name=""/>
           <p:cNvSpPr/>
           <p:nvPr/>
         </p:nvSpPr>
         <p:spPr>
           <a:xfrm>
             <a:off x="3164760" y="4877280"/>
-            <a:ext cx="3452040" cy="342720"/>
+            <a:ext cx="3451680" cy="342360"/>
           </a:xfrm>
           <a:prstGeom prst="rect">
             <a:avLst/>
@@ -5149,14 +6414,14 @@
       </p:sp>
       <p:sp>
         <p:nvSpPr>
-          <p:cNvPr id="66" name=""/>
+          <p:cNvPr id="68" name=""/>
           <p:cNvSpPr/>
           <p:nvPr/>
         </p:nvSpPr>
         <p:spPr>
           <a:xfrm>
             <a:off x="1620360" y="1620000"/>
-            <a:ext cx="6838920" cy="3463560"/>
+            <a:ext cx="6838560" cy="3463200"/>
           </a:xfrm>
           <a:prstGeom prst="rect">
             <a:avLst/>
@@ -5268,7 +6533,7 @@
         <p:spPr>
           <a:xfrm>
             <a:off x="360000" y="1440000"/>
-            <a:ext cx="9359280" cy="2700000"/>
+            <a:ext cx="9358920" cy="2699640"/>
           </a:xfrm>
           <a:prstGeom prst="rect">
             <a:avLst/>
@@ -5390,7 +6655,7 @@
         <p:spPr>
           <a:xfrm>
             <a:off x="360000" y="1778400"/>
-            <a:ext cx="9359280" cy="2361240"/>
+            <a:ext cx="9358920" cy="2360880"/>
           </a:xfrm>
           <a:prstGeom prst="rect">
             <a:avLst/>
@@ -5522,7 +6787,7 @@
         <p:spPr>
           <a:xfrm>
             <a:off x="360000" y="900000"/>
-            <a:ext cx="9359280" cy="4002120"/>
+            <a:ext cx="9358920" cy="4001760"/>
           </a:xfrm>
           <a:prstGeom prst="rect">
             <a:avLst/>
@@ -5737,7 +7002,7 @@
         <p:spPr>
           <a:xfrm>
             <a:off x="360000" y="1520640"/>
-            <a:ext cx="9179280" cy="2618640"/>
+            <a:ext cx="9178920" cy="2618280"/>
           </a:xfrm>
           <a:prstGeom prst="rect">
             <a:avLst/>
@@ -5879,7 +7144,7 @@
         <p:spPr>
           <a:xfrm>
             <a:off x="360000" y="360000"/>
-            <a:ext cx="9359280" cy="4859280"/>
+            <a:ext cx="9358920" cy="4858920"/>
           </a:xfrm>
           <a:prstGeom prst="rect">
             <a:avLst/>
@@ -6193,7 +7458,7 @@
         <p:spPr>
           <a:xfrm>
             <a:off x="360000" y="1778400"/>
-            <a:ext cx="9359280" cy="2361240"/>
+            <a:ext cx="9358920" cy="2360880"/>
           </a:xfrm>
           <a:prstGeom prst="rect">
             <a:avLst/>
@@ -6305,7 +7570,7 @@
         <p:spPr>
           <a:xfrm>
             <a:off x="360000" y="180000"/>
-            <a:ext cx="9359280" cy="5219280"/>
+            <a:ext cx="9358920" cy="5218920"/>
           </a:xfrm>
           <a:prstGeom prst="rect">
             <a:avLst/>
@@ -6345,7 +7610,7 @@
               <a:solidFill>
                 <a:srgbClr val="000000"/>
               </a:solidFill>
-              <a:latin typeface="Times New Roman"/>
+              <a:latin typeface="Arial"/>
             </a:endParaRPr>
           </a:p>
           <a:p>
@@ -6391,7 +7656,7 @@
               <a:solidFill>
                 <a:srgbClr val="000000"/>
               </a:solidFill>
-              <a:latin typeface="Times New Roman"/>
+              <a:latin typeface="Arial"/>
             </a:endParaRPr>
           </a:p>
           <a:p>
@@ -6401,8 +7666,6 @@
               </a:lnSpc>
               <a:tabLst>
                 <a:tab algn="l" pos="0"/>
-                <a:tab algn="l" pos="1189080"/>
-                <a:tab algn="l" pos="1398240"/>
               </a:tabLst>
             </a:pPr>
             <a:r>
@@ -6439,7 +7702,7 @@
               <a:solidFill>
                 <a:srgbClr val="000000"/>
               </a:solidFill>
-              <a:latin typeface="Times New Roman"/>
+              <a:latin typeface="Arial"/>
             </a:endParaRPr>
           </a:p>
           <a:p>
@@ -6449,7 +7712,6 @@
               </a:lnSpc>
               <a:tabLst>
                 <a:tab algn="l" pos="0"/>
-                <a:tab algn="l" pos="1189080"/>
               </a:tabLst>
             </a:pPr>
             <a:r>
@@ -6486,7 +7748,7 @@
               <a:solidFill>
                 <a:srgbClr val="000000"/>
               </a:solidFill>
-              <a:latin typeface="Times New Roman"/>
+              <a:latin typeface="Arial"/>
             </a:endParaRPr>
           </a:p>
           <a:p>
@@ -6496,8 +7758,6 @@
               </a:lnSpc>
               <a:tabLst>
                 <a:tab algn="l" pos="0"/>
-                <a:tab algn="l" pos="1189080"/>
-                <a:tab algn="l" pos="1875600"/>
               </a:tabLst>
             </a:pPr>
             <a:r>
@@ -6534,7 +7794,7 @@
               <a:solidFill>
                 <a:srgbClr val="000000"/>
               </a:solidFill>
-              <a:latin typeface="Times New Roman"/>
+              <a:latin typeface="Arial"/>
             </a:endParaRPr>
           </a:p>
           <a:p>
@@ -6544,7 +7804,6 @@
               </a:lnSpc>
               <a:tabLst>
                 <a:tab algn="l" pos="0"/>
-                <a:tab algn="l" pos="1189080"/>
               </a:tabLst>
             </a:pPr>
             <a:r>
@@ -6581,7 +7840,7 @@
               <a:solidFill>
                 <a:srgbClr val="000000"/>
               </a:solidFill>
-              <a:latin typeface="Times New Roman"/>
+              <a:latin typeface="Arial"/>
             </a:endParaRPr>
           </a:p>
           <a:p>
@@ -6591,7 +7850,6 @@
               </a:lnSpc>
               <a:tabLst>
                 <a:tab algn="l" pos="0"/>
-                <a:tab algn="l" pos="1189080"/>
               </a:tabLst>
             </a:pPr>
             <a:r>
@@ -6628,7 +7886,7 @@
               <a:solidFill>
                 <a:srgbClr val="000000"/>
               </a:solidFill>
-              <a:latin typeface="Times New Roman"/>
+              <a:latin typeface="Arial"/>
             </a:endParaRPr>
           </a:p>
           <a:p>
@@ -6638,7 +7896,6 @@
               </a:lnSpc>
               <a:tabLst>
                 <a:tab algn="l" pos="0"/>
-                <a:tab algn="l" pos="1189080"/>
               </a:tabLst>
             </a:pPr>
             <a:r>
@@ -6675,7 +7932,7 @@
               <a:solidFill>
                 <a:srgbClr val="000000"/>
               </a:solidFill>
-              <a:latin typeface="Times New Roman"/>
+              <a:latin typeface="Arial"/>
             </a:endParaRPr>
           </a:p>
         </p:txBody>

--- a/НугумановМА_создание_сайта.pptx
+++ b/НугумановМА_создание_сайта.pptx
@@ -82,7 +82,7 @@
         <p:txBody>
           <a:bodyPr/>
           <a:p>
-            <a:fld id="{FE2AD657-134F-4B1F-9E3A-2D32B7050E1C}" type="slidenum">
+            <a:fld id="{1510D9A9-6D7E-49DA-8581-FA4E92267CF7}" type="slidenum">
               <a:t>&lt;#&gt;</a:t>
             </a:fld>
           </a:p>
@@ -144,7 +144,7 @@
         <p:spPr>
           <a:xfrm>
             <a:off x="504000" y="74160"/>
-            <a:ext cx="9070560" cy="1250280"/>
+            <a:ext cx="9070200" cy="1250280"/>
           </a:xfrm>
           <a:prstGeom prst="rect">
             <a:avLst/>
@@ -184,7 +184,7 @@
         <p:spPr>
           <a:xfrm>
             <a:off x="504000" y="1326600"/>
-            <a:ext cx="2159640" cy="356400"/>
+            <a:ext cx="1053360" cy="169560"/>
           </a:xfrm>
           <a:prstGeom prst="rect">
             <a:avLst/>
@@ -196,7 +196,7 @@
         </p:spPr>
         <p:txBody>
           <a:bodyPr lIns="0" rIns="0" tIns="0" bIns="0" anchor="t">
-            <a:normAutofit fontScale="37496"/>
+            <a:normAutofit fontScale="15623" lnSpcReduction="20000"/>
           </a:bodyPr>
           <a:p>
             <a:pPr indent="0">
@@ -226,8 +226,8 @@
         </p:nvSpPr>
         <p:spPr>
           <a:xfrm>
-            <a:off x="504000" y="1717200"/>
-            <a:ext cx="2159640" cy="356400"/>
+            <a:off x="504000" y="1512720"/>
+            <a:ext cx="1053360" cy="169560"/>
           </a:xfrm>
           <a:prstGeom prst="rect">
             <a:avLst/>
@@ -239,7 +239,7 @@
         </p:spPr>
         <p:txBody>
           <a:bodyPr lIns="0" rIns="0" tIns="0" bIns="0" anchor="t">
-            <a:normAutofit fontScale="37496"/>
+            <a:normAutofit fontScale="15623" lnSpcReduction="20000"/>
           </a:bodyPr>
           <a:p>
             <a:pPr indent="0">
@@ -291,7 +291,7 @@
         <p:txBody>
           <a:bodyPr/>
           <a:p>
-            <a:fld id="{18E74D8D-A1C5-41EA-848A-7141F4297F9D}" type="slidenum">
+            <a:fld id="{FF2F209B-016C-43F5-A5E1-A905425D7F0E}" type="slidenum">
               <a:t>&lt;#&gt;</a:t>
             </a:fld>
           </a:p>
@@ -353,7 +353,7 @@
         <p:spPr>
           <a:xfrm>
             <a:off x="504000" y="74160"/>
-            <a:ext cx="9070560" cy="1250280"/>
+            <a:ext cx="9070200" cy="1250280"/>
           </a:xfrm>
           <a:prstGeom prst="rect">
             <a:avLst/>
@@ -393,7 +393,7 @@
         <p:spPr>
           <a:xfrm>
             <a:off x="504000" y="1326600"/>
-            <a:ext cx="1053720" cy="356400"/>
+            <a:ext cx="513720" cy="169560"/>
           </a:xfrm>
           <a:prstGeom prst="rect">
             <a:avLst/>
@@ -405,7 +405,7 @@
         </p:spPr>
         <p:txBody>
           <a:bodyPr lIns="0" rIns="0" tIns="0" bIns="0" anchor="t">
-            <a:normAutofit fontScale="18748"/>
+            <a:normAutofit fontScale="6249" lnSpcReduction="20000"/>
           </a:bodyPr>
           <a:p>
             <a:pPr indent="0">
@@ -435,8 +435,8 @@
         </p:nvSpPr>
         <p:spPr>
           <a:xfrm>
-            <a:off x="1610640" y="1326600"/>
-            <a:ext cx="1053720" cy="356400"/>
+            <a:off x="1043640" y="1326600"/>
+            <a:ext cx="513720" cy="169560"/>
           </a:xfrm>
           <a:prstGeom prst="rect">
             <a:avLst/>
@@ -448,7 +448,7 @@
         </p:spPr>
         <p:txBody>
           <a:bodyPr lIns="0" rIns="0" tIns="0" bIns="0" anchor="t">
-            <a:normAutofit fontScale="18748"/>
+            <a:normAutofit fontScale="6249" lnSpcReduction="20000"/>
           </a:bodyPr>
           <a:p>
             <a:pPr indent="0">
@@ -478,8 +478,8 @@
         </p:nvSpPr>
         <p:spPr>
           <a:xfrm>
-            <a:off x="504000" y="1717200"/>
-            <a:ext cx="1053720" cy="356400"/>
+            <a:off x="504000" y="1512720"/>
+            <a:ext cx="513720" cy="169560"/>
           </a:xfrm>
           <a:prstGeom prst="rect">
             <a:avLst/>
@@ -491,7 +491,7 @@
         </p:spPr>
         <p:txBody>
           <a:bodyPr lIns="0" rIns="0" tIns="0" bIns="0" anchor="t">
-            <a:normAutofit fontScale="18748"/>
+            <a:normAutofit fontScale="6249" lnSpcReduction="20000"/>
           </a:bodyPr>
           <a:p>
             <a:pPr indent="0">
@@ -521,8 +521,8 @@
         </p:nvSpPr>
         <p:spPr>
           <a:xfrm>
-            <a:off x="1610640" y="1717200"/>
-            <a:ext cx="1053720" cy="356400"/>
+            <a:off x="1043640" y="1512720"/>
+            <a:ext cx="513720" cy="169560"/>
           </a:xfrm>
           <a:prstGeom prst="rect">
             <a:avLst/>
@@ -534,7 +534,7 @@
         </p:spPr>
         <p:txBody>
           <a:bodyPr lIns="0" rIns="0" tIns="0" bIns="0" anchor="t">
-            <a:normAutofit fontScale="18748"/>
+            <a:normAutofit fontScale="6249" lnSpcReduction="20000"/>
           </a:bodyPr>
           <a:p>
             <a:pPr indent="0">
@@ -586,7 +586,7 @@
         <p:txBody>
           <a:bodyPr/>
           <a:p>
-            <a:fld id="{01813F06-2491-4CE4-968B-08D13350E79D}" type="slidenum">
+            <a:fld id="{9F784F62-C94C-4C7A-8370-F0B43FCCD78B}" type="slidenum">
               <a:t>&lt;#&gt;</a:t>
             </a:fld>
           </a:p>
@@ -648,7 +648,7 @@
         <p:spPr>
           <a:xfrm>
             <a:off x="504000" y="74160"/>
-            <a:ext cx="9070560" cy="1250280"/>
+            <a:ext cx="9070200" cy="1250280"/>
           </a:xfrm>
           <a:prstGeom prst="rect">
             <a:avLst/>
@@ -688,7 +688,7 @@
         <p:spPr>
           <a:xfrm>
             <a:off x="504000" y="1326600"/>
-            <a:ext cx="695160" cy="356400"/>
+            <a:ext cx="338760" cy="169560"/>
           </a:xfrm>
           <a:prstGeom prst="rect">
             <a:avLst/>
@@ -700,7 +700,7 @@
         </p:spPr>
         <p:txBody>
           <a:bodyPr lIns="0" rIns="0" tIns="0" bIns="0" anchor="t">
-            <a:normAutofit fontScale="12498"/>
+            <a:normAutofit fontScale="3124" lnSpcReduction="20000"/>
           </a:bodyPr>
           <a:p>
             <a:pPr indent="0">
@@ -730,8 +730,8 @@
         </p:nvSpPr>
         <p:spPr>
           <a:xfrm>
-            <a:off x="1234440" y="1326600"/>
-            <a:ext cx="695160" cy="356400"/>
+            <a:off x="860040" y="1326600"/>
+            <a:ext cx="338760" cy="169560"/>
           </a:xfrm>
           <a:prstGeom prst="rect">
             <a:avLst/>
@@ -743,7 +743,7 @@
         </p:spPr>
         <p:txBody>
           <a:bodyPr lIns="0" rIns="0" tIns="0" bIns="0" anchor="t">
-            <a:normAutofit fontScale="12498"/>
+            <a:normAutofit fontScale="3124" lnSpcReduction="20000"/>
           </a:bodyPr>
           <a:p>
             <a:pPr indent="0">
@@ -773,8 +773,8 @@
         </p:nvSpPr>
         <p:spPr>
           <a:xfrm>
-            <a:off x="1964520" y="1326600"/>
-            <a:ext cx="695160" cy="356400"/>
+            <a:off x="1216080" y="1326600"/>
+            <a:ext cx="338760" cy="169560"/>
           </a:xfrm>
           <a:prstGeom prst="rect">
             <a:avLst/>
@@ -786,7 +786,7 @@
         </p:spPr>
         <p:txBody>
           <a:bodyPr lIns="0" rIns="0" tIns="0" bIns="0" anchor="t">
-            <a:normAutofit fontScale="12498"/>
+            <a:normAutofit fontScale="3124" lnSpcReduction="20000"/>
           </a:bodyPr>
           <a:p>
             <a:pPr indent="0">
@@ -816,8 +816,8 @@
         </p:nvSpPr>
         <p:spPr>
           <a:xfrm>
-            <a:off x="504000" y="1717200"/>
-            <a:ext cx="695160" cy="356400"/>
+            <a:off x="504000" y="1512720"/>
+            <a:ext cx="338760" cy="169560"/>
           </a:xfrm>
           <a:prstGeom prst="rect">
             <a:avLst/>
@@ -829,7 +829,7 @@
         </p:spPr>
         <p:txBody>
           <a:bodyPr lIns="0" rIns="0" tIns="0" bIns="0" anchor="t">
-            <a:normAutofit fontScale="12498"/>
+            <a:normAutofit fontScale="3124" lnSpcReduction="20000"/>
           </a:bodyPr>
           <a:p>
             <a:pPr indent="0">
@@ -859,8 +859,8 @@
         </p:nvSpPr>
         <p:spPr>
           <a:xfrm>
-            <a:off x="1234440" y="1717200"/>
-            <a:ext cx="695160" cy="356400"/>
+            <a:off x="860040" y="1512720"/>
+            <a:ext cx="338760" cy="169560"/>
           </a:xfrm>
           <a:prstGeom prst="rect">
             <a:avLst/>
@@ -872,7 +872,7 @@
         </p:spPr>
         <p:txBody>
           <a:bodyPr lIns="0" rIns="0" tIns="0" bIns="0" anchor="t">
-            <a:normAutofit fontScale="12498"/>
+            <a:normAutofit fontScale="3124" lnSpcReduction="20000"/>
           </a:bodyPr>
           <a:p>
             <a:pPr indent="0">
@@ -902,8 +902,8 @@
         </p:nvSpPr>
         <p:spPr>
           <a:xfrm>
-            <a:off x="1964520" y="1717200"/>
-            <a:ext cx="695160" cy="356400"/>
+            <a:off x="1216080" y="1512720"/>
+            <a:ext cx="338760" cy="169560"/>
           </a:xfrm>
           <a:prstGeom prst="rect">
             <a:avLst/>
@@ -915,7 +915,7 @@
         </p:spPr>
         <p:txBody>
           <a:bodyPr lIns="0" rIns="0" tIns="0" bIns="0" anchor="t">
-            <a:normAutofit fontScale="12498"/>
+            <a:normAutofit fontScale="3124" lnSpcReduction="20000"/>
           </a:bodyPr>
           <a:p>
             <a:pPr indent="0">
@@ -967,7 +967,7 @@
         <p:txBody>
           <a:bodyPr/>
           <a:p>
-            <a:fld id="{1D8A0217-B6CC-49D2-BAE5-79071ADCF9C4}" type="slidenum">
+            <a:fld id="{99567390-97A3-4758-A57F-8F17788B5D28}" type="slidenum">
               <a:t>&lt;#&gt;</a:t>
             </a:fld>
           </a:p>
@@ -1029,7 +1029,7 @@
         <p:spPr>
           <a:xfrm>
             <a:off x="504000" y="74160"/>
-            <a:ext cx="9070560" cy="1250280"/>
+            <a:ext cx="9070200" cy="1250280"/>
           </a:xfrm>
           <a:prstGeom prst="rect">
             <a:avLst/>
@@ -1068,8 +1068,8 @@
         </p:nvSpPr>
         <p:spPr>
           <a:xfrm>
-            <a:off x="504000" y="560880"/>
-            <a:ext cx="2159640" cy="2279160"/>
+            <a:off x="504000" y="-774360"/>
+            <a:ext cx="1053360" cy="4557960"/>
           </a:xfrm>
           <a:prstGeom prst="rect">
             <a:avLst/>
@@ -1130,7 +1130,7 @@
         <p:txBody>
           <a:bodyPr/>
           <a:p>
-            <a:fld id="{6837CBB4-9A94-4AEA-92DE-E21903D6F09D}" type="slidenum">
+            <a:fld id="{4414E72B-9E76-485D-AA15-F1894D2C98BD}" type="slidenum">
               <a:t>&lt;#&gt;</a:t>
             </a:fld>
           </a:p>
@@ -1192,7 +1192,7 @@
         <p:spPr>
           <a:xfrm>
             <a:off x="504000" y="74160"/>
-            <a:ext cx="9070560" cy="1250280"/>
+            <a:ext cx="9070200" cy="1250280"/>
           </a:xfrm>
           <a:prstGeom prst="rect">
             <a:avLst/>
@@ -1232,7 +1232,7 @@
         <p:spPr>
           <a:xfrm>
             <a:off x="504000" y="1326600"/>
-            <a:ext cx="2159640" cy="747360"/>
+            <a:ext cx="1053360" cy="356040"/>
           </a:xfrm>
           <a:prstGeom prst="rect">
             <a:avLst/>
@@ -1244,7 +1244,7 @@
         </p:spPr>
         <p:txBody>
           <a:bodyPr lIns="0" rIns="0" tIns="0" bIns="0" anchor="t">
-            <a:normAutofit fontScale="53119"/>
+            <a:normAutofit fontScale="18748"/>
           </a:bodyPr>
           <a:p>
             <a:pPr indent="0">
@@ -1296,7 +1296,7 @@
         <p:txBody>
           <a:bodyPr/>
           <a:p>
-            <a:fld id="{E54DD587-1CE1-4635-BAB6-8AA03BBBC145}" type="slidenum">
+            <a:fld id="{DBC70B04-5DA5-4F97-A750-0D3FDA80ECFF}" type="slidenum">
               <a:t>&lt;#&gt;</a:t>
             </a:fld>
           </a:p>
@@ -1358,7 +1358,7 @@
         <p:spPr>
           <a:xfrm>
             <a:off x="504000" y="74160"/>
-            <a:ext cx="9070560" cy="1250280"/>
+            <a:ext cx="9070200" cy="1250280"/>
           </a:xfrm>
           <a:prstGeom prst="rect">
             <a:avLst/>
@@ -1398,7 +1398,7 @@
         <p:spPr>
           <a:xfrm>
             <a:off x="504000" y="1326600"/>
-            <a:ext cx="1053720" cy="747360"/>
+            <a:ext cx="513720" cy="356040"/>
           </a:xfrm>
           <a:prstGeom prst="rect">
             <a:avLst/>
@@ -1410,7 +1410,7 @@
         </p:spPr>
         <p:txBody>
           <a:bodyPr lIns="0" rIns="0" tIns="0" bIns="0" anchor="t">
-            <a:normAutofit fontScale="34371" lnSpcReduction="20000"/>
+            <a:normAutofit fontScale="6249"/>
           </a:bodyPr>
           <a:p>
             <a:pPr indent="0">
@@ -1440,8 +1440,8 @@
         </p:nvSpPr>
         <p:spPr>
           <a:xfrm>
-            <a:off x="1610640" y="1326600"/>
-            <a:ext cx="1053720" cy="747360"/>
+            <a:off x="1043640" y="1326600"/>
+            <a:ext cx="513720" cy="356040"/>
           </a:xfrm>
           <a:prstGeom prst="rect">
             <a:avLst/>
@@ -1453,7 +1453,7 @@
         </p:spPr>
         <p:txBody>
           <a:bodyPr lIns="0" rIns="0" tIns="0" bIns="0" anchor="t">
-            <a:normAutofit fontScale="34371" lnSpcReduction="20000"/>
+            <a:normAutofit fontScale="6249"/>
           </a:bodyPr>
           <a:p>
             <a:pPr indent="0">
@@ -1505,7 +1505,7 @@
         <p:txBody>
           <a:bodyPr/>
           <a:p>
-            <a:fld id="{7D5E5C60-5EB2-476A-A3FB-A4FEEDF0D464}" type="slidenum">
+            <a:fld id="{DA0E57A4-0AA1-482D-A942-09F23291073F}" type="slidenum">
               <a:t>&lt;#&gt;</a:t>
             </a:fld>
           </a:p>
@@ -1567,7 +1567,7 @@
         <p:spPr>
           <a:xfrm>
             <a:off x="504000" y="74160"/>
-            <a:ext cx="9070560" cy="1250280"/>
+            <a:ext cx="9070200" cy="1250280"/>
           </a:xfrm>
           <a:prstGeom prst="rect">
             <a:avLst/>
@@ -1628,7 +1628,7 @@
         <p:txBody>
           <a:bodyPr/>
           <a:p>
-            <a:fld id="{0CB9FBCC-29AD-4B88-90DD-87C9C412FD4C}" type="slidenum">
+            <a:fld id="{85425DD5-110D-441E-87AA-D476EC2AE44C}" type="slidenum">
               <a:t>&lt;#&gt;</a:t>
             </a:fld>
           </a:p>
@@ -1690,7 +1690,7 @@
         <p:spPr>
           <a:xfrm>
             <a:off x="504000" y="74160"/>
-            <a:ext cx="9070560" cy="5795280"/>
+            <a:ext cx="9070200" cy="5795280"/>
           </a:xfrm>
           <a:prstGeom prst="rect">
             <a:avLst/>
@@ -1749,7 +1749,7 @@
         <p:txBody>
           <a:bodyPr/>
           <a:p>
-            <a:fld id="{B59EEE08-EE7B-45A7-BBCE-7EF843107539}" type="slidenum">
+            <a:fld id="{1E8F3E83-B2A2-42A6-BCDF-01E97EB99298}" type="slidenum">
               <a:t>&lt;#&gt;</a:t>
             </a:fld>
           </a:p>
@@ -1811,7 +1811,7 @@
         <p:spPr>
           <a:xfrm>
             <a:off x="504000" y="74160"/>
-            <a:ext cx="9070560" cy="1250280"/>
+            <a:ext cx="9070200" cy="1250280"/>
           </a:xfrm>
           <a:prstGeom prst="rect">
             <a:avLst/>
@@ -1851,7 +1851,7 @@
         <p:spPr>
           <a:xfrm>
             <a:off x="504000" y="1326600"/>
-            <a:ext cx="1053720" cy="356400"/>
+            <a:ext cx="513720" cy="169560"/>
           </a:xfrm>
           <a:prstGeom prst="rect">
             <a:avLst/>
@@ -1863,7 +1863,7 @@
         </p:spPr>
         <p:txBody>
           <a:bodyPr lIns="0" rIns="0" tIns="0" bIns="0" anchor="t">
-            <a:normAutofit fontScale="18748"/>
+            <a:normAutofit fontScale="6249" lnSpcReduction="20000"/>
           </a:bodyPr>
           <a:p>
             <a:pPr indent="0">
@@ -1893,8 +1893,8 @@
         </p:nvSpPr>
         <p:spPr>
           <a:xfrm>
-            <a:off x="1610640" y="1326600"/>
-            <a:ext cx="1053720" cy="747360"/>
+            <a:off x="1043640" y="1326600"/>
+            <a:ext cx="513720" cy="356040"/>
           </a:xfrm>
           <a:prstGeom prst="rect">
             <a:avLst/>
@@ -1906,7 +1906,7 @@
         </p:spPr>
         <p:txBody>
           <a:bodyPr lIns="0" rIns="0" tIns="0" bIns="0" anchor="t">
-            <a:normAutofit fontScale="34371" lnSpcReduction="20000"/>
+            <a:normAutofit fontScale="6249"/>
           </a:bodyPr>
           <a:p>
             <a:pPr indent="0">
@@ -1936,8 +1936,8 @@
         </p:nvSpPr>
         <p:spPr>
           <a:xfrm>
-            <a:off x="504000" y="1717200"/>
-            <a:ext cx="1053720" cy="356400"/>
+            <a:off x="504000" y="1512720"/>
+            <a:ext cx="513720" cy="169560"/>
           </a:xfrm>
           <a:prstGeom prst="rect">
             <a:avLst/>
@@ -1949,7 +1949,7 @@
         </p:spPr>
         <p:txBody>
           <a:bodyPr lIns="0" rIns="0" tIns="0" bIns="0" anchor="t">
-            <a:normAutofit fontScale="18748"/>
+            <a:normAutofit fontScale="6249" lnSpcReduction="20000"/>
           </a:bodyPr>
           <a:p>
             <a:pPr indent="0">
@@ -2001,7 +2001,7 @@
         <p:txBody>
           <a:bodyPr/>
           <a:p>
-            <a:fld id="{B2BFDEE8-BF36-479B-BEB3-6E8796913E78}" type="slidenum">
+            <a:fld id="{541F908E-E157-459E-A0D4-425A8747D258}" type="slidenum">
               <a:t>&lt;#&gt;</a:t>
             </a:fld>
           </a:p>
@@ -2063,7 +2063,7 @@
         <p:spPr>
           <a:xfrm>
             <a:off x="504000" y="74160"/>
-            <a:ext cx="9070560" cy="1250280"/>
+            <a:ext cx="9070200" cy="1250280"/>
           </a:xfrm>
           <a:prstGeom prst="rect">
             <a:avLst/>
@@ -2103,7 +2103,7 @@
         <p:spPr>
           <a:xfrm>
             <a:off x="504000" y="1326600"/>
-            <a:ext cx="1053720" cy="747360"/>
+            <a:ext cx="513720" cy="356040"/>
           </a:xfrm>
           <a:prstGeom prst="rect">
             <a:avLst/>
@@ -2115,7 +2115,7 @@
         </p:spPr>
         <p:txBody>
           <a:bodyPr lIns="0" rIns="0" tIns="0" bIns="0" anchor="t">
-            <a:normAutofit fontScale="34371" lnSpcReduction="20000"/>
+            <a:normAutofit fontScale="6249"/>
           </a:bodyPr>
           <a:p>
             <a:pPr indent="0">
@@ -2145,8 +2145,8 @@
         </p:nvSpPr>
         <p:spPr>
           <a:xfrm>
-            <a:off x="1610640" y="1326600"/>
-            <a:ext cx="1053720" cy="356400"/>
+            <a:off x="1043640" y="1326600"/>
+            <a:ext cx="513720" cy="169560"/>
           </a:xfrm>
           <a:prstGeom prst="rect">
             <a:avLst/>
@@ -2158,7 +2158,7 @@
         </p:spPr>
         <p:txBody>
           <a:bodyPr lIns="0" rIns="0" tIns="0" bIns="0" anchor="t">
-            <a:normAutofit fontScale="18748"/>
+            <a:normAutofit fontScale="6249" lnSpcReduction="20000"/>
           </a:bodyPr>
           <a:p>
             <a:pPr indent="0">
@@ -2188,8 +2188,8 @@
         </p:nvSpPr>
         <p:spPr>
           <a:xfrm>
-            <a:off x="1610640" y="1717200"/>
-            <a:ext cx="1053720" cy="356400"/>
+            <a:off x="1043640" y="1512720"/>
+            <a:ext cx="513720" cy="169560"/>
           </a:xfrm>
           <a:prstGeom prst="rect">
             <a:avLst/>
@@ -2201,7 +2201,7 @@
         </p:spPr>
         <p:txBody>
           <a:bodyPr lIns="0" rIns="0" tIns="0" bIns="0" anchor="t">
-            <a:normAutofit fontScale="18748"/>
+            <a:normAutofit fontScale="6249" lnSpcReduction="20000"/>
           </a:bodyPr>
           <a:p>
             <a:pPr indent="0">
@@ -2253,7 +2253,7 @@
         <p:txBody>
           <a:bodyPr/>
           <a:p>
-            <a:fld id="{D13C9A78-6E27-44AC-AC88-2507612A896E}" type="slidenum">
+            <a:fld id="{01615251-D02F-4FB9-B5AB-C28E9DCE9E99}" type="slidenum">
               <a:t>&lt;#&gt;</a:t>
             </a:fld>
           </a:p>
@@ -2315,7 +2315,7 @@
         <p:spPr>
           <a:xfrm>
             <a:off x="504000" y="74160"/>
-            <a:ext cx="9070560" cy="1250280"/>
+            <a:ext cx="9070200" cy="1250280"/>
           </a:xfrm>
           <a:prstGeom prst="rect">
             <a:avLst/>
@@ -2355,7 +2355,7 @@
         <p:spPr>
           <a:xfrm>
             <a:off x="504000" y="1326600"/>
-            <a:ext cx="1053720" cy="356400"/>
+            <a:ext cx="513720" cy="169560"/>
           </a:xfrm>
           <a:prstGeom prst="rect">
             <a:avLst/>
@@ -2367,7 +2367,7 @@
         </p:spPr>
         <p:txBody>
           <a:bodyPr lIns="0" rIns="0" tIns="0" bIns="0" anchor="t">
-            <a:normAutofit fontScale="18748"/>
+            <a:normAutofit fontScale="6249" lnSpcReduction="20000"/>
           </a:bodyPr>
           <a:p>
             <a:pPr indent="0">
@@ -2397,8 +2397,8 @@
         </p:nvSpPr>
         <p:spPr>
           <a:xfrm>
-            <a:off x="1610640" y="1326600"/>
-            <a:ext cx="1053720" cy="356400"/>
+            <a:off x="1043640" y="1326600"/>
+            <a:ext cx="513720" cy="169560"/>
           </a:xfrm>
           <a:prstGeom prst="rect">
             <a:avLst/>
@@ -2410,7 +2410,7 @@
         </p:spPr>
         <p:txBody>
           <a:bodyPr lIns="0" rIns="0" tIns="0" bIns="0" anchor="t">
-            <a:normAutofit fontScale="18748"/>
+            <a:normAutofit fontScale="6249" lnSpcReduction="20000"/>
           </a:bodyPr>
           <a:p>
             <a:pPr indent="0">
@@ -2440,8 +2440,8 @@
         </p:nvSpPr>
         <p:spPr>
           <a:xfrm>
-            <a:off x="504000" y="1717200"/>
-            <a:ext cx="2159640" cy="356400"/>
+            <a:off x="504000" y="1512720"/>
+            <a:ext cx="1053360" cy="169560"/>
           </a:xfrm>
           <a:prstGeom prst="rect">
             <a:avLst/>
@@ -2453,7 +2453,7 @@
         </p:spPr>
         <p:txBody>
           <a:bodyPr lIns="0" rIns="0" tIns="0" bIns="0" anchor="t">
-            <a:normAutofit fontScale="37496"/>
+            <a:normAutofit fontScale="15623" lnSpcReduction="20000"/>
           </a:bodyPr>
           <a:p>
             <a:pPr indent="0">
@@ -2505,7 +2505,7 @@
         <p:txBody>
           <a:bodyPr/>
           <a:p>
-            <a:fld id="{BD0A7AFA-614A-4E5E-92B4-359990CEFDAB}" type="slidenum">
+            <a:fld id="{0973B429-2C47-4847-BE9E-AEC18428CDB2}" type="slidenum">
               <a:t>&lt;#&gt;</a:t>
             </a:fld>
           </a:p>
@@ -2567,7 +2567,7 @@
         <p:spPr>
           <a:xfrm>
             <a:off x="504000" y="74160"/>
-            <a:ext cx="9070560" cy="1249920"/>
+            <a:ext cx="9070200" cy="1249920"/>
           </a:xfrm>
           <a:prstGeom prst="rect">
             <a:avLst/>
@@ -2616,7 +2616,7 @@
         <p:spPr>
           <a:xfrm>
             <a:off x="504000" y="1326600"/>
-            <a:ext cx="2159640" cy="747360"/>
+            <a:ext cx="1053360" cy="356040"/>
           </a:xfrm>
           <a:prstGeom prst="rect">
             <a:avLst/>
@@ -2628,7 +2628,7 @@
         </p:spPr>
         <p:txBody>
           <a:bodyPr lIns="0" rIns="0" tIns="0" bIns="0" anchor="t">
-            <a:normAutofit fontScale="1111"/>
+            <a:normAutofit fontScale="1111" lnSpcReduction="20000"/>
           </a:bodyPr>
           <a:p>
             <a:pPr marL="432000" indent="-324000">
@@ -2840,8 +2840,8 @@
         </p:nvSpPr>
         <p:spPr>
           <a:xfrm>
-            <a:off x="2772360" y="1326600"/>
-            <a:ext cx="2159640" cy="747360"/>
+            <a:off x="1610640" y="1326600"/>
+            <a:ext cx="1053360" cy="356040"/>
           </a:xfrm>
           <a:prstGeom prst="rect">
             <a:avLst/>
@@ -2853,7 +2853,7 @@
         </p:spPr>
         <p:txBody>
           <a:bodyPr lIns="0" rIns="0" tIns="0" bIns="0" anchor="t">
-            <a:normAutofit fontScale="1111"/>
+            <a:normAutofit fontScale="1111" lnSpcReduction="20000"/>
           </a:bodyPr>
           <a:p>
             <a:pPr marL="432000" indent="-324000">
@@ -3065,8 +3065,8 @@
         </p:nvSpPr>
         <p:spPr>
           <a:xfrm>
-            <a:off x="504000" y="2145600"/>
-            <a:ext cx="4426200" cy="747360"/>
+            <a:off x="504000" y="1717200"/>
+            <a:ext cx="2159280" cy="356040"/>
           </a:xfrm>
           <a:prstGeom prst="rect">
             <a:avLst/>
@@ -3078,7 +3078,7 @@
         </p:spPr>
         <p:txBody>
           <a:bodyPr lIns="0" rIns="0" tIns="0" bIns="0" anchor="t">
-            <a:normAutofit fontScale="18333"/>
+            <a:normAutofit fontScale="1111" lnSpcReduction="20000"/>
           </a:bodyPr>
           <a:p>
             <a:pPr marL="432000" indent="-324000">
@@ -3291,7 +3291,7 @@
         <p:spPr>
           <a:xfrm>
             <a:off x="3447360" y="5165280"/>
-            <a:ext cx="3193920" cy="389520"/>
+            <a:ext cx="3193560" cy="389160"/>
           </a:xfrm>
           <a:prstGeom prst="rect">
             <a:avLst/>
@@ -3363,7 +3363,7 @@
         <p:spPr>
           <a:xfrm>
             <a:off x="7227360" y="5165280"/>
-            <a:ext cx="2347200" cy="389520"/>
+            <a:ext cx="2346840" cy="389160"/>
           </a:xfrm>
           <a:prstGeom prst="rect">
             <a:avLst/>
@@ -3404,7 +3404,7 @@
                 <a:tab algn="l" pos="0"/>
               </a:tabLst>
             </a:pPr>
-            <a:fld id="{73703255-C1E0-4C79-99C6-1E73088AC8DD}" type="slidenum">
+            <a:fld id="{25CB9E69-C81B-4687-A407-39C8BD7683CC}" type="slidenum">
               <a:rPr b="0" lang="ru-RU" sz="1400" spc="-1" strike="noStrike">
                 <a:solidFill>
                   <a:srgbClr val="000000"/>
@@ -3435,7 +3435,7 @@
         <p:spPr>
           <a:xfrm>
             <a:off x="504000" y="5165280"/>
-            <a:ext cx="2347200" cy="389520"/>
+            <a:ext cx="2346840" cy="389160"/>
           </a:xfrm>
           <a:prstGeom prst="rect">
             <a:avLst/>
@@ -3509,7 +3509,7 @@
       <p:bgPr>
         <a:blipFill rotWithShape="0">
           <a:blip r:embed="rId1"/>
-          <a:tile tx="0" ty="0" sx="82679" sy="82674" algn="ctr"/>
+          <a:tile tx="0" ty="0" sx="82676" sy="82669" algn="ctr"/>
         </a:blipFill>
       </p:bgPr>
     </p:bg>
@@ -3536,7 +3536,7 @@
         <p:spPr>
           <a:xfrm>
             <a:off x="3164760" y="4860000"/>
-            <a:ext cx="3451680" cy="342360"/>
+            <a:ext cx="3451320" cy="342000"/>
           </a:xfrm>
           <a:prstGeom prst="rect">
             <a:avLst/>
@@ -3590,7 +3590,7 @@
         <p:spPr>
           <a:xfrm>
             <a:off x="1620360" y="1620000"/>
-            <a:ext cx="6838560" cy="3463200"/>
+            <a:ext cx="6838200" cy="3462840"/>
           </a:xfrm>
           <a:prstGeom prst="rect">
             <a:avLst/>
@@ -3702,7 +3702,7 @@
         <p:spPr>
           <a:xfrm>
             <a:off x="360000" y="180000"/>
-            <a:ext cx="9358920" cy="5323680"/>
+            <a:ext cx="9358560" cy="5323320"/>
           </a:xfrm>
           <a:prstGeom prst="rect">
             <a:avLst/>
@@ -3729,7 +3729,7 @@
               </a:lnSpc>
             </a:pPr>
             <a:r>
-              <a:rPr b="1" lang="ru-RU" sz="2400" spc="-1" strike="noStrike">
+              <a:rPr b="1" lang="ru-RU" sz="2200" spc="-1" strike="noStrike">
                 <a:solidFill>
                   <a:srgbClr val="000000"/>
                 </a:solidFill>
@@ -3739,7 +3739,7 @@
               <a:t>	</a:t>
             </a:r>
             <a:r>
-              <a:rPr b="1" lang="ru-RU" sz="2400" spc="-1" strike="noStrike">
+              <a:rPr b="1" lang="ru-RU" sz="2200" spc="-1" strike="noStrike">
                 <a:solidFill>
                   <a:srgbClr val="000000"/>
                 </a:solidFill>
@@ -3749,7 +3749,7 @@
               <a:t>Теоретическая значимость </a:t>
             </a:r>
             <a:r>
-              <a:rPr b="0" lang="ru-RU" sz="2400" spc="-1" strike="noStrike">
+              <a:rPr b="0" lang="ru-RU" sz="2200" spc="-1" strike="noStrike">
                 <a:solidFill>
                   <a:srgbClr val="000000"/>
                 </a:solidFill>
@@ -3759,7 +3759,7 @@
               <a:t>исследование заключается в том, что нами раскрыты сущности понятий системы управления контентом</a:t>
             </a:r>
             <a:r>
-              <a:rPr b="0" lang="en-US" sz="2400" spc="-1" strike="noStrike">
+              <a:rPr b="0" lang="en-US" sz="2200" spc="-1" strike="noStrike">
                 <a:solidFill>
                   <a:srgbClr val="000000"/>
                 </a:solidFill>
@@ -3769,7 +3769,7 @@
               <a:t>, </a:t>
             </a:r>
             <a:r>
-              <a:rPr b="0" lang="ru-RU" sz="2400" spc="-1" strike="noStrike">
+              <a:rPr b="0" lang="ru-RU" sz="2200" spc="-1" strike="noStrike">
                 <a:solidFill>
                   <a:srgbClr val="000000"/>
                 </a:solidFill>
@@ -3779,7 +3779,7 @@
               <a:t>хостинга и домена сайта «Таква», сделан обзор системы управления контентом</a:t>
             </a:r>
             <a:r>
-              <a:rPr b="0" lang="en-US" sz="2400" spc="-1" strike="noStrike">
+              <a:rPr b="0" lang="en-US" sz="2200" spc="-1" strike="noStrike">
                 <a:solidFill>
                   <a:srgbClr val="000000"/>
                 </a:solidFill>
@@ -3789,7 +3789,7 @@
               <a:t> Joomla! </a:t>
             </a:r>
             <a:r>
-              <a:rPr b="0" lang="ba-RU" sz="2400" spc="-1" strike="noStrike">
+              <a:rPr b="0" lang="ba-RU" sz="2200" spc="-1" strike="noStrike">
                 <a:solidFill>
                   <a:srgbClr val="000000"/>
                 </a:solidFill>
@@ -3799,7 +3799,7 @@
               <a:t>и его настройк</a:t>
             </a:r>
             <a:r>
-              <a:rPr b="0" lang="ru-RU" sz="2400" spc="-1" strike="noStrike">
+              <a:rPr b="0" lang="ru-RU" sz="2200" spc="-1" strike="noStrike">
                 <a:solidFill>
                   <a:srgbClr val="000000"/>
                 </a:solidFill>
@@ -3809,7 +3809,7 @@
               <a:t>и, изучены требования к его созданию и возможности системы управления контентом </a:t>
             </a:r>
             <a:r>
-              <a:rPr b="0" lang="en-US" sz="2400" spc="-1" strike="noStrike">
+              <a:rPr b="0" lang="en-US" sz="2200" spc="-1" strike="noStrike">
                 <a:solidFill>
                   <a:srgbClr val="000000"/>
                 </a:solidFill>
@@ -3819,7 +3819,7 @@
               <a:t>Joomla!</a:t>
             </a:r>
             <a:r>
-              <a:rPr b="0" lang="ru-RU" sz="2400" spc="-1" strike="noStrike">
+              <a:rPr b="0" lang="ru-RU" sz="2200" spc="-1" strike="noStrike">
                 <a:solidFill>
                   <a:srgbClr val="000000"/>
                 </a:solidFill>
@@ -3828,7 +3828,7 @@
               </a:rPr>
               <a:t> для создания и размещение в сети сайта.</a:t>
             </a:r>
-            <a:endParaRPr b="0" lang="ru-RU" sz="2400" spc="-1" strike="noStrike">
+            <a:endParaRPr b="0" lang="ru-RU" sz="2200" spc="-1" strike="noStrike">
               <a:solidFill>
                 <a:srgbClr val="000000"/>
               </a:solidFill>
@@ -3842,7 +3842,7 @@
               </a:lnSpc>
             </a:pPr>
             <a:r>
-              <a:rPr b="1" lang="ru-RU" sz="2400" spc="-1" strike="noStrike">
+              <a:rPr b="1" lang="ru-RU" sz="2200" spc="-1" strike="noStrike">
                 <a:solidFill>
                   <a:srgbClr val="000000"/>
                 </a:solidFill>
@@ -3852,7 +3852,7 @@
               <a:t>	</a:t>
             </a:r>
             <a:r>
-              <a:rPr b="1" lang="ru-RU" sz="2400" spc="-1" strike="noStrike">
+              <a:rPr b="1" lang="ru-RU" sz="2200" spc="-1" strike="noStrike">
                 <a:solidFill>
                   <a:srgbClr val="000000"/>
                 </a:solidFill>
@@ -3862,7 +3862,7 @@
               <a:t>Практическая значимость </a:t>
             </a:r>
             <a:r>
-              <a:rPr b="0" lang="ru-RU" sz="2400" spc="-1" strike="noStrike">
+              <a:rPr b="0" lang="ru-RU" sz="2200" spc="-1" strike="noStrike">
                 <a:solidFill>
                   <a:srgbClr val="000000"/>
                 </a:solidFill>
@@ -3872,7 +3872,7 @@
               <a:t>исследование заключается в том, что разработан дизайн и создан сайт для мечети </a:t>
             </a:r>
             <a:r>
-              <a:rPr b="0" lang="ba-RU" sz="2400" spc="-1" strike="noStrike">
+              <a:rPr b="0" lang="ba-RU" sz="2200" spc="-1" strike="noStrike">
                 <a:solidFill>
                   <a:srgbClr val="000000"/>
                 </a:solidFill>
@@ -3882,7 +3882,7 @@
               <a:t>«Таква»</a:t>
             </a:r>
             <a:r>
-              <a:rPr b="0" lang="ru-RU" sz="2400" spc="-1" strike="noStrike">
+              <a:rPr b="0" lang="ru-RU" sz="2200" spc="-1" strike="noStrike">
                 <a:solidFill>
                   <a:srgbClr val="000000"/>
                 </a:solidFill>
@@ -3891,7 +3891,7 @@
               </a:rPr>
               <a:t>, который в дальнейшим будет использоваться мечетью как главный сайт организации.</a:t>
             </a:r>
-            <a:endParaRPr b="0" lang="ru-RU" sz="2400" spc="-1" strike="noStrike">
+            <a:endParaRPr b="0" lang="ru-RU" sz="2200" spc="-1" strike="noStrike">
               <a:solidFill>
                 <a:srgbClr val="000000"/>
               </a:solidFill>
@@ -3947,7 +3947,7 @@
         <p:spPr>
           <a:xfrm>
             <a:off x="360000" y="1778400"/>
-            <a:ext cx="9358920" cy="2360880"/>
+            <a:ext cx="9358560" cy="2360520"/>
           </a:xfrm>
           <a:prstGeom prst="rect">
             <a:avLst/>
@@ -3992,6 +3992,29 @@
           </a:p>
         </p:txBody>
       </p:sp>
+      <p:pic>
+        <p:nvPicPr>
+          <p:cNvPr id="55" name="" descr=""/>
+          <p:cNvPicPr/>
+          <p:nvPr/>
+        </p:nvPicPr>
+        <p:blipFill>
+          <a:blip r:embed="rId2"/>
+          <a:stretch/>
+        </p:blipFill>
+        <p:spPr>
+          <a:xfrm>
+            <a:off x="2489040" y="747720"/>
+            <a:ext cx="4998960" cy="4266360"/>
+          </a:xfrm>
+          <a:prstGeom prst="rect">
+            <a:avLst/>
+          </a:prstGeom>
+          <a:ln w="0">
+            <a:noFill/>
+          </a:ln>
+        </p:spPr>
+      </p:pic>
     </p:spTree>
   </p:cSld>
   <mc:AlternateContent>
@@ -4032,14 +4055,14 @@
       </p:grpSpPr>
       <p:sp>
         <p:nvSpPr>
-          <p:cNvPr id="55" name=""/>
+          <p:cNvPr id="56" name=""/>
           <p:cNvSpPr/>
           <p:nvPr/>
         </p:nvSpPr>
         <p:spPr>
           <a:xfrm>
             <a:off x="360000" y="1778400"/>
-            <a:ext cx="9358920" cy="2360880"/>
+            <a:ext cx="9358560" cy="2360520"/>
           </a:xfrm>
           <a:prstGeom prst="rect">
             <a:avLst/>
@@ -4144,14 +4167,14 @@
       </p:grpSpPr>
       <p:sp>
         <p:nvSpPr>
-          <p:cNvPr id="56" name=""/>
+          <p:cNvPr id="57" name=""/>
           <p:cNvSpPr/>
           <p:nvPr/>
         </p:nvSpPr>
         <p:spPr>
           <a:xfrm>
             <a:off x="360000" y="1778400"/>
-            <a:ext cx="9358920" cy="2360880"/>
+            <a:ext cx="9358560" cy="2360520"/>
           </a:xfrm>
           <a:prstGeom prst="rect">
             <a:avLst/>
@@ -4286,14 +4309,14 @@
       </p:grpSpPr>
       <p:sp>
         <p:nvSpPr>
-          <p:cNvPr id="57" name=""/>
+          <p:cNvPr id="58" name=""/>
           <p:cNvSpPr/>
           <p:nvPr/>
         </p:nvSpPr>
         <p:spPr>
           <a:xfrm>
             <a:off x="360000" y="1778400"/>
-            <a:ext cx="9358920" cy="2360880"/>
+            <a:ext cx="9358560" cy="2360520"/>
           </a:xfrm>
           <a:prstGeom prst="rect">
             <a:avLst/>
@@ -4398,14 +4421,14 @@
       </p:grpSpPr>
       <p:sp>
         <p:nvSpPr>
-          <p:cNvPr id="58" name=""/>
+          <p:cNvPr id="59" name=""/>
           <p:cNvSpPr/>
           <p:nvPr/>
         </p:nvSpPr>
         <p:spPr>
           <a:xfrm>
             <a:off x="360000" y="1778400"/>
-            <a:ext cx="9358920" cy="2360880"/>
+            <a:ext cx="9358560" cy="2360520"/>
           </a:xfrm>
           <a:prstGeom prst="rect">
             <a:avLst/>
@@ -4490,14 +4513,14 @@
       </p:grpSpPr>
       <p:sp>
         <p:nvSpPr>
-          <p:cNvPr id="59" name=""/>
+          <p:cNvPr id="60" name=""/>
           <p:cNvSpPr/>
           <p:nvPr/>
         </p:nvSpPr>
         <p:spPr>
           <a:xfrm>
             <a:off x="360000" y="1778400"/>
-            <a:ext cx="9358920" cy="2360880"/>
+            <a:ext cx="9358560" cy="2360520"/>
           </a:xfrm>
           <a:prstGeom prst="rect">
             <a:avLst/>
@@ -4582,14 +4605,14 @@
       </p:grpSpPr>
       <p:sp>
         <p:nvSpPr>
-          <p:cNvPr id="60" name=""/>
+          <p:cNvPr id="61" name=""/>
           <p:cNvSpPr/>
           <p:nvPr/>
         </p:nvSpPr>
         <p:spPr>
           <a:xfrm>
             <a:off x="360000" y="1260000"/>
-            <a:ext cx="9359640" cy="719640"/>
+            <a:ext cx="9359280" cy="719280"/>
           </a:xfrm>
           <a:prstGeom prst="rect">
             <a:avLst/>
@@ -4649,14 +4672,14 @@
       </p:sp>
       <p:sp>
         <p:nvSpPr>
-          <p:cNvPr id="61" name=""/>
+          <p:cNvPr id="62" name=""/>
           <p:cNvSpPr/>
           <p:nvPr/>
         </p:nvSpPr>
         <p:spPr>
           <a:xfrm>
             <a:off x="720000" y="2880000"/>
-            <a:ext cx="8639640" cy="539640"/>
+            <a:ext cx="8639280" cy="539280"/>
           </a:xfrm>
           <a:prstGeom prst="rect">
             <a:avLst/>
@@ -4688,6 +4711,7 @@
                   <a:srgbClr val="000000"/>
                 </a:solidFill>
                 <a:latin typeface="Times New Roman"/>
+                <a:ea typeface="DejaVu Sans"/>
               </a:rPr>
               <a:t>Ссылка на сайт мечеть таква в сети - </a:t>
             </a:r>
@@ -4698,6 +4722,7 @@
                 </a:solidFill>
                 <a:uFillTx/>
                 <a:latin typeface="Times New Roman"/>
+                <a:ea typeface="DejaVu Sans"/>
                 <a:hlinkClick r:id="rId2"/>
               </a:rPr>
               <a:t>Masjid-Takva</a:t>
@@ -4713,14 +4738,14 @@
       </p:sp>
       <p:sp>
         <p:nvSpPr>
-          <p:cNvPr id="62" name=""/>
+          <p:cNvPr id="63" name=""/>
           <p:cNvSpPr/>
           <p:nvPr/>
         </p:nvSpPr>
         <p:spPr>
           <a:xfrm>
             <a:off x="720000" y="2160000"/>
-            <a:ext cx="7919640" cy="539640"/>
+            <a:ext cx="7919280" cy="539280"/>
           </a:xfrm>
           <a:prstGeom prst="rect">
             <a:avLst/>
@@ -4752,16 +4777,17 @@
                   <a:srgbClr val="000000"/>
                 </a:solidFill>
                 <a:latin typeface="Times New Roman"/>
-              </a:rPr>
-              <a:t>Ссылка на сайт на localhost - </a:t>
-            </a:r>
-            <a:r>
-              <a:rPr b="0" lang="ru-RU" sz="2400" spc="-1" strike="noStrike" u="sng">
-                <a:solidFill>
-                  <a:srgbClr val="0000ee"/>
-                </a:solidFill>
-                <a:uFillTx/>
-                <a:latin typeface="Times New Roman"/>
+                <a:ea typeface="DejaVu Sans"/>
+              </a:rPr>
+              <a:t>Ссылка на дизайн сайт мечети Таква - </a:t>
+            </a:r>
+            <a:r>
+              <a:rPr b="0" lang="ru-RU" sz="2400" spc="-1" strike="noStrike">
+                <a:solidFill>
+                  <a:srgbClr val="000000"/>
+                </a:solidFill>
+                <a:latin typeface="Times New Roman"/>
+                <a:ea typeface="DejaVu Sans"/>
                 <a:hlinkClick r:id="rId3"/>
               </a:rPr>
               <a:t>Masjid-Takva</a:t>
@@ -4813,1299 +4839,29 @@
           <a:chExt cx="0" cy="0"/>
         </a:xfrm>
       </p:grpSpPr>
-      <p:sp>
-        <p:nvSpPr>
-          <p:cNvPr id="63" name=""/>
-          <p:cNvSpPr/>
+      <p:pic>
+        <p:nvPicPr>
+          <p:cNvPr id="64" name="" descr=""/>
+          <p:cNvPicPr/>
           <p:nvPr/>
-        </p:nvSpPr>
+        </p:nvPicPr>
+        <p:blipFill>
+          <a:blip r:embed="rId2"/>
+          <a:stretch/>
+        </p:blipFill>
         <p:spPr>
           <a:xfrm>
-            <a:off x="2160000" y="374400"/>
-            <a:ext cx="5760000" cy="345600"/>
+            <a:off x="3060000" y="435960"/>
+            <a:ext cx="3885480" cy="4784040"/>
           </a:xfrm>
           <a:prstGeom prst="rect">
             <a:avLst/>
           </a:prstGeom>
-          <a:noFill/>
           <a:ln w="0">
             <a:noFill/>
           </a:ln>
         </p:spPr>
-        <p:style>
-          <a:lnRef idx="0"/>
-          <a:fillRef idx="0"/>
-          <a:effectRef idx="0"/>
-          <a:fontRef idx="minor"/>
-        </p:style>
-        <p:txBody>
-          <a:bodyPr lIns="90000" rIns="90000" tIns="45000" bIns="45000" anchor="t">
-            <a:noAutofit/>
-          </a:bodyPr>
-          <a:p>
-            <a:pPr algn="r">
-              <a:lnSpc>
-                <a:spcPct val="100000"/>
-              </a:lnSpc>
-            </a:pPr>
-            <a:r>
-              <a:rPr b="1" lang="ru-RU" sz="1400" spc="-1" strike="noStrike">
-                <a:solidFill>
-                  <a:srgbClr val="000000"/>
-                </a:solidFill>
-                <a:latin typeface="Times New Roman"/>
-                <a:ea typeface="DejaVu Sans"/>
-              </a:rPr>
-              <a:t>Программа реализации проекта</a:t>
-            </a:r>
-            <a:endParaRPr b="1" lang="ru-RU" sz="1400" spc="-1" strike="noStrike">
-              <a:solidFill>
-                <a:srgbClr val="000000"/>
-              </a:solidFill>
-              <a:latin typeface="Times New Roman"/>
-            </a:endParaRPr>
-          </a:p>
-        </p:txBody>
-      </p:sp>
-      <p:sp>
-        <p:nvSpPr>
-          <p:cNvPr id="64" name=""/>
-          <p:cNvSpPr txBox="1"/>
-          <p:nvPr/>
-        </p:nvSpPr>
-        <p:spPr>
-          <a:xfrm>
-            <a:off x="2160000" y="720000"/>
-            <a:ext cx="5760000" cy="540000"/>
-          </a:xfrm>
-          <a:prstGeom prst="rect">
-            <a:avLst/>
-          </a:prstGeom>
-          <a:noFill/>
-          <a:ln w="0">
-            <a:noFill/>
-          </a:ln>
-        </p:spPr>
-        <p:txBody>
-          <a:bodyPr lIns="90000" rIns="90000" tIns="45000" bIns="45000" anchor="t">
-            <a:noAutofit/>
-          </a:bodyPr>
-          <a:p>
-            <a:pPr algn="just"/>
-            <a:r>
-              <a:rPr b="1" lang="ru-RU" sz="1400" spc="-1" strike="noStrike">
-                <a:solidFill>
-                  <a:srgbClr val="000000"/>
-                </a:solidFill>
-                <a:latin typeface="Times New Roman"/>
-                <a:ea typeface="Microsoft YaHei"/>
-              </a:rPr>
-              <a:t>Цель:</a:t>
-            </a:r>
-            <a:r>
-              <a:rPr b="0" lang="ru-RU" sz="1400" spc="-1" strike="noStrike">
-                <a:solidFill>
-                  <a:srgbClr val="000000"/>
-                </a:solidFill>
-                <a:latin typeface="Times New Roman"/>
-                <a:ea typeface="Microsoft YaHei"/>
-              </a:rPr>
-              <a:t> создание сайта и размещение в сети сайта с помощью системы управление контентом </a:t>
-            </a:r>
-            <a:r>
-              <a:rPr b="0" lang="en-US" sz="1400" spc="-1" strike="noStrike">
-                <a:solidFill>
-                  <a:srgbClr val="000000"/>
-                </a:solidFill>
-                <a:latin typeface="Times New Roman"/>
-                <a:ea typeface="Microsoft YaHei"/>
-              </a:rPr>
-              <a:t>Joomla!.</a:t>
-            </a:r>
-            <a:endParaRPr b="0" lang="ru-RU" sz="1400" spc="-1" strike="noStrike">
-              <a:solidFill>
-                <a:srgbClr val="000000"/>
-              </a:solidFill>
-              <a:latin typeface="Times New Roman"/>
-            </a:endParaRPr>
-          </a:p>
-        </p:txBody>
-      </p:sp>
-      <p:graphicFrame>
-        <p:nvGraphicFramePr>
-          <p:cNvPr id="65" name=""/>
-          <p:cNvGraphicFramePr/>
-          <p:nvPr/>
-        </p:nvGraphicFramePr>
-        <p:xfrm>
-          <a:off x="2160000" y="1191960"/>
-          <a:ext cx="5759280" cy="3572280"/>
-        </p:xfrm>
-        <a:graphic>
-          <a:graphicData uri="http://schemas.openxmlformats.org/drawingml/2006/table">
-            <a:tbl>
-              <a:tblPr/>
-              <a:tblGrid>
-                <a:gridCol w="280080"/>
-                <a:gridCol w="2175840"/>
-                <a:gridCol w="2468160"/>
-                <a:gridCol w="835200"/>
-              </a:tblGrid>
-              <a:tr h="290160">
-                <a:tc>
-                  <a:txBody>
-                    <a:bodyPr lIns="36000" rIns="36000" tIns="36000" bIns="36000" anchor="t">
-                      <a:noAutofit/>
-                    </a:bodyPr>
-                    <a:p>
-                      <a:pPr algn="ctr"/>
-                      <a:r>
-                        <a:rPr b="0" lang="ru-RU" sz="1200" spc="-1" strike="noStrike">
-                          <a:solidFill>
-                            <a:srgbClr val="000000"/>
-                          </a:solidFill>
-                          <a:latin typeface="Times New Roman"/>
-                        </a:rPr>
-                        <a:t>№</a:t>
-                      </a:r>
-                      <a:endParaRPr b="0" lang="ru-RU" sz="1200" spc="-1" strike="noStrike">
-                        <a:solidFill>
-                          <a:srgbClr val="000000"/>
-                        </a:solidFill>
-                        <a:latin typeface="Times New Roman"/>
-                      </a:endParaRPr>
-                    </a:p>
-                  </a:txBody>
-                  <a:tcPr anchor="t" marL="36000" marR="36000">
-                    <a:lnL w="7200">
-                      <a:solidFill>
-                        <a:srgbClr val="000000"/>
-                      </a:solidFill>
-                      <a:prstDash val="solid"/>
-                    </a:lnL>
-                    <a:lnR w="7200">
-                      <a:solidFill>
-                        <a:srgbClr val="000000"/>
-                      </a:solidFill>
-                      <a:prstDash val="solid"/>
-                    </a:lnR>
-                    <a:lnT w="7200">
-                      <a:solidFill>
-                        <a:srgbClr val="000000"/>
-                      </a:solidFill>
-                      <a:prstDash val="solid"/>
-                    </a:lnT>
-                    <a:lnB w="7200">
-                      <a:solidFill>
-                        <a:srgbClr val="000000"/>
-                      </a:solidFill>
-                      <a:prstDash val="solid"/>
-                    </a:lnB>
-                    <a:noFill/>
-                  </a:tcPr>
-                </a:tc>
-                <a:tc>
-                  <a:txBody>
-                    <a:bodyPr lIns="36000" rIns="36000" tIns="36000" bIns="36000" anchor="t">
-                      <a:noAutofit/>
-                    </a:bodyPr>
-                    <a:p>
-                      <a:pPr algn="ctr"/>
-                      <a:r>
-                        <a:rPr b="0" lang="ru-RU" sz="1200" spc="-1" strike="noStrike">
-                          <a:solidFill>
-                            <a:srgbClr val="000000"/>
-                          </a:solidFill>
-                          <a:latin typeface="Times New Roman"/>
-                        </a:rPr>
-                        <a:t>Виды работы</a:t>
-                      </a:r>
-                      <a:endParaRPr b="0" lang="ru-RU" sz="1200" spc="-1" strike="noStrike">
-                        <a:solidFill>
-                          <a:srgbClr val="000000"/>
-                        </a:solidFill>
-                        <a:latin typeface="Times New Roman"/>
-                      </a:endParaRPr>
-                    </a:p>
-                  </a:txBody>
-                  <a:tcPr anchor="t" marL="36000" marR="36000">
-                    <a:lnL w="7200">
-                      <a:solidFill>
-                        <a:srgbClr val="000000"/>
-                      </a:solidFill>
-                      <a:prstDash val="solid"/>
-                    </a:lnL>
-                    <a:lnR w="7200">
-                      <a:solidFill>
-                        <a:srgbClr val="000000"/>
-                      </a:solidFill>
-                      <a:prstDash val="solid"/>
-                    </a:lnR>
-                    <a:lnT w="7200">
-                      <a:solidFill>
-                        <a:srgbClr val="000000"/>
-                      </a:solidFill>
-                      <a:prstDash val="solid"/>
-                    </a:lnT>
-                    <a:lnB w="7200">
-                      <a:solidFill>
-                        <a:srgbClr val="000000"/>
-                      </a:solidFill>
-                      <a:prstDash val="solid"/>
-                    </a:lnB>
-                    <a:noFill/>
-                  </a:tcPr>
-                </a:tc>
-                <a:tc>
-                  <a:txBody>
-                    <a:bodyPr lIns="36000" rIns="36000" tIns="36000" bIns="36000" anchor="t">
-                      <a:noAutofit/>
-                    </a:bodyPr>
-                    <a:p>
-                      <a:pPr algn="ctr"/>
-                      <a:r>
-                        <a:rPr b="0" lang="ru-RU" sz="1200" spc="-1" strike="noStrike">
-                          <a:solidFill>
-                            <a:srgbClr val="000000"/>
-                          </a:solidFill>
-                          <a:latin typeface="Times New Roman"/>
-                        </a:rPr>
-                        <a:t>Цель</a:t>
-                      </a:r>
-                      <a:endParaRPr b="0" lang="ru-RU" sz="1200" spc="-1" strike="noStrike">
-                        <a:solidFill>
-                          <a:srgbClr val="000000"/>
-                        </a:solidFill>
-                        <a:latin typeface="Times New Roman"/>
-                      </a:endParaRPr>
-                    </a:p>
-                  </a:txBody>
-                  <a:tcPr anchor="t" marL="36000" marR="36000">
-                    <a:lnL w="7200">
-                      <a:solidFill>
-                        <a:srgbClr val="000000"/>
-                      </a:solidFill>
-                      <a:prstDash val="solid"/>
-                    </a:lnL>
-                    <a:lnR w="7200">
-                      <a:solidFill>
-                        <a:srgbClr val="000000"/>
-                      </a:solidFill>
-                      <a:prstDash val="solid"/>
-                    </a:lnR>
-                    <a:lnT w="7200">
-                      <a:solidFill>
-                        <a:srgbClr val="000000"/>
-                      </a:solidFill>
-                      <a:prstDash val="solid"/>
-                    </a:lnT>
-                    <a:lnB w="7200">
-                      <a:solidFill>
-                        <a:srgbClr val="000000"/>
-                      </a:solidFill>
-                      <a:prstDash val="solid"/>
-                    </a:lnB>
-                    <a:noFill/>
-                  </a:tcPr>
-                </a:tc>
-                <a:tc>
-                  <a:txBody>
-                    <a:bodyPr lIns="36000" rIns="36000" tIns="36000" bIns="36000" anchor="t">
-                      <a:noAutofit/>
-                    </a:bodyPr>
-                    <a:p>
-                      <a:pPr algn="ctr"/>
-                      <a:r>
-                        <a:rPr b="0" lang="ru-RU" sz="1200" spc="-1" strike="noStrike">
-                          <a:solidFill>
-                            <a:srgbClr val="000000"/>
-                          </a:solidFill>
-                          <a:latin typeface="Times New Roman"/>
-                        </a:rPr>
-                        <a:t>Дата</a:t>
-                      </a:r>
-                      <a:endParaRPr b="0" lang="ru-RU" sz="1200" spc="-1" strike="noStrike">
-                        <a:solidFill>
-                          <a:srgbClr val="000000"/>
-                        </a:solidFill>
-                        <a:latin typeface="Times New Roman"/>
-                      </a:endParaRPr>
-                    </a:p>
-                  </a:txBody>
-                  <a:tcPr anchor="t" marL="36000" marR="36000">
-                    <a:lnL w="7200">
-                      <a:solidFill>
-                        <a:srgbClr val="000000"/>
-                      </a:solidFill>
-                      <a:prstDash val="solid"/>
-                    </a:lnL>
-                    <a:lnR w="7200">
-                      <a:solidFill>
-                        <a:srgbClr val="000000"/>
-                      </a:solidFill>
-                      <a:prstDash val="solid"/>
-                    </a:lnR>
-                    <a:lnT w="7200">
-                      <a:solidFill>
-                        <a:srgbClr val="000000"/>
-                      </a:solidFill>
-                      <a:prstDash val="solid"/>
-                    </a:lnT>
-                    <a:lnB w="7200">
-                      <a:solidFill>
-                        <a:srgbClr val="000000"/>
-                      </a:solidFill>
-                      <a:prstDash val="solid"/>
-                    </a:lnB>
-                    <a:noFill/>
-                  </a:tcPr>
-                </a:tc>
-              </a:tr>
-              <a:tr h="425520">
-                <a:tc>
-                  <a:txBody>
-                    <a:bodyPr lIns="36000" rIns="36000" tIns="36000" bIns="36000" anchor="t">
-                      <a:noAutofit/>
-                    </a:bodyPr>
-                    <a:p>
-                      <a:pPr algn="ctr"/>
-                      <a:r>
-                        <a:rPr b="0" lang="ru-RU" sz="1200" spc="-1" strike="noStrike">
-                          <a:solidFill>
-                            <a:srgbClr val="000000"/>
-                          </a:solidFill>
-                          <a:latin typeface="Times New Roman"/>
-                        </a:rPr>
-                        <a:t>1</a:t>
-                      </a:r>
-                      <a:endParaRPr b="0" lang="ru-RU" sz="1200" spc="-1" strike="noStrike">
-                        <a:solidFill>
-                          <a:srgbClr val="000000"/>
-                        </a:solidFill>
-                        <a:latin typeface="Times New Roman"/>
-                      </a:endParaRPr>
-                    </a:p>
-                  </a:txBody>
-                  <a:tcPr anchor="t" marL="36000" marR="36000">
-                    <a:lnL w="7200">
-                      <a:solidFill>
-                        <a:srgbClr val="000000"/>
-                      </a:solidFill>
-                      <a:prstDash val="solid"/>
-                    </a:lnL>
-                    <a:lnR w="7200">
-                      <a:solidFill>
-                        <a:srgbClr val="000000"/>
-                      </a:solidFill>
-                      <a:prstDash val="solid"/>
-                    </a:lnR>
-                    <a:lnT w="7200">
-                      <a:solidFill>
-                        <a:srgbClr val="000000"/>
-                      </a:solidFill>
-                      <a:prstDash val="solid"/>
-                    </a:lnT>
-                    <a:lnB w="7200">
-                      <a:solidFill>
-                        <a:srgbClr val="000000"/>
-                      </a:solidFill>
-                      <a:prstDash val="solid"/>
-                    </a:lnB>
-                    <a:noFill/>
-                  </a:tcPr>
-                </a:tc>
-                <a:tc>
-                  <a:txBody>
-                    <a:bodyPr lIns="36000" rIns="36000" tIns="36000" bIns="36000" anchor="t">
-                      <a:noAutofit/>
-                    </a:bodyPr>
-                    <a:p>
-                      <a:r>
-                        <a:rPr b="0" lang="ru-RU" sz="1200" spc="-1" strike="noStrike">
-                          <a:solidFill>
-                            <a:srgbClr val="000000"/>
-                          </a:solidFill>
-                          <a:latin typeface="Times New Roman"/>
-                        </a:rPr>
-                        <a:t>Выбор </a:t>
-                      </a:r>
-                      <a:endParaRPr b="0" lang="ru-RU" sz="1200" spc="-1" strike="noStrike">
-                        <a:solidFill>
-                          <a:srgbClr val="000000"/>
-                        </a:solidFill>
-                        <a:latin typeface="Times New Roman"/>
-                      </a:endParaRPr>
-                    </a:p>
-                  </a:txBody>
-                  <a:tcPr anchor="t" marL="36000" marR="36000">
-                    <a:lnL w="7200">
-                      <a:solidFill>
-                        <a:srgbClr val="000000"/>
-                      </a:solidFill>
-                      <a:prstDash val="solid"/>
-                    </a:lnL>
-                    <a:lnR w="7200">
-                      <a:solidFill>
-                        <a:srgbClr val="000000"/>
-                      </a:solidFill>
-                      <a:prstDash val="solid"/>
-                    </a:lnR>
-                    <a:lnT w="7200">
-                      <a:solidFill>
-                        <a:srgbClr val="000000"/>
-                      </a:solidFill>
-                      <a:prstDash val="solid"/>
-                    </a:lnT>
-                    <a:lnB w="7200">
-                      <a:solidFill>
-                        <a:srgbClr val="000000"/>
-                      </a:solidFill>
-                      <a:prstDash val="solid"/>
-                    </a:lnB>
-                    <a:noFill/>
-                  </a:tcPr>
-                </a:tc>
-                <a:tc>
-                  <a:txBody>
-                    <a:bodyPr lIns="36000" rIns="36000" tIns="36000" bIns="36000" anchor="t">
-                      <a:noAutofit/>
-                    </a:bodyPr>
-                    <a:p>
-                      <a:endParaRPr b="0" lang="ru-RU" sz="1200" spc="-1" strike="noStrike">
-                        <a:solidFill>
-                          <a:srgbClr val="000000"/>
-                        </a:solidFill>
-                        <a:latin typeface="Times New Roman"/>
-                      </a:endParaRPr>
-                    </a:p>
-                  </a:txBody>
-                  <a:tcPr anchor="t" marL="36000" marR="36000">
-                    <a:lnL w="7200">
-                      <a:solidFill>
-                        <a:srgbClr val="000000"/>
-                      </a:solidFill>
-                      <a:prstDash val="solid"/>
-                    </a:lnL>
-                    <a:lnR w="7200">
-                      <a:solidFill>
-                        <a:srgbClr val="000000"/>
-                      </a:solidFill>
-                      <a:prstDash val="solid"/>
-                    </a:lnR>
-                    <a:lnT w="7200">
-                      <a:solidFill>
-                        <a:srgbClr val="000000"/>
-                      </a:solidFill>
-                      <a:prstDash val="solid"/>
-                    </a:lnT>
-                    <a:lnB w="7200">
-                      <a:solidFill>
-                        <a:srgbClr val="000000"/>
-                      </a:solidFill>
-                      <a:prstDash val="solid"/>
-                    </a:lnB>
-                    <a:noFill/>
-                  </a:tcPr>
-                </a:tc>
-                <a:tc>
-                  <a:txBody>
-                    <a:bodyPr lIns="36000" rIns="36000" tIns="36000" bIns="36000" anchor="t">
-                      <a:noAutofit/>
-                    </a:bodyPr>
-                    <a:p>
-                      <a:pPr algn="ctr"/>
-                      <a:r>
-                        <a:rPr b="0" lang="ru-RU" sz="1200" spc="-1" strike="noStrike">
-                          <a:solidFill>
-                            <a:srgbClr val="000000"/>
-                          </a:solidFill>
-                          <a:latin typeface="Times New Roman"/>
-                        </a:rPr>
-                        <a:t>Сентябрь 2024</a:t>
-                      </a:r>
-                      <a:endParaRPr b="0" lang="ru-RU" sz="1200" spc="-1" strike="noStrike">
-                        <a:solidFill>
-                          <a:srgbClr val="000000"/>
-                        </a:solidFill>
-                        <a:latin typeface="Times New Roman"/>
-                      </a:endParaRPr>
-                    </a:p>
-                  </a:txBody>
-                  <a:tcPr anchor="t" marL="36000" marR="36000">
-                    <a:lnL w="7200">
-                      <a:solidFill>
-                        <a:srgbClr val="000000"/>
-                      </a:solidFill>
-                      <a:prstDash val="solid"/>
-                    </a:lnL>
-                    <a:lnR w="7200">
-                      <a:solidFill>
-                        <a:srgbClr val="000000"/>
-                      </a:solidFill>
-                      <a:prstDash val="solid"/>
-                    </a:lnR>
-                    <a:lnT w="7200">
-                      <a:solidFill>
-                        <a:srgbClr val="000000"/>
-                      </a:solidFill>
-                      <a:prstDash val="solid"/>
-                    </a:lnT>
-                    <a:lnB w="7200">
-                      <a:solidFill>
-                        <a:srgbClr val="000000"/>
-                      </a:solidFill>
-                      <a:prstDash val="solid"/>
-                    </a:lnB>
-                    <a:noFill/>
-                  </a:tcPr>
-                </a:tc>
-              </a:tr>
-              <a:tr h="425520">
-                <a:tc>
-                  <a:txBody>
-                    <a:bodyPr lIns="36000" rIns="36000" tIns="36000" bIns="36000" anchor="t">
-                      <a:noAutofit/>
-                    </a:bodyPr>
-                    <a:p>
-                      <a:pPr algn="ctr"/>
-                      <a:r>
-                        <a:rPr b="0" lang="ru-RU" sz="1200" spc="-1" strike="noStrike">
-                          <a:solidFill>
-                            <a:srgbClr val="000000"/>
-                          </a:solidFill>
-                          <a:latin typeface="Times New Roman"/>
-                        </a:rPr>
-                        <a:t>2</a:t>
-                      </a:r>
-                      <a:endParaRPr b="0" lang="ru-RU" sz="1200" spc="-1" strike="noStrike">
-                        <a:solidFill>
-                          <a:srgbClr val="000000"/>
-                        </a:solidFill>
-                        <a:latin typeface="Times New Roman"/>
-                      </a:endParaRPr>
-                    </a:p>
-                  </a:txBody>
-                  <a:tcPr anchor="t" marL="36000" marR="36000">
-                    <a:lnL w="7200">
-                      <a:solidFill>
-                        <a:srgbClr val="000000"/>
-                      </a:solidFill>
-                      <a:prstDash val="solid"/>
-                    </a:lnL>
-                    <a:lnR w="7200">
-                      <a:solidFill>
-                        <a:srgbClr val="000000"/>
-                      </a:solidFill>
-                      <a:prstDash val="solid"/>
-                    </a:lnR>
-                    <a:lnT w="7200">
-                      <a:solidFill>
-                        <a:srgbClr val="000000"/>
-                      </a:solidFill>
-                      <a:prstDash val="solid"/>
-                    </a:lnT>
-                    <a:lnB w="7200">
-                      <a:solidFill>
-                        <a:srgbClr val="000000"/>
-                      </a:solidFill>
-                      <a:prstDash val="solid"/>
-                    </a:lnB>
-                    <a:noFill/>
-                  </a:tcPr>
-                </a:tc>
-                <a:tc>
-                  <a:txBody>
-                    <a:bodyPr lIns="36000" rIns="36000" tIns="36000" bIns="36000" anchor="t">
-                      <a:noAutofit/>
-                    </a:bodyPr>
-                    <a:p>
-                      <a:endParaRPr b="0" lang="ru-RU" sz="1200" spc="-1" strike="noStrike">
-                        <a:solidFill>
-                          <a:srgbClr val="000000"/>
-                        </a:solidFill>
-                        <a:latin typeface="Times New Roman"/>
-                      </a:endParaRPr>
-                    </a:p>
-                  </a:txBody>
-                  <a:tcPr anchor="t" marL="36000" marR="36000">
-                    <a:lnL w="7200">
-                      <a:solidFill>
-                        <a:srgbClr val="000000"/>
-                      </a:solidFill>
-                      <a:prstDash val="solid"/>
-                    </a:lnL>
-                    <a:lnR w="7200">
-                      <a:solidFill>
-                        <a:srgbClr val="000000"/>
-                      </a:solidFill>
-                      <a:prstDash val="solid"/>
-                    </a:lnR>
-                    <a:lnT w="7200">
-                      <a:solidFill>
-                        <a:srgbClr val="000000"/>
-                      </a:solidFill>
-                      <a:prstDash val="solid"/>
-                    </a:lnT>
-                    <a:lnB w="7200">
-                      <a:solidFill>
-                        <a:srgbClr val="000000"/>
-                      </a:solidFill>
-                      <a:prstDash val="solid"/>
-                    </a:lnB>
-                    <a:noFill/>
-                  </a:tcPr>
-                </a:tc>
-                <a:tc>
-                  <a:txBody>
-                    <a:bodyPr lIns="36000" rIns="36000" tIns="36000" bIns="36000" anchor="t">
-                      <a:noAutofit/>
-                    </a:bodyPr>
-                    <a:p>
-                      <a:endParaRPr b="0" lang="ru-RU" sz="1200" spc="-1" strike="noStrike">
-                        <a:solidFill>
-                          <a:srgbClr val="000000"/>
-                        </a:solidFill>
-                        <a:latin typeface="Times New Roman"/>
-                      </a:endParaRPr>
-                    </a:p>
-                  </a:txBody>
-                  <a:tcPr anchor="t" marL="36000" marR="36000">
-                    <a:lnL w="7200">
-                      <a:solidFill>
-                        <a:srgbClr val="000000"/>
-                      </a:solidFill>
-                      <a:prstDash val="solid"/>
-                    </a:lnL>
-                    <a:lnR w="7200">
-                      <a:solidFill>
-                        <a:srgbClr val="000000"/>
-                      </a:solidFill>
-                      <a:prstDash val="solid"/>
-                    </a:lnR>
-                    <a:lnT w="7200">
-                      <a:solidFill>
-                        <a:srgbClr val="000000"/>
-                      </a:solidFill>
-                      <a:prstDash val="solid"/>
-                    </a:lnT>
-                    <a:lnB w="7200">
-                      <a:solidFill>
-                        <a:srgbClr val="000000"/>
-                      </a:solidFill>
-                      <a:prstDash val="solid"/>
-                    </a:lnB>
-                    <a:noFill/>
-                  </a:tcPr>
-                </a:tc>
-                <a:tc>
-                  <a:txBody>
-                    <a:bodyPr lIns="36000" rIns="36000" tIns="36000" bIns="36000" anchor="t">
-                      <a:noAutofit/>
-                    </a:bodyPr>
-                    <a:p>
-                      <a:pPr algn="ctr"/>
-                      <a:r>
-                        <a:rPr b="0" lang="ru-RU" sz="1200" spc="-1" strike="noStrike">
-                          <a:solidFill>
-                            <a:srgbClr val="000000"/>
-                          </a:solidFill>
-                          <a:latin typeface="Times New Roman"/>
-                        </a:rPr>
-                        <a:t>Сентябрь — Октябрь 2024</a:t>
-                      </a:r>
-                      <a:endParaRPr b="0" lang="ru-RU" sz="1200" spc="-1" strike="noStrike">
-                        <a:solidFill>
-                          <a:srgbClr val="000000"/>
-                        </a:solidFill>
-                        <a:latin typeface="Times New Roman"/>
-                      </a:endParaRPr>
-                    </a:p>
-                  </a:txBody>
-                  <a:tcPr anchor="t" marL="36000" marR="36000">
-                    <a:lnL w="7200">
-                      <a:solidFill>
-                        <a:srgbClr val="000000"/>
-                      </a:solidFill>
-                      <a:prstDash val="solid"/>
-                    </a:lnL>
-                    <a:lnR w="7200">
-                      <a:solidFill>
-                        <a:srgbClr val="000000"/>
-                      </a:solidFill>
-                      <a:prstDash val="solid"/>
-                    </a:lnR>
-                    <a:lnT w="7200">
-                      <a:solidFill>
-                        <a:srgbClr val="000000"/>
-                      </a:solidFill>
-                      <a:prstDash val="solid"/>
-                    </a:lnT>
-                    <a:lnB w="7200">
-                      <a:solidFill>
-                        <a:srgbClr val="000000"/>
-                      </a:solidFill>
-                      <a:prstDash val="solid"/>
-                    </a:lnB>
-                    <a:noFill/>
-                  </a:tcPr>
-                </a:tc>
-              </a:tr>
-              <a:tr h="425520">
-                <a:tc>
-                  <a:txBody>
-                    <a:bodyPr lIns="36000" rIns="36000" tIns="36000" bIns="36000" anchor="t">
-                      <a:noAutofit/>
-                    </a:bodyPr>
-                    <a:p>
-                      <a:pPr algn="ctr"/>
-                      <a:r>
-                        <a:rPr b="0" lang="ru-RU" sz="1200" spc="-1" strike="noStrike">
-                          <a:solidFill>
-                            <a:srgbClr val="000000"/>
-                          </a:solidFill>
-                          <a:latin typeface="Times New Roman"/>
-                        </a:rPr>
-                        <a:t>3</a:t>
-                      </a:r>
-                      <a:endParaRPr b="0" lang="ru-RU" sz="1200" spc="-1" strike="noStrike">
-                        <a:solidFill>
-                          <a:srgbClr val="000000"/>
-                        </a:solidFill>
-                        <a:latin typeface="Times New Roman"/>
-                      </a:endParaRPr>
-                    </a:p>
-                  </a:txBody>
-                  <a:tcPr anchor="t" marL="36000" marR="36000">
-                    <a:lnL w="7200">
-                      <a:solidFill>
-                        <a:srgbClr val="000000"/>
-                      </a:solidFill>
-                      <a:prstDash val="solid"/>
-                    </a:lnL>
-                    <a:lnR w="7200">
-                      <a:solidFill>
-                        <a:srgbClr val="000000"/>
-                      </a:solidFill>
-                      <a:prstDash val="solid"/>
-                    </a:lnR>
-                    <a:lnT w="7200">
-                      <a:solidFill>
-                        <a:srgbClr val="000000"/>
-                      </a:solidFill>
-                      <a:prstDash val="solid"/>
-                    </a:lnT>
-                    <a:lnB w="7200">
-                      <a:solidFill>
-                        <a:srgbClr val="000000"/>
-                      </a:solidFill>
-                      <a:prstDash val="solid"/>
-                    </a:lnB>
-                    <a:noFill/>
-                  </a:tcPr>
-                </a:tc>
-                <a:tc>
-                  <a:txBody>
-                    <a:bodyPr lIns="36000" rIns="36000" tIns="36000" bIns="36000" anchor="t">
-                      <a:noAutofit/>
-                    </a:bodyPr>
-                    <a:p>
-                      <a:endParaRPr b="0" lang="ru-RU" sz="1200" spc="-1" strike="noStrike">
-                        <a:solidFill>
-                          <a:srgbClr val="000000"/>
-                        </a:solidFill>
-                        <a:latin typeface="Times New Roman"/>
-                      </a:endParaRPr>
-                    </a:p>
-                  </a:txBody>
-                  <a:tcPr anchor="t" marL="36000" marR="36000">
-                    <a:lnL w="7200">
-                      <a:solidFill>
-                        <a:srgbClr val="000000"/>
-                      </a:solidFill>
-                      <a:prstDash val="solid"/>
-                    </a:lnL>
-                    <a:lnR w="7200">
-                      <a:solidFill>
-                        <a:srgbClr val="000000"/>
-                      </a:solidFill>
-                      <a:prstDash val="solid"/>
-                    </a:lnR>
-                    <a:lnT w="7200">
-                      <a:solidFill>
-                        <a:srgbClr val="000000"/>
-                      </a:solidFill>
-                      <a:prstDash val="solid"/>
-                    </a:lnT>
-                    <a:lnB w="7200">
-                      <a:solidFill>
-                        <a:srgbClr val="000000"/>
-                      </a:solidFill>
-                      <a:prstDash val="solid"/>
-                    </a:lnB>
-                    <a:noFill/>
-                  </a:tcPr>
-                </a:tc>
-                <a:tc>
-                  <a:txBody>
-                    <a:bodyPr lIns="36000" rIns="36000" tIns="36000" bIns="36000" anchor="t">
-                      <a:noAutofit/>
-                    </a:bodyPr>
-                    <a:p>
-                      <a:endParaRPr b="0" lang="ru-RU" sz="1200" spc="-1" strike="noStrike">
-                        <a:solidFill>
-                          <a:srgbClr val="000000"/>
-                        </a:solidFill>
-                        <a:latin typeface="Times New Roman"/>
-                      </a:endParaRPr>
-                    </a:p>
-                  </a:txBody>
-                  <a:tcPr anchor="t" marL="36000" marR="36000">
-                    <a:lnL w="7200">
-                      <a:solidFill>
-                        <a:srgbClr val="000000"/>
-                      </a:solidFill>
-                      <a:prstDash val="solid"/>
-                    </a:lnL>
-                    <a:lnR w="7200">
-                      <a:solidFill>
-                        <a:srgbClr val="000000"/>
-                      </a:solidFill>
-                      <a:prstDash val="solid"/>
-                    </a:lnR>
-                    <a:lnT w="7200">
-                      <a:solidFill>
-                        <a:srgbClr val="000000"/>
-                      </a:solidFill>
-                      <a:prstDash val="solid"/>
-                    </a:lnT>
-                    <a:lnB w="7200">
-                      <a:solidFill>
-                        <a:srgbClr val="000000"/>
-                      </a:solidFill>
-                      <a:prstDash val="solid"/>
-                    </a:lnB>
-                    <a:noFill/>
-                  </a:tcPr>
-                </a:tc>
-                <a:tc>
-                  <a:txBody>
-                    <a:bodyPr lIns="36000" rIns="36000" tIns="36000" bIns="36000" anchor="t">
-                      <a:noAutofit/>
-                    </a:bodyPr>
-                    <a:p>
-                      <a:pPr algn="ctr"/>
-                      <a:r>
-                        <a:rPr b="0" lang="ru-RU" sz="1200" spc="-1" strike="noStrike">
-                          <a:solidFill>
-                            <a:srgbClr val="000000"/>
-                          </a:solidFill>
-                          <a:latin typeface="Times New Roman"/>
-                        </a:rPr>
-                        <a:t>Декабрь - 2024</a:t>
-                      </a:r>
-                      <a:endParaRPr b="0" lang="ru-RU" sz="1200" spc="-1" strike="noStrike">
-                        <a:solidFill>
-                          <a:srgbClr val="000000"/>
-                        </a:solidFill>
-                        <a:latin typeface="Times New Roman"/>
-                      </a:endParaRPr>
-                    </a:p>
-                  </a:txBody>
-                  <a:tcPr anchor="t" marL="36000" marR="36000">
-                    <a:lnL w="7200">
-                      <a:solidFill>
-                        <a:srgbClr val="000000"/>
-                      </a:solidFill>
-                      <a:prstDash val="solid"/>
-                    </a:lnL>
-                    <a:lnR w="7200">
-                      <a:solidFill>
-                        <a:srgbClr val="000000"/>
-                      </a:solidFill>
-                      <a:prstDash val="solid"/>
-                    </a:lnR>
-                    <a:lnT w="7200">
-                      <a:solidFill>
-                        <a:srgbClr val="000000"/>
-                      </a:solidFill>
-                      <a:prstDash val="solid"/>
-                    </a:lnT>
-                    <a:lnB w="7200">
-                      <a:solidFill>
-                        <a:srgbClr val="000000"/>
-                      </a:solidFill>
-                      <a:prstDash val="solid"/>
-                    </a:lnB>
-                    <a:noFill/>
-                  </a:tcPr>
-                </a:tc>
-              </a:tr>
-              <a:tr h="425520">
-                <a:tc>
-                  <a:txBody>
-                    <a:bodyPr lIns="36000" rIns="36000" tIns="36000" bIns="36000" anchor="t">
-                      <a:noAutofit/>
-                    </a:bodyPr>
-                    <a:p>
-                      <a:pPr algn="ctr"/>
-                      <a:r>
-                        <a:rPr b="0" lang="ru-RU" sz="1200" spc="-1" strike="noStrike">
-                          <a:solidFill>
-                            <a:srgbClr val="000000"/>
-                          </a:solidFill>
-                          <a:latin typeface="Times New Roman"/>
-                        </a:rPr>
-                        <a:t>4</a:t>
-                      </a:r>
-                      <a:endParaRPr b="0" lang="ru-RU" sz="1200" spc="-1" strike="noStrike">
-                        <a:solidFill>
-                          <a:srgbClr val="000000"/>
-                        </a:solidFill>
-                        <a:latin typeface="Times New Roman"/>
-                      </a:endParaRPr>
-                    </a:p>
-                  </a:txBody>
-                  <a:tcPr anchor="t" marL="36000" marR="36000">
-                    <a:lnL w="7200">
-                      <a:solidFill>
-                        <a:srgbClr val="000000"/>
-                      </a:solidFill>
-                      <a:prstDash val="solid"/>
-                    </a:lnL>
-                    <a:lnR w="7200">
-                      <a:solidFill>
-                        <a:srgbClr val="000000"/>
-                      </a:solidFill>
-                      <a:prstDash val="solid"/>
-                    </a:lnR>
-                    <a:lnT w="7200">
-                      <a:solidFill>
-                        <a:srgbClr val="000000"/>
-                      </a:solidFill>
-                      <a:prstDash val="solid"/>
-                    </a:lnT>
-                    <a:lnB w="7200">
-                      <a:solidFill>
-                        <a:srgbClr val="000000"/>
-                      </a:solidFill>
-                      <a:prstDash val="solid"/>
-                    </a:lnB>
-                    <a:noFill/>
-                  </a:tcPr>
-                </a:tc>
-                <a:tc>
-                  <a:txBody>
-                    <a:bodyPr lIns="36000" rIns="36000" tIns="36000" bIns="36000" anchor="t">
-                      <a:noAutofit/>
-                    </a:bodyPr>
-                    <a:p>
-                      <a:endParaRPr b="0" lang="ru-RU" sz="1200" spc="-1" strike="noStrike">
-                        <a:solidFill>
-                          <a:srgbClr val="000000"/>
-                        </a:solidFill>
-                        <a:latin typeface="Times New Roman"/>
-                      </a:endParaRPr>
-                    </a:p>
-                  </a:txBody>
-                  <a:tcPr anchor="t" marL="36000" marR="36000">
-                    <a:lnL w="7200">
-                      <a:solidFill>
-                        <a:srgbClr val="000000"/>
-                      </a:solidFill>
-                      <a:prstDash val="solid"/>
-                    </a:lnL>
-                    <a:lnR w="7200">
-                      <a:solidFill>
-                        <a:srgbClr val="000000"/>
-                      </a:solidFill>
-                      <a:prstDash val="solid"/>
-                    </a:lnR>
-                    <a:lnT w="7200">
-                      <a:solidFill>
-                        <a:srgbClr val="000000"/>
-                      </a:solidFill>
-                      <a:prstDash val="solid"/>
-                    </a:lnT>
-                    <a:lnB w="7200">
-                      <a:solidFill>
-                        <a:srgbClr val="000000"/>
-                      </a:solidFill>
-                      <a:prstDash val="solid"/>
-                    </a:lnB>
-                    <a:noFill/>
-                  </a:tcPr>
-                </a:tc>
-                <a:tc>
-                  <a:txBody>
-                    <a:bodyPr lIns="36000" rIns="36000" tIns="36000" bIns="36000" anchor="t">
-                      <a:noAutofit/>
-                    </a:bodyPr>
-                    <a:p>
-                      <a:endParaRPr b="0" lang="ru-RU" sz="1200" spc="-1" strike="noStrike">
-                        <a:solidFill>
-                          <a:srgbClr val="000000"/>
-                        </a:solidFill>
-                        <a:latin typeface="Times New Roman"/>
-                      </a:endParaRPr>
-                    </a:p>
-                  </a:txBody>
-                  <a:tcPr anchor="t" marL="36000" marR="36000">
-                    <a:lnL w="7200">
-                      <a:solidFill>
-                        <a:srgbClr val="000000"/>
-                      </a:solidFill>
-                      <a:prstDash val="solid"/>
-                    </a:lnL>
-                    <a:lnR w="7200">
-                      <a:solidFill>
-                        <a:srgbClr val="000000"/>
-                      </a:solidFill>
-                      <a:prstDash val="solid"/>
-                    </a:lnR>
-                    <a:lnT w="7200">
-                      <a:solidFill>
-                        <a:srgbClr val="000000"/>
-                      </a:solidFill>
-                      <a:prstDash val="solid"/>
-                    </a:lnT>
-                    <a:lnB w="7200">
-                      <a:solidFill>
-                        <a:srgbClr val="000000"/>
-                      </a:solidFill>
-                      <a:prstDash val="solid"/>
-                    </a:lnB>
-                    <a:noFill/>
-                  </a:tcPr>
-                </a:tc>
-                <a:tc>
-                  <a:txBody>
-                    <a:bodyPr lIns="36000" rIns="36000" tIns="36000" bIns="36000" anchor="t">
-                      <a:noAutofit/>
-                    </a:bodyPr>
-                    <a:p>
-                      <a:pPr algn="ctr"/>
-                      <a:endParaRPr b="0" lang="ru-RU" sz="1200" spc="-1" strike="noStrike">
-                        <a:solidFill>
-                          <a:srgbClr val="000000"/>
-                        </a:solidFill>
-                        <a:latin typeface="Times New Roman"/>
-                      </a:endParaRPr>
-                    </a:p>
-                  </a:txBody>
-                  <a:tcPr anchor="t" marL="36000" marR="36000">
-                    <a:lnL w="7200">
-                      <a:solidFill>
-                        <a:srgbClr val="000000"/>
-                      </a:solidFill>
-                      <a:prstDash val="solid"/>
-                    </a:lnL>
-                    <a:lnR w="7200">
-                      <a:solidFill>
-                        <a:srgbClr val="000000"/>
-                      </a:solidFill>
-                      <a:prstDash val="solid"/>
-                    </a:lnR>
-                    <a:lnT w="7200">
-                      <a:solidFill>
-                        <a:srgbClr val="000000"/>
-                      </a:solidFill>
-                      <a:prstDash val="solid"/>
-                    </a:lnT>
-                    <a:lnB w="7200">
-                      <a:solidFill>
-                        <a:srgbClr val="000000"/>
-                      </a:solidFill>
-                      <a:prstDash val="solid"/>
-                    </a:lnB>
-                    <a:noFill/>
-                  </a:tcPr>
-                </a:tc>
-              </a:tr>
-              <a:tr h="1418040">
-                <a:tc>
-                  <a:txBody>
-                    <a:bodyPr lIns="36000" rIns="36000" tIns="36000" bIns="36000" anchor="t">
-                      <a:noAutofit/>
-                    </a:bodyPr>
-                    <a:p>
-                      <a:pPr algn="ctr"/>
-                      <a:r>
-                        <a:rPr b="0" lang="ru-RU" sz="1200" spc="-1" strike="noStrike">
-                          <a:solidFill>
-                            <a:srgbClr val="000000"/>
-                          </a:solidFill>
-                          <a:latin typeface="Times New Roman"/>
-                        </a:rPr>
-                        <a:t>5</a:t>
-                      </a:r>
-                      <a:endParaRPr b="0" lang="ru-RU" sz="1200" spc="-1" strike="noStrike">
-                        <a:solidFill>
-                          <a:srgbClr val="000000"/>
-                        </a:solidFill>
-                        <a:latin typeface="Times New Roman"/>
-                      </a:endParaRPr>
-                    </a:p>
-                  </a:txBody>
-                  <a:tcPr anchor="t" marL="36000" marR="36000">
-                    <a:lnL w="7200">
-                      <a:solidFill>
-                        <a:srgbClr val="000000"/>
-                      </a:solidFill>
-                      <a:prstDash val="solid"/>
-                    </a:lnL>
-                    <a:lnR w="7200">
-                      <a:solidFill>
-                        <a:srgbClr val="000000"/>
-                      </a:solidFill>
-                      <a:prstDash val="solid"/>
-                    </a:lnR>
-                    <a:lnT w="7200">
-                      <a:solidFill>
-                        <a:srgbClr val="000000"/>
-                      </a:solidFill>
-                      <a:prstDash val="solid"/>
-                    </a:lnT>
-                    <a:lnB w="7200">
-                      <a:solidFill>
-                        <a:srgbClr val="000000"/>
-                      </a:solidFill>
-                      <a:prstDash val="solid"/>
-                    </a:lnB>
-                    <a:noFill/>
-                  </a:tcPr>
-                </a:tc>
-                <a:tc>
-                  <a:txBody>
-                    <a:bodyPr lIns="36000" rIns="36000" tIns="36000" bIns="36000" anchor="t">
-                      <a:noAutofit/>
-                    </a:bodyPr>
-                    <a:p>
-                      <a:endParaRPr b="0" lang="ru-RU" sz="1200" spc="-1" strike="noStrike">
-                        <a:solidFill>
-                          <a:srgbClr val="000000"/>
-                        </a:solidFill>
-                        <a:latin typeface="Times New Roman"/>
-                      </a:endParaRPr>
-                    </a:p>
-                  </a:txBody>
-                  <a:tcPr anchor="t" marL="36000" marR="36000">
-                    <a:lnL w="7200">
-                      <a:solidFill>
-                        <a:srgbClr val="000000"/>
-                      </a:solidFill>
-                      <a:prstDash val="solid"/>
-                    </a:lnL>
-                    <a:lnR w="7200">
-                      <a:solidFill>
-                        <a:srgbClr val="000000"/>
-                      </a:solidFill>
-                      <a:prstDash val="solid"/>
-                    </a:lnR>
-                    <a:lnT w="7200">
-                      <a:solidFill>
-                        <a:srgbClr val="000000"/>
-                      </a:solidFill>
-                      <a:prstDash val="solid"/>
-                    </a:lnT>
-                    <a:lnB w="7200">
-                      <a:solidFill>
-                        <a:srgbClr val="000000"/>
-                      </a:solidFill>
-                      <a:prstDash val="solid"/>
-                    </a:lnB>
-                    <a:noFill/>
-                  </a:tcPr>
-                </a:tc>
-                <a:tc>
-                  <a:txBody>
-                    <a:bodyPr lIns="36000" rIns="36000" tIns="36000" bIns="36000" anchor="t">
-                      <a:noAutofit/>
-                    </a:bodyPr>
-                    <a:p>
-                      <a:endParaRPr b="0" lang="ru-RU" sz="1200" spc="-1" strike="noStrike">
-                        <a:solidFill>
-                          <a:srgbClr val="000000"/>
-                        </a:solidFill>
-                        <a:latin typeface="Times New Roman"/>
-                      </a:endParaRPr>
-                    </a:p>
-                  </a:txBody>
-                  <a:tcPr anchor="t" marL="36000" marR="36000">
-                    <a:lnL w="7200">
-                      <a:solidFill>
-                        <a:srgbClr val="000000"/>
-                      </a:solidFill>
-                      <a:prstDash val="solid"/>
-                    </a:lnL>
-                    <a:lnR w="7200">
-                      <a:solidFill>
-                        <a:srgbClr val="000000"/>
-                      </a:solidFill>
-                      <a:prstDash val="solid"/>
-                    </a:lnR>
-                    <a:lnT w="7200">
-                      <a:solidFill>
-                        <a:srgbClr val="000000"/>
-                      </a:solidFill>
-                      <a:prstDash val="solid"/>
-                    </a:lnT>
-                    <a:lnB w="7200">
-                      <a:solidFill>
-                        <a:srgbClr val="000000"/>
-                      </a:solidFill>
-                      <a:prstDash val="solid"/>
-                    </a:lnB>
-                    <a:noFill/>
-                  </a:tcPr>
-                </a:tc>
-                <a:tc>
-                  <a:txBody>
-                    <a:bodyPr lIns="36000" rIns="36000" tIns="36000" bIns="36000" anchor="t">
-                      <a:noAutofit/>
-                    </a:bodyPr>
-                    <a:p>
-                      <a:pPr algn="ctr"/>
-                      <a:endParaRPr b="0" lang="ru-RU" sz="1200" spc="-1" strike="noStrike">
-                        <a:solidFill>
-                          <a:srgbClr val="000000"/>
-                        </a:solidFill>
-                        <a:latin typeface="Times New Roman"/>
-                      </a:endParaRPr>
-                    </a:p>
-                  </a:txBody>
-                  <a:tcPr anchor="t" marL="36000" marR="36000">
-                    <a:lnL w="7200">
-                      <a:solidFill>
-                        <a:srgbClr val="000000"/>
-                      </a:solidFill>
-                      <a:prstDash val="solid"/>
-                    </a:lnL>
-                    <a:lnR w="7200">
-                      <a:solidFill>
-                        <a:srgbClr val="000000"/>
-                      </a:solidFill>
-                      <a:prstDash val="solid"/>
-                    </a:lnR>
-                    <a:lnT w="7200">
-                      <a:solidFill>
-                        <a:srgbClr val="000000"/>
-                      </a:solidFill>
-                      <a:prstDash val="solid"/>
-                    </a:lnT>
-                    <a:lnB w="7200">
-                      <a:solidFill>
-                        <a:srgbClr val="000000"/>
-                      </a:solidFill>
-                      <a:prstDash val="solid"/>
-                    </a:lnB>
-                    <a:noFill/>
-                  </a:tcPr>
-                </a:tc>
-              </a:tr>
-            </a:tbl>
-          </a:graphicData>
-        </a:graphic>
-      </p:graphicFrame>
+      </p:pic>
     </p:spTree>
   </p:cSld>
   <mc:AlternateContent>
@@ -6146,14 +4902,14 @@
       </p:grpSpPr>
       <p:sp>
         <p:nvSpPr>
-          <p:cNvPr id="66" name=""/>
+          <p:cNvPr id="65" name=""/>
           <p:cNvSpPr/>
           <p:nvPr/>
         </p:nvSpPr>
         <p:spPr>
           <a:xfrm>
             <a:off x="2160000" y="2160000"/>
-            <a:ext cx="5759640" cy="719640"/>
+            <a:ext cx="5759280" cy="719280"/>
           </a:xfrm>
           <a:prstGeom prst="rect">
             <a:avLst/>
@@ -6245,7 +5001,7 @@
         <p:spPr>
           <a:xfrm>
             <a:off x="360000" y="1440000"/>
-            <a:ext cx="9359640" cy="2879640"/>
+            <a:ext cx="9359280" cy="2879280"/>
           </a:xfrm>
           <a:prstGeom prst="rect">
             <a:avLst/>
@@ -6340,7 +5096,7 @@
       <p:bgPr>
         <a:blipFill rotWithShape="0">
           <a:blip r:embed="rId1"/>
-          <a:tile tx="0" ty="0" sx="82679" sy="82674" algn="ctr"/>
+          <a:tile tx="0" ty="0" sx="82676" sy="82669" algn="ctr"/>
         </a:blipFill>
       </p:bgPr>
     </p:bg>
@@ -6360,14 +5116,14 @@
       </p:grpSpPr>
       <p:sp>
         <p:nvSpPr>
-          <p:cNvPr id="67" name=""/>
+          <p:cNvPr id="66" name=""/>
           <p:cNvSpPr/>
           <p:nvPr/>
         </p:nvSpPr>
         <p:spPr>
           <a:xfrm>
             <a:off x="3164760" y="4877280"/>
-            <a:ext cx="3451680" cy="342360"/>
+            <a:ext cx="3451320" cy="342000"/>
           </a:xfrm>
           <a:prstGeom prst="rect">
             <a:avLst/>
@@ -6414,14 +5170,14 @@
       </p:sp>
       <p:sp>
         <p:nvSpPr>
-          <p:cNvPr id="68" name=""/>
+          <p:cNvPr id="67" name=""/>
           <p:cNvSpPr/>
           <p:nvPr/>
         </p:nvSpPr>
         <p:spPr>
           <a:xfrm>
             <a:off x="1620360" y="1620000"/>
-            <a:ext cx="6838560" cy="3463200"/>
+            <a:ext cx="6838200" cy="3462840"/>
           </a:xfrm>
           <a:prstGeom prst="rect">
             <a:avLst/>
@@ -6533,7 +5289,7 @@
         <p:spPr>
           <a:xfrm>
             <a:off x="360000" y="1440000"/>
-            <a:ext cx="9358920" cy="2699640"/>
+            <a:ext cx="9358560" cy="2699280"/>
           </a:xfrm>
           <a:prstGeom prst="rect">
             <a:avLst/>
@@ -6655,7 +5411,7 @@
         <p:spPr>
           <a:xfrm>
             <a:off x="360000" y="1778400"/>
-            <a:ext cx="9358920" cy="2360880"/>
+            <a:ext cx="9358560" cy="2360520"/>
           </a:xfrm>
           <a:prstGeom prst="rect">
             <a:avLst/>
@@ -6787,7 +5543,7 @@
         <p:spPr>
           <a:xfrm>
             <a:off x="360000" y="900000"/>
-            <a:ext cx="9358920" cy="4001760"/>
+            <a:ext cx="9358560" cy="4001400"/>
           </a:xfrm>
           <a:prstGeom prst="rect">
             <a:avLst/>
@@ -6808,7 +5564,7 @@
             <a:noAutofit/>
           </a:bodyPr>
           <a:p>
-            <a:pPr>
+            <a:pPr algn="just">
               <a:lnSpc>
                 <a:spcPct val="150000"/>
               </a:lnSpc>
@@ -7002,7 +5758,7 @@
         <p:spPr>
           <a:xfrm>
             <a:off x="360000" y="1520640"/>
-            <a:ext cx="9178920" cy="2618280"/>
+            <a:ext cx="9178560" cy="2617920"/>
           </a:xfrm>
           <a:prstGeom prst="rect">
             <a:avLst/>
@@ -7023,7 +5779,7 @@
             <a:noAutofit/>
           </a:bodyPr>
           <a:p>
-            <a:pPr>
+            <a:pPr algn="just">
               <a:lnSpc>
                 <a:spcPct val="100000"/>
               </a:lnSpc>
@@ -7144,7 +5900,7 @@
         <p:spPr>
           <a:xfrm>
             <a:off x="360000" y="360000"/>
-            <a:ext cx="9358920" cy="4858920"/>
+            <a:ext cx="9358560" cy="4858560"/>
           </a:xfrm>
           <a:prstGeom prst="rect">
             <a:avLst/>
@@ -7198,7 +5954,7 @@
             </a:endParaRPr>
           </a:p>
           <a:p>
-            <a:pPr>
+            <a:pPr algn="just">
               <a:lnSpc>
                 <a:spcPct val="100000"/>
               </a:lnSpc>
@@ -7251,7 +6007,7 @@
             </a:endParaRPr>
           </a:p>
           <a:p>
-            <a:pPr>
+            <a:pPr algn="just">
               <a:lnSpc>
                 <a:spcPct val="100000"/>
               </a:lnSpc>
@@ -7284,7 +6040,7 @@
             </a:endParaRPr>
           </a:p>
           <a:p>
-            <a:pPr>
+            <a:pPr algn="just">
               <a:lnSpc>
                 <a:spcPct val="100000"/>
               </a:lnSpc>
@@ -7337,7 +6093,7 @@
             </a:endParaRPr>
           </a:p>
           <a:p>
-            <a:pPr>
+            <a:pPr algn="just">
               <a:lnSpc>
                 <a:spcPct val="100000"/>
               </a:lnSpc>
@@ -7458,7 +6214,7 @@
         <p:spPr>
           <a:xfrm>
             <a:off x="360000" y="1778400"/>
-            <a:ext cx="9358920" cy="2360880"/>
+            <a:ext cx="9358560" cy="2360520"/>
           </a:xfrm>
           <a:prstGeom prst="rect">
             <a:avLst/>
@@ -7479,7 +6235,7 @@
             <a:noAutofit/>
           </a:bodyPr>
           <a:p>
-            <a:pPr>
+            <a:pPr algn="just">
               <a:lnSpc>
                 <a:spcPct val="100000"/>
               </a:lnSpc>
@@ -7570,7 +6326,7 @@
         <p:spPr>
           <a:xfrm>
             <a:off x="360000" y="180000"/>
-            <a:ext cx="9358920" cy="5218920"/>
+            <a:ext cx="9358560" cy="5218560"/>
           </a:xfrm>
           <a:prstGeom prst="rect">
             <a:avLst/>
@@ -7666,6 +6422,7 @@
               </a:lnSpc>
               <a:tabLst>
                 <a:tab algn="l" pos="0"/>
+                <a:tab algn="l" pos="1193760"/>
               </a:tabLst>
             </a:pPr>
             <a:r>
@@ -7712,6 +6469,7 @@
               </a:lnSpc>
               <a:tabLst>
                 <a:tab algn="l" pos="0"/>
+                <a:tab algn="l" pos="1193760"/>
               </a:tabLst>
             </a:pPr>
             <a:r>
@@ -7758,6 +6516,7 @@
               </a:lnSpc>
               <a:tabLst>
                 <a:tab algn="l" pos="0"/>
+                <a:tab algn="l" pos="1193760"/>
               </a:tabLst>
             </a:pPr>
             <a:r>
@@ -7804,6 +6563,7 @@
               </a:lnSpc>
               <a:tabLst>
                 <a:tab algn="l" pos="0"/>
+                <a:tab algn="l" pos="1193760"/>
               </a:tabLst>
             </a:pPr>
             <a:r>
@@ -7850,6 +6610,7 @@
               </a:lnSpc>
               <a:tabLst>
                 <a:tab algn="l" pos="0"/>
+                <a:tab algn="l" pos="1193760"/>
               </a:tabLst>
             </a:pPr>
             <a:r>
@@ -7896,6 +6657,10 @@
               </a:lnSpc>
               <a:tabLst>
                 <a:tab algn="l" pos="0"/>
+                <a:tab algn="l" pos="1193760"/>
+                <a:tab algn="l" pos="1638360"/>
+                <a:tab algn="l" pos="1689120"/>
+                <a:tab algn="l" pos="1994040"/>
               </a:tabLst>
             </a:pPr>
             <a:r>
